--- a/淘宝销售文案.pptx
+++ b/淘宝销售文案.pptx
@@ -7,6 +7,9 @@
   <p:sldIdLst>
     <p:sldId id="256" r:id="rId2"/>
     <p:sldId id="257" r:id="rId3"/>
+    <p:sldId id="258" r:id="rId4"/>
+    <p:sldId id="260" r:id="rId5"/>
+    <p:sldId id="261" r:id="rId6"/>
   </p:sldIdLst>
   <p:sldSz cx="12192000" cy="6858000"/>
   <p:notesSz cx="6858000" cy="9144000"/>
@@ -309,7 +312,7 @@
             <a:fld id="{B61BEF0D-F0BB-DE4B-95CE-6DB70DBA9567}" type="datetimeFigureOut">
               <a:rPr lang="en-US" dirty="0"/>
               <a:pPr/>
-              <a:t>10/18/2017</a:t>
+              <a:t>10/21/2017</a:t>
             </a:fld>
             <a:endParaRPr lang="en-US" dirty="0"/>
           </a:p>
@@ -742,7 +745,7 @@
             <a:fld id="{B61BEF0D-F0BB-DE4B-95CE-6DB70DBA9567}" type="datetimeFigureOut">
               <a:rPr lang="en-US" dirty="0"/>
               <a:pPr/>
-              <a:t>10/18/2017</a:t>
+              <a:t>10/21/2017</a:t>
             </a:fld>
             <a:endParaRPr lang="en-US" dirty="0"/>
           </a:p>
@@ -989,7 +992,7 @@
             <a:fld id="{B61BEF0D-F0BB-DE4B-95CE-6DB70DBA9567}" type="datetimeFigureOut">
               <a:rPr lang="en-US" dirty="0"/>
               <a:pPr/>
-              <a:t>10/18/2017</a:t>
+              <a:t>10/21/2017</a:t>
             </a:fld>
             <a:endParaRPr lang="en-US" dirty="0"/>
           </a:p>
@@ -1294,7 +1297,7 @@
             <a:fld id="{B61BEF0D-F0BB-DE4B-95CE-6DB70DBA9567}" type="datetimeFigureOut">
               <a:rPr lang="en-US" dirty="0"/>
               <a:pPr/>
-              <a:t>10/18/2017</a:t>
+              <a:t>10/21/2017</a:t>
             </a:fld>
             <a:endParaRPr lang="en-US" dirty="0"/>
           </a:p>
@@ -1609,7 +1612,7 @@
             <a:fld id="{B61BEF0D-F0BB-DE4B-95CE-6DB70DBA9567}" type="datetimeFigureOut">
               <a:rPr lang="en-US" dirty="0"/>
               <a:pPr/>
-              <a:t>10/18/2017</a:t>
+              <a:t>10/21/2017</a:t>
             </a:fld>
             <a:endParaRPr lang="en-US" dirty="0"/>
           </a:p>
@@ -1908,7 +1911,7 @@
             <a:fld id="{B61BEF0D-F0BB-DE4B-95CE-6DB70DBA9567}" type="datetimeFigureOut">
               <a:rPr lang="en-US" dirty="0"/>
               <a:pPr/>
-              <a:t>10/18/2017</a:t>
+              <a:t>10/21/2017</a:t>
             </a:fld>
             <a:endParaRPr lang="en-US" dirty="0"/>
           </a:p>
@@ -2272,7 +2275,7 @@
             <a:fld id="{B61BEF0D-F0BB-DE4B-95CE-6DB70DBA9567}" type="datetimeFigureOut">
               <a:rPr lang="en-US" dirty="0"/>
               <a:pPr/>
-              <a:t>10/18/2017</a:t>
+              <a:t>10/21/2017</a:t>
             </a:fld>
             <a:endParaRPr lang="en-US" dirty="0"/>
           </a:p>
@@ -2443,7 +2446,7 @@
             <a:fld id="{B61BEF0D-F0BB-DE4B-95CE-6DB70DBA9567}" type="datetimeFigureOut">
               <a:rPr lang="en-US" dirty="0"/>
               <a:pPr/>
-              <a:t>10/18/2017</a:t>
+              <a:t>10/21/2017</a:t>
             </a:fld>
             <a:endParaRPr lang="en-US" dirty="0"/>
           </a:p>
@@ -2620,7 +2623,7 @@
             <a:fld id="{B61BEF0D-F0BB-DE4B-95CE-6DB70DBA9567}" type="datetimeFigureOut">
               <a:rPr lang="en-US" dirty="0"/>
               <a:pPr/>
-              <a:t>10/18/2017</a:t>
+              <a:t>10/21/2017</a:t>
             </a:fld>
             <a:endParaRPr lang="en-US" dirty="0"/>
           </a:p>
@@ -2787,7 +2790,7 @@
             <a:fld id="{B61BEF0D-F0BB-DE4B-95CE-6DB70DBA9567}" type="datetimeFigureOut">
               <a:rPr lang="en-US" dirty="0"/>
               <a:pPr/>
-              <a:t>10/18/2017</a:t>
+              <a:t>10/21/2017</a:t>
             </a:fld>
             <a:endParaRPr lang="en-US" dirty="0"/>
           </a:p>
@@ -3034,7 +3037,7 @@
             <a:fld id="{B61BEF0D-F0BB-DE4B-95CE-6DB70DBA9567}" type="datetimeFigureOut">
               <a:rPr lang="en-US" dirty="0"/>
               <a:pPr/>
-              <a:t>10/18/2017</a:t>
+              <a:t>10/21/2017</a:t>
             </a:fld>
             <a:endParaRPr lang="en-US" dirty="0"/>
           </a:p>
@@ -3267,7 +3270,7 @@
             <a:fld id="{B61BEF0D-F0BB-DE4B-95CE-6DB70DBA9567}" type="datetimeFigureOut">
               <a:rPr lang="en-US" dirty="0"/>
               <a:pPr/>
-              <a:t>10/18/2017</a:t>
+              <a:t>10/21/2017</a:t>
             </a:fld>
             <a:endParaRPr lang="en-US" dirty="0"/>
           </a:p>
@@ -3646,7 +3649,7 @@
             <a:fld id="{B61BEF0D-F0BB-DE4B-95CE-6DB70DBA9567}" type="datetimeFigureOut">
               <a:rPr lang="en-US" dirty="0"/>
               <a:pPr/>
-              <a:t>10/18/2017</a:t>
+              <a:t>10/21/2017</a:t>
             </a:fld>
             <a:endParaRPr lang="en-US" dirty="0"/>
           </a:p>
@@ -3761,7 +3764,7 @@
             <a:fld id="{B61BEF0D-F0BB-DE4B-95CE-6DB70DBA9567}" type="datetimeFigureOut">
               <a:rPr lang="en-US" dirty="0"/>
               <a:pPr/>
-              <a:t>10/18/2017</a:t>
+              <a:t>10/21/2017</a:t>
             </a:fld>
             <a:endParaRPr lang="en-US" dirty="0"/>
           </a:p>
@@ -3853,7 +3856,7 @@
             <a:fld id="{B61BEF0D-F0BB-DE4B-95CE-6DB70DBA9567}" type="datetimeFigureOut">
               <a:rPr lang="en-US" dirty="0"/>
               <a:pPr/>
-              <a:t>10/18/2017</a:t>
+              <a:t>10/21/2017</a:t>
             </a:fld>
             <a:endParaRPr lang="en-US" dirty="0"/>
           </a:p>
@@ -4105,7 +4108,7 @@
             <a:fld id="{B61BEF0D-F0BB-DE4B-95CE-6DB70DBA9567}" type="datetimeFigureOut">
               <a:rPr lang="en-US" dirty="0"/>
               <a:pPr/>
-              <a:t>10/18/2017</a:t>
+              <a:t>10/21/2017</a:t>
             </a:fld>
             <a:endParaRPr lang="en-US" dirty="0"/>
           </a:p>
@@ -4385,7 +4388,7 @@
             <a:fld id="{B61BEF0D-F0BB-DE4B-95CE-6DB70DBA9567}" type="datetimeFigureOut">
               <a:rPr lang="en-US" dirty="0"/>
               <a:pPr/>
-              <a:t>10/18/2017</a:t>
+              <a:t>10/21/2017</a:t>
             </a:fld>
             <a:endParaRPr lang="en-US" dirty="0"/>
           </a:p>
@@ -4804,7 +4807,7 @@
             <a:fld id="{B61BEF0D-F0BB-DE4B-95CE-6DB70DBA9567}" type="datetimeFigureOut">
               <a:rPr lang="en-US" dirty="0"/>
               <a:pPr/>
-              <a:t>10/18/2017</a:t>
+              <a:t>10/21/2017</a:t>
             </a:fld>
             <a:endParaRPr lang="en-US" dirty="0"/>
           </a:p>
@@ -5349,8 +5352,8 @@
         </p:nvSpPr>
         <p:spPr>
           <a:xfrm>
-            <a:off x="1753089" y="1656850"/>
-            <a:ext cx="3877985" cy="523220"/>
+            <a:off x="2193012" y="2020233"/>
+            <a:ext cx="3230326" cy="830997"/>
           </a:xfrm>
           <a:prstGeom prst="rect">
             <a:avLst/>
@@ -5358,81 +5361,61 @@
           <a:noFill/>
         </p:spPr>
         <p:txBody>
-          <a:bodyPr wrap="none" rtlCol="0">
+          <a:bodyPr wrap="square" rtlCol="0">
             <a:spAutoFit/>
           </a:bodyPr>
           <a:lstStyle/>
           <a:p>
-            <a:r>
-              <a:rPr lang="en-US" altLang="zh-CN" sz="2800" b="1" dirty="0">
+            <a:pPr algn="ctr"/>
+            <a:r>
+              <a:rPr lang="zh-CN" altLang="en-US" sz="2400" b="1" dirty="0">
                 <a:solidFill>
                   <a:srgbClr val="FFFF00"/>
                 </a:solidFill>
                 <a:latin typeface="华文中宋" panose="02010600040101010101" pitchFamily="2" charset="-122"/>
                 <a:ea typeface="华文中宋" panose="02010600040101010101" pitchFamily="2" charset="-122"/>
               </a:rPr>
-              <a:t>Intellij IDEA </a:t>
-            </a:r>
-            <a:r>
-              <a:rPr lang="zh-CN" altLang="en-US" sz="2800" b="1" dirty="0">
+              <a:t>基于</a:t>
+            </a:r>
+            <a:r>
+              <a:rPr lang="en-US" altLang="zh-CN" sz="2400" b="1" dirty="0">
                 <a:solidFill>
                   <a:srgbClr val="FFFF00"/>
                 </a:solidFill>
                 <a:latin typeface="华文中宋" panose="02010600040101010101" pitchFamily="2" charset="-122"/>
                 <a:ea typeface="华文中宋" panose="02010600040101010101" pitchFamily="2" charset="-122"/>
               </a:rPr>
-              <a:t>视频教程</a:t>
-            </a:r>
-          </a:p>
-        </p:txBody>
-      </p:sp>
-      <p:sp>
-        <p:nvSpPr>
-          <p:cNvPr id="7" name="文本框 6">
-            <a:extLst>
-              <a:ext uri="{FF2B5EF4-FFF2-40B4-BE49-F238E27FC236}">
-                <a16:creationId xmlns:a16="http://schemas.microsoft.com/office/drawing/2014/main" id="{A9869CFA-63D2-46BE-A761-719AB9E5BB2A}"/>
-              </a:ext>
-            </a:extLst>
-          </p:cNvPr>
-          <p:cNvSpPr txBox="1"/>
-          <p:nvPr/>
-        </p:nvSpPr>
-        <p:spPr>
-          <a:xfrm>
-            <a:off x="2231585" y="2221470"/>
-            <a:ext cx="2920992" cy="523220"/>
-          </a:xfrm>
-          <a:prstGeom prst="rect">
-            <a:avLst/>
-          </a:prstGeom>
-          <a:noFill/>
-        </p:spPr>
-        <p:txBody>
-          <a:bodyPr wrap="none" rtlCol="0">
-            <a:spAutoFit/>
-          </a:bodyPr>
-          <a:lstStyle/>
-          <a:p>
-            <a:r>
-              <a:rPr lang="en-US" altLang="zh-CN" sz="2800" b="1" dirty="0">
+              <a:t>Dubbo</a:t>
+            </a:r>
+            <a:r>
+              <a:rPr lang="zh-CN" altLang="en-US" sz="2400" b="1" dirty="0">
                 <a:solidFill>
                   <a:srgbClr val="FFFF00"/>
                 </a:solidFill>
                 <a:latin typeface="华文中宋" panose="02010600040101010101" pitchFamily="2" charset="-122"/>
                 <a:ea typeface="华文中宋" panose="02010600040101010101" pitchFamily="2" charset="-122"/>
               </a:rPr>
-              <a:t>0</a:t>
-            </a:r>
-            <a:r>
-              <a:rPr lang="zh-CN" altLang="en-US" sz="2800" b="1" dirty="0">
+              <a:t>的</a:t>
+            </a:r>
+            <a:endParaRPr lang="en-US" altLang="zh-CN" sz="2400" b="1" dirty="0">
+              <a:solidFill>
+                <a:srgbClr val="FFFF00"/>
+              </a:solidFill>
+              <a:latin typeface="华文中宋" panose="02010600040101010101" pitchFamily="2" charset="-122"/>
+              <a:ea typeface="华文中宋" panose="02010600040101010101" pitchFamily="2" charset="-122"/>
+            </a:endParaRPr>
+          </a:p>
+          <a:p>
+            <a:pPr algn="ctr"/>
+            <a:r>
+              <a:rPr lang="zh-CN" altLang="en-US" sz="2400" b="1" dirty="0">
                 <a:solidFill>
                   <a:srgbClr val="FFFF00"/>
                 </a:solidFill>
                 <a:latin typeface="华文中宋" panose="02010600040101010101" pitchFamily="2" charset="-122"/>
                 <a:ea typeface="华文中宋" panose="02010600040101010101" pitchFamily="2" charset="-122"/>
               </a:rPr>
-              <a:t>基础入门到精通</a:t>
+              <a:t>分布式系统架构实战</a:t>
             </a:r>
           </a:p>
         </p:txBody>
@@ -5451,7 +5434,7 @@
         </p:nvSpPr>
         <p:spPr>
           <a:xfrm>
-            <a:off x="2665998" y="1161090"/>
+            <a:off x="2715584" y="1620123"/>
             <a:ext cx="2052165" cy="400110"/>
           </a:xfrm>
           <a:prstGeom prst="rect">
@@ -5504,8 +5487,8 @@
         </p:nvSpPr>
         <p:spPr>
           <a:xfrm>
-            <a:off x="2114088" y="3399470"/>
-            <a:ext cx="1475084" cy="400110"/>
+            <a:off x="1866030" y="3601269"/>
+            <a:ext cx="1731564" cy="461665"/>
           </a:xfrm>
           <a:prstGeom prst="rect">
             <a:avLst/>
@@ -5520,7 +5503,7 @@
           <a:p>
             <a:pPr algn="ctr"/>
             <a:r>
-              <a:rPr lang="zh-CN" altLang="en-US" sz="2000" b="1" dirty="0">
+              <a:rPr lang="zh-CN" altLang="en-US" sz="2400" b="1" dirty="0">
                 <a:solidFill>
                   <a:srgbClr val="FFC000"/>
                 </a:solidFill>
@@ -5544,8 +5527,8 @@
         </p:nvSpPr>
         <p:spPr>
           <a:xfrm>
-            <a:off x="1570851" y="628174"/>
-            <a:ext cx="4036643" cy="400110"/>
+            <a:off x="1723344" y="808529"/>
+            <a:ext cx="4036643" cy="461665"/>
           </a:xfrm>
           <a:prstGeom prst="rect">
             <a:avLst/>
@@ -5560,7 +5543,7 @@
           <a:p>
             <a:pPr algn="ctr"/>
             <a:r>
-              <a:rPr lang="en-US" altLang="zh-CN" sz="2000" b="1" dirty="0">
+              <a:rPr lang="en-US" altLang="zh-CN" sz="2400" b="1" dirty="0">
                 <a:solidFill>
                   <a:srgbClr val="FFC000"/>
                 </a:solidFill>
@@ -5568,7 +5551,7 @@
               <a:t>7x24</a:t>
             </a:r>
             <a:r>
-              <a:rPr lang="zh-CN" altLang="en-US" sz="2000" b="1" dirty="0">
+              <a:rPr lang="zh-CN" altLang="en-US" sz="2400" b="1" dirty="0">
                 <a:solidFill>
                   <a:srgbClr val="FFC000"/>
                 </a:solidFill>
@@ -5592,8 +5575,8 @@
         </p:nvSpPr>
         <p:spPr>
           <a:xfrm rot="20644085">
-            <a:off x="3710017" y="2855924"/>
-            <a:ext cx="1710246" cy="1328824"/>
+            <a:off x="3692703" y="3180615"/>
+            <a:ext cx="2018089" cy="1450274"/>
           </a:xfrm>
           <a:prstGeom prst="star10">
             <a:avLst/>
@@ -5629,7 +5612,7 @@
                   <a:srgbClr val="C00000"/>
                 </a:solidFill>
               </a:rPr>
-              <a:t>5.99</a:t>
+              <a:t>19.99</a:t>
             </a:r>
             <a:r>
               <a:rPr lang="zh-CN" altLang="en-US" sz="2800" b="1" dirty="0">
@@ -5896,6 +5879,1434 @@
     <p:extLst>
       <p:ext uri="{BB962C8B-B14F-4D97-AF65-F5344CB8AC3E}">
         <p14:creationId xmlns:p14="http://schemas.microsoft.com/office/powerpoint/2010/main" val="3249463999"/>
+      </p:ext>
+    </p:extLst>
+  </p:cSld>
+  <p:clrMapOvr>
+    <a:masterClrMapping/>
+  </p:clrMapOvr>
+</p:sld>
+</file>
+
+<file path=ppt/slides/slide3.xml><?xml version="1.0" encoding="utf-8"?>
+<p:sld xmlns:a="http://schemas.openxmlformats.org/drawingml/2006/main" xmlns:r="http://schemas.openxmlformats.org/officeDocument/2006/relationships" xmlns:p="http://schemas.openxmlformats.org/presentationml/2006/main">
+  <p:cSld>
+    <p:spTree>
+      <p:nvGrpSpPr>
+        <p:cNvPr id="1" name=""/>
+        <p:cNvGrpSpPr/>
+        <p:nvPr/>
+      </p:nvGrpSpPr>
+      <p:grpSpPr>
+        <a:xfrm>
+          <a:off x="0" y="0"/>
+          <a:ext cx="0" cy="0"/>
+          <a:chOff x="0" y="0"/>
+          <a:chExt cx="0" cy="0"/>
+        </a:xfrm>
+      </p:grpSpPr>
+      <p:sp>
+        <p:nvSpPr>
+          <p:cNvPr id="2" name="标题 1">
+            <a:extLst>
+              <a:ext uri="{FF2B5EF4-FFF2-40B4-BE49-F238E27FC236}">
+                <a16:creationId xmlns:a16="http://schemas.microsoft.com/office/drawing/2014/main" id="{BCD37B1F-10D0-4CE5-BF41-E32514DEF5B0}"/>
+              </a:ext>
+            </a:extLst>
+          </p:cNvPr>
+          <p:cNvSpPr>
+            <a:spLocks noGrp="1"/>
+          </p:cNvSpPr>
+          <p:nvPr>
+            <p:ph type="title"/>
+          </p:nvPr>
+        </p:nvSpPr>
+        <p:spPr/>
+        <p:txBody>
+          <a:bodyPr/>
+          <a:lstStyle/>
+          <a:p>
+            <a:endParaRPr lang="zh-CN" altLang="en-US" dirty="0"/>
+          </a:p>
+        </p:txBody>
+      </p:sp>
+      <p:pic>
+        <p:nvPicPr>
+          <p:cNvPr id="5" name="内容占位符 4">
+            <a:extLst>
+              <a:ext uri="{FF2B5EF4-FFF2-40B4-BE49-F238E27FC236}">
+                <a16:creationId xmlns:a16="http://schemas.microsoft.com/office/drawing/2014/main" id="{7947E416-2894-4F6D-8C83-97D9640783DE}"/>
+              </a:ext>
+            </a:extLst>
+          </p:cNvPr>
+          <p:cNvPicPr>
+            <a:picLocks noGrp="1" noChangeAspect="1"/>
+          </p:cNvPicPr>
+          <p:nvPr>
+            <p:ph idx="1"/>
+          </p:nvPr>
+        </p:nvPicPr>
+        <p:blipFill>
+          <a:blip r:embed="rId2"/>
+          <a:stretch>
+            <a:fillRect/>
+          </a:stretch>
+        </p:blipFill>
+        <p:spPr>
+          <a:xfrm>
+            <a:off x="887413" y="842169"/>
+            <a:ext cx="3501707" cy="1422568"/>
+          </a:xfrm>
+        </p:spPr>
+      </p:pic>
+      <p:sp>
+        <p:nvSpPr>
+          <p:cNvPr id="6" name="文本框 5">
+            <a:extLst>
+              <a:ext uri="{FF2B5EF4-FFF2-40B4-BE49-F238E27FC236}">
+                <a16:creationId xmlns:a16="http://schemas.microsoft.com/office/drawing/2014/main" id="{22037EE7-F48E-4BCF-9884-44274ADE6539}"/>
+              </a:ext>
+            </a:extLst>
+          </p:cNvPr>
+          <p:cNvSpPr txBox="1"/>
+          <p:nvPr/>
+        </p:nvSpPr>
+        <p:spPr>
+          <a:xfrm>
+            <a:off x="773901" y="2545037"/>
+            <a:ext cx="2019749" cy="830997"/>
+          </a:xfrm>
+          <a:prstGeom prst="rect">
+            <a:avLst/>
+          </a:prstGeom>
+          <a:noFill/>
+        </p:spPr>
+        <p:txBody>
+          <a:bodyPr wrap="square" rtlCol="0">
+            <a:spAutoFit/>
+          </a:bodyPr>
+          <a:lstStyle/>
+          <a:p>
+            <a:pPr marL="0" marR="0" lvl="0" indent="0" algn="l" defTabSz="457200" rtl="0" eaLnBrk="1" fontAlgn="auto" latinLnBrk="0" hangingPunct="1">
+              <a:lnSpc>
+                <a:spcPct val="100000"/>
+              </a:lnSpc>
+              <a:spcBef>
+                <a:spcPts val="0"/>
+              </a:spcBef>
+              <a:spcAft>
+                <a:spcPts val="0"/>
+              </a:spcAft>
+              <a:buClrTx/>
+              <a:buSzTx/>
+              <a:buFontTx/>
+              <a:buNone/>
+              <a:tabLst/>
+              <a:defRPr/>
+            </a:pPr>
+            <a:r>
+              <a:rPr kumimoji="0" lang="zh-CN" altLang="en-US" sz="2400" b="1" i="0" u="none" strike="noStrike" kern="1200" cap="none" spc="0" normalizeH="0" baseline="0" noProof="0" dirty="0">
+                <a:ln>
+                  <a:noFill/>
+                </a:ln>
+                <a:solidFill>
+                  <a:srgbClr val="FFC000"/>
+                </a:solidFill>
+                <a:effectLst/>
+                <a:uLnTx/>
+                <a:uFillTx/>
+                <a:latin typeface="Century Gothic" panose="020B0502020202020204"/>
+                <a:ea typeface="幼圆" panose="02010509060101010101" pitchFamily="49" charset="-122"/>
+                <a:cs typeface="+mn-cs"/>
+              </a:rPr>
+              <a:t>官网最新版</a:t>
+            </a:r>
+            <a:endParaRPr kumimoji="0" lang="en-US" altLang="zh-CN" sz="2400" b="1" i="0" u="none" strike="noStrike" kern="1200" cap="none" spc="0" normalizeH="0" baseline="0" noProof="0" dirty="0">
+              <a:ln>
+                <a:noFill/>
+              </a:ln>
+              <a:solidFill>
+                <a:srgbClr val="FFC000"/>
+              </a:solidFill>
+              <a:effectLst/>
+              <a:uLnTx/>
+              <a:uFillTx/>
+              <a:latin typeface="Century Gothic" panose="020B0502020202020204"/>
+              <a:ea typeface="幼圆" panose="02010509060101010101" pitchFamily="49" charset="-122"/>
+              <a:cs typeface="+mn-cs"/>
+            </a:endParaRPr>
+          </a:p>
+          <a:p>
+            <a:pPr marL="0" marR="0" lvl="0" indent="0" algn="l" defTabSz="457200" rtl="0" eaLnBrk="1" fontAlgn="auto" latinLnBrk="0" hangingPunct="1">
+              <a:lnSpc>
+                <a:spcPct val="100000"/>
+              </a:lnSpc>
+              <a:spcBef>
+                <a:spcPts val="0"/>
+              </a:spcBef>
+              <a:spcAft>
+                <a:spcPts val="0"/>
+              </a:spcAft>
+              <a:buClrTx/>
+              <a:buSzTx/>
+              <a:buFontTx/>
+              <a:buNone/>
+              <a:tabLst/>
+              <a:defRPr/>
+            </a:pPr>
+            <a:r>
+              <a:rPr kumimoji="0" lang="zh-CN" altLang="en-US" sz="2400" b="1" i="0" u="none" strike="noStrike" kern="1200" cap="none" spc="0" normalizeH="0" baseline="0" noProof="0" dirty="0">
+                <a:ln>
+                  <a:noFill/>
+                </a:ln>
+                <a:solidFill>
+                  <a:srgbClr val="FFC000"/>
+                </a:solidFill>
+                <a:effectLst/>
+                <a:uLnTx/>
+                <a:uFillTx/>
+                <a:latin typeface="Century Gothic" panose="020B0502020202020204"/>
+                <a:ea typeface="幼圆" panose="02010509060101010101" pitchFamily="49" charset="-122"/>
+                <a:cs typeface="+mn-cs"/>
+              </a:rPr>
+              <a:t>批量激活码</a:t>
+            </a:r>
+          </a:p>
+        </p:txBody>
+      </p:sp>
+      <p:sp>
+        <p:nvSpPr>
+          <p:cNvPr id="7" name="文本框 6">
+            <a:extLst>
+              <a:ext uri="{FF2B5EF4-FFF2-40B4-BE49-F238E27FC236}">
+                <a16:creationId xmlns:a16="http://schemas.microsoft.com/office/drawing/2014/main" id="{3CFA17F8-7DC5-4F88-8A9D-8C4D1CF2D712}"/>
+              </a:ext>
+            </a:extLst>
+          </p:cNvPr>
+          <p:cNvSpPr txBox="1"/>
+          <p:nvPr/>
+        </p:nvSpPr>
+        <p:spPr>
+          <a:xfrm>
+            <a:off x="633761" y="418340"/>
+            <a:ext cx="4036643" cy="461665"/>
+          </a:xfrm>
+          <a:prstGeom prst="rect">
+            <a:avLst/>
+          </a:prstGeom>
+          <a:noFill/>
+        </p:spPr>
+        <p:txBody>
+          <a:bodyPr wrap="square" rtlCol="0">
+            <a:spAutoFit/>
+          </a:bodyPr>
+          <a:lstStyle/>
+          <a:p>
+            <a:pPr marL="0" marR="0" lvl="0" indent="0" algn="ctr" defTabSz="457200" rtl="0" eaLnBrk="1" fontAlgn="auto" latinLnBrk="0" hangingPunct="1">
+              <a:lnSpc>
+                <a:spcPct val="100000"/>
+              </a:lnSpc>
+              <a:spcBef>
+                <a:spcPts val="0"/>
+              </a:spcBef>
+              <a:spcAft>
+                <a:spcPts val="0"/>
+              </a:spcAft>
+              <a:buClrTx/>
+              <a:buSzTx/>
+              <a:buFontTx/>
+              <a:buNone/>
+              <a:tabLst/>
+              <a:defRPr/>
+            </a:pPr>
+            <a:r>
+              <a:rPr kumimoji="0" lang="en-US" altLang="zh-CN" sz="2400" b="1" i="0" u="none" strike="noStrike" kern="1200" cap="none" spc="0" normalizeH="0" baseline="0" noProof="0" dirty="0">
+                <a:ln>
+                  <a:noFill/>
+                </a:ln>
+                <a:solidFill>
+                  <a:srgbClr val="FFC000"/>
+                </a:solidFill>
+                <a:effectLst/>
+                <a:uLnTx/>
+                <a:uFillTx/>
+                <a:latin typeface="Century Gothic" panose="020B0502020202020204"/>
+                <a:ea typeface="幼圆" panose="02010509060101010101" pitchFamily="49" charset="-122"/>
+                <a:cs typeface="+mn-cs"/>
+              </a:rPr>
+              <a:t>7x24</a:t>
+            </a:r>
+            <a:r>
+              <a:rPr kumimoji="0" lang="zh-CN" altLang="en-US" sz="2400" b="1" i="0" u="none" strike="noStrike" kern="1200" cap="none" spc="0" normalizeH="0" baseline="0" noProof="0" dirty="0">
+                <a:ln>
+                  <a:noFill/>
+                </a:ln>
+                <a:solidFill>
+                  <a:srgbClr val="FFC000"/>
+                </a:solidFill>
+                <a:effectLst/>
+                <a:uLnTx/>
+                <a:uFillTx/>
+                <a:latin typeface="Century Gothic" panose="020B0502020202020204"/>
+                <a:ea typeface="幼圆" panose="02010509060101010101" pitchFamily="49" charset="-122"/>
+                <a:cs typeface="+mn-cs"/>
+              </a:rPr>
+              <a:t>小时           自动发货</a:t>
+            </a:r>
+          </a:p>
+        </p:txBody>
+      </p:sp>
+      <p:sp>
+        <p:nvSpPr>
+          <p:cNvPr id="8" name="星形: 十角 7">
+            <a:extLst>
+              <a:ext uri="{FF2B5EF4-FFF2-40B4-BE49-F238E27FC236}">
+                <a16:creationId xmlns:a16="http://schemas.microsoft.com/office/drawing/2014/main" id="{6E900186-F327-4F8C-AC58-D39A06A18E56}"/>
+              </a:ext>
+            </a:extLst>
+          </p:cNvPr>
+          <p:cNvSpPr/>
+          <p:nvPr/>
+        </p:nvSpPr>
+        <p:spPr>
+          <a:xfrm rot="20644085">
+            <a:off x="2669985" y="2296123"/>
+            <a:ext cx="1710246" cy="1328824"/>
+          </a:xfrm>
+          <a:prstGeom prst="star10">
+            <a:avLst/>
+          </a:prstGeom>
+          <a:solidFill>
+            <a:srgbClr val="FFFF00"/>
+          </a:solidFill>
+        </p:spPr>
+        <p:style>
+          <a:lnRef idx="2">
+            <a:schemeClr val="accent1">
+              <a:shade val="50000"/>
+            </a:schemeClr>
+          </a:lnRef>
+          <a:fillRef idx="1">
+            <a:schemeClr val="accent1"/>
+          </a:fillRef>
+          <a:effectRef idx="0">
+            <a:schemeClr val="accent1"/>
+          </a:effectRef>
+          <a:fontRef idx="minor">
+            <a:schemeClr val="lt1"/>
+          </a:fontRef>
+        </p:style>
+        <p:txBody>
+          <a:bodyPr rtlCol="0" anchor="ctr"/>
+          <a:lstStyle/>
+          <a:p>
+            <a:pPr marL="0" marR="0" lvl="0" indent="0" algn="ctr" defTabSz="457200" rtl="0" eaLnBrk="1" fontAlgn="auto" latinLnBrk="0" hangingPunct="1">
+              <a:lnSpc>
+                <a:spcPct val="100000"/>
+              </a:lnSpc>
+              <a:spcBef>
+                <a:spcPts val="0"/>
+              </a:spcBef>
+              <a:spcAft>
+                <a:spcPts val="0"/>
+              </a:spcAft>
+              <a:buClrTx/>
+              <a:buSzTx/>
+              <a:buFontTx/>
+              <a:buNone/>
+              <a:tabLst/>
+              <a:defRPr/>
+            </a:pPr>
+            <a:r>
+              <a:rPr kumimoji="0" lang="en-US" altLang="zh-CN" sz="2800" b="1" i="0" u="none" strike="noStrike" kern="1200" cap="none" spc="0" normalizeH="0" baseline="0" noProof="0" dirty="0">
+                <a:ln>
+                  <a:noFill/>
+                </a:ln>
+                <a:solidFill>
+                  <a:srgbClr val="C00000"/>
+                </a:solidFill>
+                <a:effectLst/>
+                <a:uLnTx/>
+                <a:uFillTx/>
+                <a:latin typeface="Century Gothic" panose="020B0502020202020204"/>
+                <a:ea typeface="幼圆" panose="02010509060101010101" pitchFamily="49" charset="-122"/>
+                <a:cs typeface="+mn-cs"/>
+              </a:rPr>
+              <a:t>5.99</a:t>
+            </a:r>
+            <a:r>
+              <a:rPr kumimoji="0" lang="zh-CN" altLang="en-US" sz="2800" b="1" i="0" u="none" strike="noStrike" kern="1200" cap="none" spc="0" normalizeH="0" baseline="0" noProof="0" dirty="0">
+                <a:ln>
+                  <a:noFill/>
+                </a:ln>
+                <a:solidFill>
+                  <a:srgbClr val="C00000"/>
+                </a:solidFill>
+                <a:effectLst/>
+                <a:uLnTx/>
+                <a:uFillTx/>
+                <a:latin typeface="Century Gothic" panose="020B0502020202020204"/>
+                <a:ea typeface="幼圆" panose="02010509060101010101" pitchFamily="49" charset="-122"/>
+                <a:cs typeface="+mn-cs"/>
+              </a:rPr>
+              <a:t>元</a:t>
+            </a:r>
+          </a:p>
+        </p:txBody>
+      </p:sp>
+    </p:spTree>
+    <p:extLst>
+      <p:ext uri="{BB962C8B-B14F-4D97-AF65-F5344CB8AC3E}">
+        <p14:creationId xmlns:p14="http://schemas.microsoft.com/office/powerpoint/2010/main" val="2503105143"/>
+      </p:ext>
+    </p:extLst>
+  </p:cSld>
+  <p:clrMapOvr>
+    <a:masterClrMapping/>
+  </p:clrMapOvr>
+</p:sld>
+</file>
+
+<file path=ppt/slides/slide4.xml><?xml version="1.0" encoding="utf-8"?>
+<p:sld xmlns:a="http://schemas.openxmlformats.org/drawingml/2006/main" xmlns:r="http://schemas.openxmlformats.org/officeDocument/2006/relationships" xmlns:p="http://schemas.openxmlformats.org/presentationml/2006/main">
+  <p:cSld>
+    <p:spTree>
+      <p:nvGrpSpPr>
+        <p:cNvPr id="1" name=""/>
+        <p:cNvGrpSpPr/>
+        <p:nvPr/>
+      </p:nvGrpSpPr>
+      <p:grpSpPr>
+        <a:xfrm>
+          <a:off x="0" y="0"/>
+          <a:ext cx="0" cy="0"/>
+          <a:chOff x="0" y="0"/>
+          <a:chExt cx="0" cy="0"/>
+        </a:xfrm>
+      </p:grpSpPr>
+      <p:sp>
+        <p:nvSpPr>
+          <p:cNvPr id="6" name="文本框 5">
+            <a:extLst>
+              <a:ext uri="{FF2B5EF4-FFF2-40B4-BE49-F238E27FC236}">
+                <a16:creationId xmlns:a16="http://schemas.microsoft.com/office/drawing/2014/main" id="{95C00007-C28F-49AC-B0FB-E79F9D6B1524}"/>
+              </a:ext>
+            </a:extLst>
+          </p:cNvPr>
+          <p:cNvSpPr txBox="1"/>
+          <p:nvPr/>
+        </p:nvSpPr>
+        <p:spPr>
+          <a:xfrm>
+            <a:off x="2463278" y="1773138"/>
+            <a:ext cx="2545889" cy="954107"/>
+          </a:xfrm>
+          <a:prstGeom prst="rect">
+            <a:avLst/>
+          </a:prstGeom>
+          <a:noFill/>
+        </p:spPr>
+        <p:txBody>
+          <a:bodyPr wrap="none" rtlCol="0">
+            <a:spAutoFit/>
+          </a:bodyPr>
+          <a:lstStyle/>
+          <a:p>
+            <a:pPr marL="0" marR="0" lvl="0" indent="0" algn="ctr" defTabSz="457200" rtl="0" eaLnBrk="1" fontAlgn="auto" latinLnBrk="0" hangingPunct="1">
+              <a:lnSpc>
+                <a:spcPct val="100000"/>
+              </a:lnSpc>
+              <a:spcBef>
+                <a:spcPts val="0"/>
+              </a:spcBef>
+              <a:spcAft>
+                <a:spcPts val="0"/>
+              </a:spcAft>
+              <a:buClrTx/>
+              <a:buSzTx/>
+              <a:buFontTx/>
+              <a:buNone/>
+              <a:tabLst/>
+              <a:defRPr/>
+            </a:pPr>
+            <a:r>
+              <a:rPr kumimoji="0" lang="en-US" altLang="zh-CN" sz="2800" b="1" i="0" u="none" strike="noStrike" kern="1200" cap="none" spc="0" normalizeH="0" baseline="0" noProof="0" dirty="0">
+                <a:ln>
+                  <a:noFill/>
+                </a:ln>
+                <a:solidFill>
+                  <a:srgbClr val="FFFF00"/>
+                </a:solidFill>
+                <a:effectLst/>
+                <a:uLnTx/>
+                <a:uFillTx/>
+                <a:latin typeface="华文中宋" panose="02010600040101010101" pitchFamily="2" charset="-122"/>
+                <a:ea typeface="华文中宋" panose="02010600040101010101" pitchFamily="2" charset="-122"/>
+                <a:cs typeface="+mn-cs"/>
+              </a:rPr>
+              <a:t>Elasticsearch</a:t>
+            </a:r>
+          </a:p>
+          <a:p>
+            <a:pPr marL="0" marR="0" lvl="0" indent="0" algn="ctr" defTabSz="457200" rtl="0" eaLnBrk="1" fontAlgn="auto" latinLnBrk="0" hangingPunct="1">
+              <a:lnSpc>
+                <a:spcPct val="100000"/>
+              </a:lnSpc>
+              <a:spcBef>
+                <a:spcPts val="0"/>
+              </a:spcBef>
+              <a:spcAft>
+                <a:spcPts val="0"/>
+              </a:spcAft>
+              <a:buClrTx/>
+              <a:buSzTx/>
+              <a:buFontTx/>
+              <a:buNone/>
+              <a:tabLst/>
+              <a:defRPr/>
+            </a:pPr>
+            <a:r>
+              <a:rPr kumimoji="0" lang="zh-CN" altLang="en-US" sz="2800" b="1" i="0" u="none" strike="noStrike" kern="1200" cap="none" spc="0" normalizeH="0" baseline="0" noProof="0" dirty="0">
+                <a:ln>
+                  <a:noFill/>
+                </a:ln>
+                <a:solidFill>
+                  <a:srgbClr val="FFFF00"/>
+                </a:solidFill>
+                <a:effectLst/>
+                <a:uLnTx/>
+                <a:uFillTx/>
+                <a:latin typeface="华文中宋" panose="02010600040101010101" pitchFamily="2" charset="-122"/>
+                <a:ea typeface="华文中宋" panose="02010600040101010101" pitchFamily="2" charset="-122"/>
+                <a:cs typeface="+mn-cs"/>
+              </a:rPr>
+              <a:t>顶尖高手系列</a:t>
+            </a:r>
+          </a:p>
+        </p:txBody>
+      </p:sp>
+      <p:sp>
+        <p:nvSpPr>
+          <p:cNvPr id="7" name="文本框 6">
+            <a:extLst>
+              <a:ext uri="{FF2B5EF4-FFF2-40B4-BE49-F238E27FC236}">
+                <a16:creationId xmlns:a16="http://schemas.microsoft.com/office/drawing/2014/main" id="{A9869CFA-63D2-46BE-A761-719AB9E5BB2A}"/>
+              </a:ext>
+            </a:extLst>
+          </p:cNvPr>
+          <p:cNvSpPr txBox="1"/>
+          <p:nvPr/>
+        </p:nvSpPr>
+        <p:spPr>
+          <a:xfrm>
+            <a:off x="2665998" y="2805469"/>
+            <a:ext cx="1980029" cy="523220"/>
+          </a:xfrm>
+          <a:prstGeom prst="rect">
+            <a:avLst/>
+          </a:prstGeom>
+          <a:noFill/>
+        </p:spPr>
+        <p:txBody>
+          <a:bodyPr wrap="none" rtlCol="0">
+            <a:spAutoFit/>
+          </a:bodyPr>
+          <a:lstStyle/>
+          <a:p>
+            <a:pPr marL="0" marR="0" lvl="0" indent="0" algn="ctr" defTabSz="457200" rtl="0" eaLnBrk="1" fontAlgn="auto" latinLnBrk="0" hangingPunct="1">
+              <a:lnSpc>
+                <a:spcPct val="100000"/>
+              </a:lnSpc>
+              <a:spcBef>
+                <a:spcPts val="0"/>
+              </a:spcBef>
+              <a:spcAft>
+                <a:spcPts val="0"/>
+              </a:spcAft>
+              <a:buClrTx/>
+              <a:buSzTx/>
+              <a:buFontTx/>
+              <a:buNone/>
+              <a:tabLst/>
+              <a:defRPr/>
+            </a:pPr>
+            <a:r>
+              <a:rPr kumimoji="0" lang="zh-CN" altLang="en-US" sz="2800" b="1" i="0" u="none" strike="noStrike" kern="1200" cap="none" spc="0" normalizeH="0" baseline="0" noProof="0" dirty="0">
+                <a:ln>
+                  <a:noFill/>
+                </a:ln>
+                <a:solidFill>
+                  <a:srgbClr val="FFFF00"/>
+                </a:solidFill>
+                <a:effectLst/>
+                <a:uLnTx/>
+                <a:uFillTx/>
+                <a:latin typeface="华文中宋" panose="02010600040101010101" pitchFamily="2" charset="-122"/>
+                <a:ea typeface="华文中宋" panose="02010600040101010101" pitchFamily="2" charset="-122"/>
+                <a:cs typeface="+mn-cs"/>
+              </a:rPr>
+              <a:t>高手进阶篇</a:t>
+            </a:r>
+          </a:p>
+        </p:txBody>
+      </p:sp>
+      <p:sp>
+        <p:nvSpPr>
+          <p:cNvPr id="8" name="文本框 7">
+            <a:extLst>
+              <a:ext uri="{FF2B5EF4-FFF2-40B4-BE49-F238E27FC236}">
+                <a16:creationId xmlns:a16="http://schemas.microsoft.com/office/drawing/2014/main" id="{35C6E9EF-4C46-4379-86D1-DDE94B87B8FB}"/>
+              </a:ext>
+            </a:extLst>
+          </p:cNvPr>
+          <p:cNvSpPr txBox="1"/>
+          <p:nvPr/>
+        </p:nvSpPr>
+        <p:spPr>
+          <a:xfrm>
+            <a:off x="2665998" y="1161090"/>
+            <a:ext cx="2052165" cy="400110"/>
+          </a:xfrm>
+          <a:prstGeom prst="rect">
+            <a:avLst/>
+          </a:prstGeom>
+          <a:noFill/>
+        </p:spPr>
+        <p:txBody>
+          <a:bodyPr wrap="none" rtlCol="0">
+            <a:spAutoFit/>
+          </a:bodyPr>
+          <a:lstStyle/>
+          <a:p>
+            <a:pPr marL="0" marR="0" lvl="0" indent="0" algn="l" defTabSz="457200" rtl="0" eaLnBrk="1" fontAlgn="auto" latinLnBrk="0" hangingPunct="1">
+              <a:lnSpc>
+                <a:spcPct val="100000"/>
+              </a:lnSpc>
+              <a:spcBef>
+                <a:spcPts val="0"/>
+              </a:spcBef>
+              <a:spcAft>
+                <a:spcPts val="0"/>
+              </a:spcAft>
+              <a:buClrTx/>
+              <a:buSzTx/>
+              <a:buFontTx/>
+              <a:buNone/>
+              <a:tabLst/>
+              <a:defRPr/>
+            </a:pPr>
+            <a:r>
+              <a:rPr kumimoji="0" lang="en-US" altLang="zh-CN" sz="2000" b="1" i="0" u="none" strike="noStrike" kern="1200" cap="none" spc="0" normalizeH="0" baseline="0" noProof="0" dirty="0">
+                <a:ln>
+                  <a:noFill/>
+                </a:ln>
+                <a:solidFill>
+                  <a:srgbClr val="6A9E1F">
+                    <a:lumMod val="40000"/>
+                    <a:lumOff val="60000"/>
+                  </a:srgbClr>
+                </a:solidFill>
+                <a:effectLst/>
+                <a:uLnTx/>
+                <a:uFillTx/>
+                <a:latin typeface="Century Gothic" panose="020B0502020202020204"/>
+                <a:ea typeface="幼圆" panose="02010509060101010101" pitchFamily="49" charset="-122"/>
+                <a:cs typeface="+mn-cs"/>
+              </a:rPr>
+              <a:t>2017</a:t>
+            </a:r>
+            <a:r>
+              <a:rPr kumimoji="0" lang="zh-CN" altLang="en-US" sz="2000" b="1" i="0" u="none" strike="noStrike" kern="1200" cap="none" spc="0" normalizeH="0" baseline="0" noProof="0" dirty="0">
+                <a:ln>
+                  <a:noFill/>
+                </a:ln>
+                <a:solidFill>
+                  <a:srgbClr val="6A9E1F">
+                    <a:lumMod val="40000"/>
+                    <a:lumOff val="60000"/>
+                  </a:srgbClr>
+                </a:solidFill>
+                <a:effectLst/>
+                <a:uLnTx/>
+                <a:uFillTx/>
+                <a:latin typeface="Century Gothic" panose="020B0502020202020204"/>
+                <a:ea typeface="幼圆" panose="02010509060101010101" pitchFamily="49" charset="-122"/>
+                <a:cs typeface="+mn-cs"/>
+              </a:rPr>
+              <a:t>年全新录制</a:t>
+            </a:r>
+          </a:p>
+        </p:txBody>
+      </p:sp>
+      <p:sp>
+        <p:nvSpPr>
+          <p:cNvPr id="9" name="文本框 8">
+            <a:extLst>
+              <a:ext uri="{FF2B5EF4-FFF2-40B4-BE49-F238E27FC236}">
+                <a16:creationId xmlns:a16="http://schemas.microsoft.com/office/drawing/2014/main" id="{B11FCB1F-04A0-4D67-8ED8-03EC961C3352}"/>
+              </a:ext>
+            </a:extLst>
+          </p:cNvPr>
+          <p:cNvSpPr txBox="1"/>
+          <p:nvPr/>
+        </p:nvSpPr>
+        <p:spPr>
+          <a:xfrm>
+            <a:off x="1752521" y="3885357"/>
+            <a:ext cx="1731564" cy="461665"/>
+          </a:xfrm>
+          <a:prstGeom prst="rect">
+            <a:avLst/>
+          </a:prstGeom>
+          <a:noFill/>
+        </p:spPr>
+        <p:txBody>
+          <a:bodyPr wrap="none" rtlCol="0">
+            <a:spAutoFit/>
+          </a:bodyPr>
+          <a:lstStyle/>
+          <a:p>
+            <a:pPr marL="0" marR="0" lvl="0" indent="0" algn="ctr" defTabSz="457200" rtl="0" eaLnBrk="1" fontAlgn="auto" latinLnBrk="0" hangingPunct="1">
+              <a:lnSpc>
+                <a:spcPct val="100000"/>
+              </a:lnSpc>
+              <a:spcBef>
+                <a:spcPts val="0"/>
+              </a:spcBef>
+              <a:spcAft>
+                <a:spcPts val="0"/>
+              </a:spcAft>
+              <a:buClrTx/>
+              <a:buSzTx/>
+              <a:buFontTx/>
+              <a:buNone/>
+              <a:tabLst/>
+              <a:defRPr/>
+            </a:pPr>
+            <a:r>
+              <a:rPr kumimoji="0" lang="zh-CN" altLang="en-US" sz="2400" b="1" i="0" u="none" strike="noStrike" kern="1200" cap="none" spc="0" normalizeH="0" baseline="0" noProof="0" dirty="0">
+                <a:ln>
+                  <a:noFill/>
+                </a:ln>
+                <a:solidFill>
+                  <a:srgbClr val="FFC000"/>
+                </a:solidFill>
+                <a:effectLst/>
+                <a:uLnTx/>
+                <a:uFillTx/>
+                <a:latin typeface="Century Gothic" panose="020B0502020202020204"/>
+                <a:ea typeface="幼圆" panose="02010509060101010101" pitchFamily="49" charset="-122"/>
+                <a:cs typeface="+mn-cs"/>
+              </a:rPr>
+              <a:t>百度云网盘</a:t>
+            </a:r>
+          </a:p>
+        </p:txBody>
+      </p:sp>
+      <p:sp>
+        <p:nvSpPr>
+          <p:cNvPr id="10" name="文本框 9">
+            <a:extLst>
+              <a:ext uri="{FF2B5EF4-FFF2-40B4-BE49-F238E27FC236}">
+                <a16:creationId xmlns:a16="http://schemas.microsoft.com/office/drawing/2014/main" id="{7C60D1D7-1F59-4C6F-9A05-43C16E5CC55F}"/>
+              </a:ext>
+            </a:extLst>
+          </p:cNvPr>
+          <p:cNvSpPr txBox="1"/>
+          <p:nvPr/>
+        </p:nvSpPr>
+        <p:spPr>
+          <a:xfrm>
+            <a:off x="1570851" y="628174"/>
+            <a:ext cx="4036643" cy="461665"/>
+          </a:xfrm>
+          <a:prstGeom prst="rect">
+            <a:avLst/>
+          </a:prstGeom>
+          <a:noFill/>
+        </p:spPr>
+        <p:txBody>
+          <a:bodyPr wrap="square" rtlCol="0">
+            <a:spAutoFit/>
+          </a:bodyPr>
+          <a:lstStyle/>
+          <a:p>
+            <a:pPr marL="0" marR="0" lvl="0" indent="0" algn="ctr" defTabSz="457200" rtl="0" eaLnBrk="1" fontAlgn="auto" latinLnBrk="0" hangingPunct="1">
+              <a:lnSpc>
+                <a:spcPct val="100000"/>
+              </a:lnSpc>
+              <a:spcBef>
+                <a:spcPts val="0"/>
+              </a:spcBef>
+              <a:spcAft>
+                <a:spcPts val="0"/>
+              </a:spcAft>
+              <a:buClrTx/>
+              <a:buSzTx/>
+              <a:buFontTx/>
+              <a:buNone/>
+              <a:tabLst/>
+              <a:defRPr/>
+            </a:pPr>
+            <a:r>
+              <a:rPr kumimoji="0" lang="en-US" altLang="zh-CN" sz="2400" b="1" i="0" u="none" strike="noStrike" kern="1200" cap="none" spc="0" normalizeH="0" baseline="0" noProof="0" dirty="0">
+                <a:ln>
+                  <a:noFill/>
+                </a:ln>
+                <a:solidFill>
+                  <a:srgbClr val="FFC000"/>
+                </a:solidFill>
+                <a:effectLst/>
+                <a:uLnTx/>
+                <a:uFillTx/>
+                <a:latin typeface="Century Gothic" panose="020B0502020202020204"/>
+                <a:ea typeface="幼圆" panose="02010509060101010101" pitchFamily="49" charset="-122"/>
+                <a:cs typeface="+mn-cs"/>
+              </a:rPr>
+              <a:t>7x24</a:t>
+            </a:r>
+            <a:r>
+              <a:rPr kumimoji="0" lang="zh-CN" altLang="en-US" sz="2400" b="1" i="0" u="none" strike="noStrike" kern="1200" cap="none" spc="0" normalizeH="0" baseline="0" noProof="0" dirty="0">
+                <a:ln>
+                  <a:noFill/>
+                </a:ln>
+                <a:solidFill>
+                  <a:srgbClr val="FFC000"/>
+                </a:solidFill>
+                <a:effectLst/>
+                <a:uLnTx/>
+                <a:uFillTx/>
+                <a:latin typeface="Century Gothic" panose="020B0502020202020204"/>
+                <a:ea typeface="幼圆" panose="02010509060101010101" pitchFamily="49" charset="-122"/>
+                <a:cs typeface="+mn-cs"/>
+              </a:rPr>
+              <a:t>小时            自动发货</a:t>
+            </a:r>
+          </a:p>
+        </p:txBody>
+      </p:sp>
+      <p:sp>
+        <p:nvSpPr>
+          <p:cNvPr id="16" name="星形: 十角 15">
+            <a:extLst>
+              <a:ext uri="{FF2B5EF4-FFF2-40B4-BE49-F238E27FC236}">
+                <a16:creationId xmlns:a16="http://schemas.microsoft.com/office/drawing/2014/main" id="{671206B8-4A4D-4632-96F8-F517FAE061DD}"/>
+              </a:ext>
+            </a:extLst>
+          </p:cNvPr>
+          <p:cNvSpPr/>
+          <p:nvPr/>
+        </p:nvSpPr>
+        <p:spPr>
+          <a:xfrm rot="20644085">
+            <a:off x="3732450" y="3320973"/>
+            <a:ext cx="2035847" cy="1328824"/>
+          </a:xfrm>
+          <a:prstGeom prst="star10">
+            <a:avLst/>
+          </a:prstGeom>
+          <a:solidFill>
+            <a:srgbClr val="FFFF00"/>
+          </a:solidFill>
+        </p:spPr>
+        <p:style>
+          <a:lnRef idx="2">
+            <a:schemeClr val="accent1">
+              <a:shade val="50000"/>
+            </a:schemeClr>
+          </a:lnRef>
+          <a:fillRef idx="1">
+            <a:schemeClr val="accent1"/>
+          </a:fillRef>
+          <a:effectRef idx="0">
+            <a:schemeClr val="accent1"/>
+          </a:effectRef>
+          <a:fontRef idx="minor">
+            <a:schemeClr val="lt1"/>
+          </a:fontRef>
+        </p:style>
+        <p:txBody>
+          <a:bodyPr rtlCol="0" anchor="ctr"/>
+          <a:lstStyle/>
+          <a:p>
+            <a:pPr marL="0" marR="0" lvl="0" indent="0" algn="ctr" defTabSz="457200" rtl="0" eaLnBrk="1" fontAlgn="auto" latinLnBrk="0" hangingPunct="1">
+              <a:lnSpc>
+                <a:spcPct val="100000"/>
+              </a:lnSpc>
+              <a:spcBef>
+                <a:spcPts val="0"/>
+              </a:spcBef>
+              <a:spcAft>
+                <a:spcPts val="0"/>
+              </a:spcAft>
+              <a:buClrTx/>
+              <a:buSzTx/>
+              <a:buFontTx/>
+              <a:buNone/>
+              <a:tabLst/>
+              <a:defRPr/>
+            </a:pPr>
+            <a:r>
+              <a:rPr kumimoji="0" lang="en-US" altLang="zh-CN" sz="2800" b="1" i="0" u="none" strike="noStrike" kern="1200" cap="none" spc="0" normalizeH="0" baseline="0" noProof="0" dirty="0">
+                <a:ln>
+                  <a:noFill/>
+                </a:ln>
+                <a:solidFill>
+                  <a:srgbClr val="C00000"/>
+                </a:solidFill>
+                <a:effectLst/>
+                <a:uLnTx/>
+                <a:uFillTx/>
+                <a:latin typeface="Century Gothic" panose="020B0502020202020204"/>
+                <a:ea typeface="幼圆" panose="02010509060101010101" pitchFamily="49" charset="-122"/>
+                <a:cs typeface="+mn-cs"/>
+              </a:rPr>
+              <a:t>19.99</a:t>
+            </a:r>
+            <a:r>
+              <a:rPr kumimoji="0" lang="zh-CN" altLang="en-US" sz="2800" b="1" i="0" u="none" strike="noStrike" kern="1200" cap="none" spc="0" normalizeH="0" baseline="0" noProof="0" dirty="0">
+                <a:ln>
+                  <a:noFill/>
+                </a:ln>
+                <a:solidFill>
+                  <a:srgbClr val="C00000"/>
+                </a:solidFill>
+                <a:effectLst/>
+                <a:uLnTx/>
+                <a:uFillTx/>
+                <a:latin typeface="Century Gothic" panose="020B0502020202020204"/>
+                <a:ea typeface="幼圆" panose="02010509060101010101" pitchFamily="49" charset="-122"/>
+                <a:cs typeface="+mn-cs"/>
+              </a:rPr>
+              <a:t>元</a:t>
+            </a:r>
+          </a:p>
+        </p:txBody>
+      </p:sp>
+    </p:spTree>
+    <p:extLst>
+      <p:ext uri="{BB962C8B-B14F-4D97-AF65-F5344CB8AC3E}">
+        <p14:creationId xmlns:p14="http://schemas.microsoft.com/office/powerpoint/2010/main" val="3685520168"/>
+      </p:ext>
+    </p:extLst>
+  </p:cSld>
+  <p:clrMapOvr>
+    <a:masterClrMapping/>
+  </p:clrMapOvr>
+</p:sld>
+</file>
+
+<file path=ppt/slides/slide5.xml><?xml version="1.0" encoding="utf-8"?>
+<p:sld xmlns:a="http://schemas.openxmlformats.org/drawingml/2006/main" xmlns:r="http://schemas.openxmlformats.org/officeDocument/2006/relationships" xmlns:p="http://schemas.openxmlformats.org/presentationml/2006/main">
+  <p:cSld>
+    <p:spTree>
+      <p:nvGrpSpPr>
+        <p:cNvPr id="1" name=""/>
+        <p:cNvGrpSpPr/>
+        <p:nvPr/>
+      </p:nvGrpSpPr>
+      <p:grpSpPr>
+        <a:xfrm>
+          <a:off x="0" y="0"/>
+          <a:ext cx="0" cy="0"/>
+          <a:chOff x="0" y="0"/>
+          <a:chExt cx="0" cy="0"/>
+        </a:xfrm>
+      </p:grpSpPr>
+      <p:sp>
+        <p:nvSpPr>
+          <p:cNvPr id="6" name="文本框 5">
+            <a:extLst>
+              <a:ext uri="{FF2B5EF4-FFF2-40B4-BE49-F238E27FC236}">
+                <a16:creationId xmlns:a16="http://schemas.microsoft.com/office/drawing/2014/main" id="{95C00007-C28F-49AC-B0FB-E79F9D6B1524}"/>
+              </a:ext>
+            </a:extLst>
+          </p:cNvPr>
+          <p:cNvSpPr txBox="1"/>
+          <p:nvPr/>
+        </p:nvSpPr>
+        <p:spPr>
+          <a:xfrm>
+            <a:off x="2463278" y="1773138"/>
+            <a:ext cx="2545889" cy="954107"/>
+          </a:xfrm>
+          <a:prstGeom prst="rect">
+            <a:avLst/>
+          </a:prstGeom>
+          <a:noFill/>
+        </p:spPr>
+        <p:txBody>
+          <a:bodyPr wrap="none" rtlCol="0">
+            <a:spAutoFit/>
+          </a:bodyPr>
+          <a:lstStyle/>
+          <a:p>
+            <a:pPr marL="0" marR="0" lvl="0" indent="0" algn="ctr" defTabSz="457200" rtl="0" eaLnBrk="1" fontAlgn="auto" latinLnBrk="0" hangingPunct="1">
+              <a:lnSpc>
+                <a:spcPct val="100000"/>
+              </a:lnSpc>
+              <a:spcBef>
+                <a:spcPts val="0"/>
+              </a:spcBef>
+              <a:spcAft>
+                <a:spcPts val="0"/>
+              </a:spcAft>
+              <a:buClrTx/>
+              <a:buSzTx/>
+              <a:buFontTx/>
+              <a:buNone/>
+              <a:tabLst/>
+              <a:defRPr/>
+            </a:pPr>
+            <a:r>
+              <a:rPr kumimoji="0" lang="en-US" altLang="zh-CN" sz="2800" b="1" i="0" u="none" strike="noStrike" kern="1200" cap="none" spc="0" normalizeH="0" baseline="0" noProof="0" dirty="0">
+                <a:ln>
+                  <a:noFill/>
+                </a:ln>
+                <a:solidFill>
+                  <a:srgbClr val="FFFF00"/>
+                </a:solidFill>
+                <a:effectLst/>
+                <a:uLnTx/>
+                <a:uFillTx/>
+                <a:latin typeface="华文中宋" panose="02010600040101010101" pitchFamily="2" charset="-122"/>
+                <a:ea typeface="华文中宋" panose="02010600040101010101" pitchFamily="2" charset="-122"/>
+                <a:cs typeface="+mn-cs"/>
+              </a:rPr>
+              <a:t>Elasticsearch</a:t>
+            </a:r>
+          </a:p>
+          <a:p>
+            <a:pPr marL="0" marR="0" lvl="0" indent="0" algn="ctr" defTabSz="457200" rtl="0" eaLnBrk="1" fontAlgn="auto" latinLnBrk="0" hangingPunct="1">
+              <a:lnSpc>
+                <a:spcPct val="100000"/>
+              </a:lnSpc>
+              <a:spcBef>
+                <a:spcPts val="0"/>
+              </a:spcBef>
+              <a:spcAft>
+                <a:spcPts val="0"/>
+              </a:spcAft>
+              <a:buClrTx/>
+              <a:buSzTx/>
+              <a:buFontTx/>
+              <a:buNone/>
+              <a:tabLst/>
+              <a:defRPr/>
+            </a:pPr>
+            <a:r>
+              <a:rPr kumimoji="0" lang="zh-CN" altLang="en-US" sz="2800" b="1" i="0" u="none" strike="noStrike" kern="1200" cap="none" spc="0" normalizeH="0" baseline="0" noProof="0" dirty="0">
+                <a:ln>
+                  <a:noFill/>
+                </a:ln>
+                <a:solidFill>
+                  <a:srgbClr val="FFFF00"/>
+                </a:solidFill>
+                <a:effectLst/>
+                <a:uLnTx/>
+                <a:uFillTx/>
+                <a:latin typeface="华文中宋" panose="02010600040101010101" pitchFamily="2" charset="-122"/>
+                <a:ea typeface="华文中宋" panose="02010600040101010101" pitchFamily="2" charset="-122"/>
+                <a:cs typeface="+mn-cs"/>
+              </a:rPr>
+              <a:t>顶尖高手系列</a:t>
+            </a:r>
+          </a:p>
+        </p:txBody>
+      </p:sp>
+      <p:sp>
+        <p:nvSpPr>
+          <p:cNvPr id="7" name="文本框 6">
+            <a:extLst>
+              <a:ext uri="{FF2B5EF4-FFF2-40B4-BE49-F238E27FC236}">
+                <a16:creationId xmlns:a16="http://schemas.microsoft.com/office/drawing/2014/main" id="{A9869CFA-63D2-46BE-A761-719AB9E5BB2A}"/>
+              </a:ext>
+            </a:extLst>
+          </p:cNvPr>
+          <p:cNvSpPr txBox="1"/>
+          <p:nvPr/>
+        </p:nvSpPr>
+        <p:spPr>
+          <a:xfrm>
+            <a:off x="2665998" y="2805469"/>
+            <a:ext cx="1980029" cy="523220"/>
+          </a:xfrm>
+          <a:prstGeom prst="rect">
+            <a:avLst/>
+          </a:prstGeom>
+          <a:noFill/>
+        </p:spPr>
+        <p:txBody>
+          <a:bodyPr wrap="none" rtlCol="0">
+            <a:spAutoFit/>
+          </a:bodyPr>
+          <a:lstStyle/>
+          <a:p>
+            <a:pPr lvl="0" algn="ctr"/>
+            <a:r>
+              <a:rPr lang="zh-CN" altLang="en-US" sz="2800" b="1" dirty="0">
+                <a:solidFill>
+                  <a:srgbClr val="FFFF00"/>
+                </a:solidFill>
+                <a:latin typeface="华文中宋" panose="02010600040101010101" pitchFamily="2" charset="-122"/>
+                <a:ea typeface="华文中宋" panose="02010600040101010101" pitchFamily="2" charset="-122"/>
+              </a:rPr>
+              <a:t>快速入门篇</a:t>
+            </a:r>
+            <a:endParaRPr kumimoji="0" lang="zh-CN" altLang="en-US" sz="2800" b="1" i="0" u="none" strike="noStrike" kern="1200" cap="none" spc="0" normalizeH="0" baseline="0" noProof="0" dirty="0">
+              <a:ln>
+                <a:noFill/>
+              </a:ln>
+              <a:solidFill>
+                <a:srgbClr val="FFFF00"/>
+              </a:solidFill>
+              <a:effectLst/>
+              <a:uLnTx/>
+              <a:uFillTx/>
+              <a:latin typeface="华文中宋" panose="02010600040101010101" pitchFamily="2" charset="-122"/>
+              <a:ea typeface="华文中宋" panose="02010600040101010101" pitchFamily="2" charset="-122"/>
+              <a:cs typeface="+mn-cs"/>
+            </a:endParaRPr>
+          </a:p>
+        </p:txBody>
+      </p:sp>
+      <p:sp>
+        <p:nvSpPr>
+          <p:cNvPr id="8" name="文本框 7">
+            <a:extLst>
+              <a:ext uri="{FF2B5EF4-FFF2-40B4-BE49-F238E27FC236}">
+                <a16:creationId xmlns:a16="http://schemas.microsoft.com/office/drawing/2014/main" id="{35C6E9EF-4C46-4379-86D1-DDE94B87B8FB}"/>
+              </a:ext>
+            </a:extLst>
+          </p:cNvPr>
+          <p:cNvSpPr txBox="1"/>
+          <p:nvPr/>
+        </p:nvSpPr>
+        <p:spPr>
+          <a:xfrm>
+            <a:off x="2665998" y="1161090"/>
+            <a:ext cx="2052165" cy="400110"/>
+          </a:xfrm>
+          <a:prstGeom prst="rect">
+            <a:avLst/>
+          </a:prstGeom>
+          <a:noFill/>
+        </p:spPr>
+        <p:txBody>
+          <a:bodyPr wrap="none" rtlCol="0">
+            <a:spAutoFit/>
+          </a:bodyPr>
+          <a:lstStyle/>
+          <a:p>
+            <a:pPr marL="0" marR="0" lvl="0" indent="0" algn="l" defTabSz="457200" rtl="0" eaLnBrk="1" fontAlgn="auto" latinLnBrk="0" hangingPunct="1">
+              <a:lnSpc>
+                <a:spcPct val="100000"/>
+              </a:lnSpc>
+              <a:spcBef>
+                <a:spcPts val="0"/>
+              </a:spcBef>
+              <a:spcAft>
+                <a:spcPts val="0"/>
+              </a:spcAft>
+              <a:buClrTx/>
+              <a:buSzTx/>
+              <a:buFontTx/>
+              <a:buNone/>
+              <a:tabLst/>
+              <a:defRPr/>
+            </a:pPr>
+            <a:r>
+              <a:rPr kumimoji="0" lang="en-US" altLang="zh-CN" sz="2000" b="1" i="0" u="none" strike="noStrike" kern="1200" cap="none" spc="0" normalizeH="0" baseline="0" noProof="0" dirty="0">
+                <a:ln>
+                  <a:noFill/>
+                </a:ln>
+                <a:solidFill>
+                  <a:srgbClr val="6A9E1F">
+                    <a:lumMod val="40000"/>
+                    <a:lumOff val="60000"/>
+                  </a:srgbClr>
+                </a:solidFill>
+                <a:effectLst/>
+                <a:uLnTx/>
+                <a:uFillTx/>
+                <a:latin typeface="Century Gothic" panose="020B0502020202020204"/>
+                <a:ea typeface="幼圆" panose="02010509060101010101" pitchFamily="49" charset="-122"/>
+                <a:cs typeface="+mn-cs"/>
+              </a:rPr>
+              <a:t>2017</a:t>
+            </a:r>
+            <a:r>
+              <a:rPr kumimoji="0" lang="zh-CN" altLang="en-US" sz="2000" b="1" i="0" u="none" strike="noStrike" kern="1200" cap="none" spc="0" normalizeH="0" baseline="0" noProof="0" dirty="0">
+                <a:ln>
+                  <a:noFill/>
+                </a:ln>
+                <a:solidFill>
+                  <a:srgbClr val="6A9E1F">
+                    <a:lumMod val="40000"/>
+                    <a:lumOff val="60000"/>
+                  </a:srgbClr>
+                </a:solidFill>
+                <a:effectLst/>
+                <a:uLnTx/>
+                <a:uFillTx/>
+                <a:latin typeface="Century Gothic" panose="020B0502020202020204"/>
+                <a:ea typeface="幼圆" panose="02010509060101010101" pitchFamily="49" charset="-122"/>
+                <a:cs typeface="+mn-cs"/>
+              </a:rPr>
+              <a:t>年全新录制</a:t>
+            </a:r>
+          </a:p>
+        </p:txBody>
+      </p:sp>
+      <p:sp>
+        <p:nvSpPr>
+          <p:cNvPr id="9" name="文本框 8">
+            <a:extLst>
+              <a:ext uri="{FF2B5EF4-FFF2-40B4-BE49-F238E27FC236}">
+                <a16:creationId xmlns:a16="http://schemas.microsoft.com/office/drawing/2014/main" id="{B11FCB1F-04A0-4D67-8ED8-03EC961C3352}"/>
+              </a:ext>
+            </a:extLst>
+          </p:cNvPr>
+          <p:cNvSpPr txBox="1"/>
+          <p:nvPr/>
+        </p:nvSpPr>
+        <p:spPr>
+          <a:xfrm>
+            <a:off x="1752521" y="3885357"/>
+            <a:ext cx="1731564" cy="461665"/>
+          </a:xfrm>
+          <a:prstGeom prst="rect">
+            <a:avLst/>
+          </a:prstGeom>
+          <a:noFill/>
+        </p:spPr>
+        <p:txBody>
+          <a:bodyPr wrap="none" rtlCol="0">
+            <a:spAutoFit/>
+          </a:bodyPr>
+          <a:lstStyle/>
+          <a:p>
+            <a:pPr marL="0" marR="0" lvl="0" indent="0" algn="ctr" defTabSz="457200" rtl="0" eaLnBrk="1" fontAlgn="auto" latinLnBrk="0" hangingPunct="1">
+              <a:lnSpc>
+                <a:spcPct val="100000"/>
+              </a:lnSpc>
+              <a:spcBef>
+                <a:spcPts val="0"/>
+              </a:spcBef>
+              <a:spcAft>
+                <a:spcPts val="0"/>
+              </a:spcAft>
+              <a:buClrTx/>
+              <a:buSzTx/>
+              <a:buFontTx/>
+              <a:buNone/>
+              <a:tabLst/>
+              <a:defRPr/>
+            </a:pPr>
+            <a:r>
+              <a:rPr kumimoji="0" lang="zh-CN" altLang="en-US" sz="2400" b="1" i="0" u="none" strike="noStrike" kern="1200" cap="none" spc="0" normalizeH="0" baseline="0" noProof="0" dirty="0">
+                <a:ln>
+                  <a:noFill/>
+                </a:ln>
+                <a:solidFill>
+                  <a:srgbClr val="FFC000"/>
+                </a:solidFill>
+                <a:effectLst/>
+                <a:uLnTx/>
+                <a:uFillTx/>
+                <a:latin typeface="Century Gothic" panose="020B0502020202020204"/>
+                <a:ea typeface="幼圆" panose="02010509060101010101" pitchFamily="49" charset="-122"/>
+                <a:cs typeface="+mn-cs"/>
+              </a:rPr>
+              <a:t>百度云网盘</a:t>
+            </a:r>
+          </a:p>
+        </p:txBody>
+      </p:sp>
+      <p:sp>
+        <p:nvSpPr>
+          <p:cNvPr id="10" name="文本框 9">
+            <a:extLst>
+              <a:ext uri="{FF2B5EF4-FFF2-40B4-BE49-F238E27FC236}">
+                <a16:creationId xmlns:a16="http://schemas.microsoft.com/office/drawing/2014/main" id="{7C60D1D7-1F59-4C6F-9A05-43C16E5CC55F}"/>
+              </a:ext>
+            </a:extLst>
+          </p:cNvPr>
+          <p:cNvSpPr txBox="1"/>
+          <p:nvPr/>
+        </p:nvSpPr>
+        <p:spPr>
+          <a:xfrm>
+            <a:off x="1570851" y="628174"/>
+            <a:ext cx="4036643" cy="461665"/>
+          </a:xfrm>
+          <a:prstGeom prst="rect">
+            <a:avLst/>
+          </a:prstGeom>
+          <a:noFill/>
+        </p:spPr>
+        <p:txBody>
+          <a:bodyPr wrap="square" rtlCol="0">
+            <a:spAutoFit/>
+          </a:bodyPr>
+          <a:lstStyle/>
+          <a:p>
+            <a:pPr marL="0" marR="0" lvl="0" indent="0" algn="ctr" defTabSz="457200" rtl="0" eaLnBrk="1" fontAlgn="auto" latinLnBrk="0" hangingPunct="1">
+              <a:lnSpc>
+                <a:spcPct val="100000"/>
+              </a:lnSpc>
+              <a:spcBef>
+                <a:spcPts val="0"/>
+              </a:spcBef>
+              <a:spcAft>
+                <a:spcPts val="0"/>
+              </a:spcAft>
+              <a:buClrTx/>
+              <a:buSzTx/>
+              <a:buFontTx/>
+              <a:buNone/>
+              <a:tabLst/>
+              <a:defRPr/>
+            </a:pPr>
+            <a:r>
+              <a:rPr kumimoji="0" lang="en-US" altLang="zh-CN" sz="2400" b="1" i="0" u="none" strike="noStrike" kern="1200" cap="none" spc="0" normalizeH="0" baseline="0" noProof="0" dirty="0">
+                <a:ln>
+                  <a:noFill/>
+                </a:ln>
+                <a:solidFill>
+                  <a:srgbClr val="FFC000"/>
+                </a:solidFill>
+                <a:effectLst/>
+                <a:uLnTx/>
+                <a:uFillTx/>
+                <a:latin typeface="Century Gothic" panose="020B0502020202020204"/>
+                <a:ea typeface="幼圆" panose="02010509060101010101" pitchFamily="49" charset="-122"/>
+                <a:cs typeface="+mn-cs"/>
+              </a:rPr>
+              <a:t>7x24</a:t>
+            </a:r>
+            <a:r>
+              <a:rPr kumimoji="0" lang="zh-CN" altLang="en-US" sz="2400" b="1" i="0" u="none" strike="noStrike" kern="1200" cap="none" spc="0" normalizeH="0" baseline="0" noProof="0" dirty="0">
+                <a:ln>
+                  <a:noFill/>
+                </a:ln>
+                <a:solidFill>
+                  <a:srgbClr val="FFC000"/>
+                </a:solidFill>
+                <a:effectLst/>
+                <a:uLnTx/>
+                <a:uFillTx/>
+                <a:latin typeface="Century Gothic" panose="020B0502020202020204"/>
+                <a:ea typeface="幼圆" panose="02010509060101010101" pitchFamily="49" charset="-122"/>
+                <a:cs typeface="+mn-cs"/>
+              </a:rPr>
+              <a:t>小时            自动发货</a:t>
+            </a:r>
+          </a:p>
+        </p:txBody>
+      </p:sp>
+      <p:sp>
+        <p:nvSpPr>
+          <p:cNvPr id="16" name="星形: 十角 15">
+            <a:extLst>
+              <a:ext uri="{FF2B5EF4-FFF2-40B4-BE49-F238E27FC236}">
+                <a16:creationId xmlns:a16="http://schemas.microsoft.com/office/drawing/2014/main" id="{671206B8-4A4D-4632-96F8-F517FAE061DD}"/>
+              </a:ext>
+            </a:extLst>
+          </p:cNvPr>
+          <p:cNvSpPr/>
+          <p:nvPr/>
+        </p:nvSpPr>
+        <p:spPr>
+          <a:xfrm rot="20644085">
+            <a:off x="3732450" y="3320973"/>
+            <a:ext cx="2035847" cy="1328824"/>
+          </a:xfrm>
+          <a:prstGeom prst="star10">
+            <a:avLst/>
+          </a:prstGeom>
+          <a:solidFill>
+            <a:srgbClr val="FFFF00"/>
+          </a:solidFill>
+        </p:spPr>
+        <p:style>
+          <a:lnRef idx="2">
+            <a:schemeClr val="accent1">
+              <a:shade val="50000"/>
+            </a:schemeClr>
+          </a:lnRef>
+          <a:fillRef idx="1">
+            <a:schemeClr val="accent1"/>
+          </a:fillRef>
+          <a:effectRef idx="0">
+            <a:schemeClr val="accent1"/>
+          </a:effectRef>
+          <a:fontRef idx="minor">
+            <a:schemeClr val="lt1"/>
+          </a:fontRef>
+        </p:style>
+        <p:txBody>
+          <a:bodyPr rtlCol="0" anchor="ctr"/>
+          <a:lstStyle/>
+          <a:p>
+            <a:pPr marL="0" marR="0" lvl="0" indent="0" algn="ctr" defTabSz="457200" rtl="0" eaLnBrk="1" fontAlgn="auto" latinLnBrk="0" hangingPunct="1">
+              <a:lnSpc>
+                <a:spcPct val="100000"/>
+              </a:lnSpc>
+              <a:spcBef>
+                <a:spcPts val="0"/>
+              </a:spcBef>
+              <a:spcAft>
+                <a:spcPts val="0"/>
+              </a:spcAft>
+              <a:buClrTx/>
+              <a:buSzTx/>
+              <a:buFontTx/>
+              <a:buNone/>
+              <a:tabLst/>
+              <a:defRPr/>
+            </a:pPr>
+            <a:r>
+              <a:rPr kumimoji="0" lang="en-US" altLang="zh-CN" sz="2800" b="1" i="0" u="none" strike="noStrike" kern="1200" cap="none" spc="0" normalizeH="0" baseline="0" noProof="0" dirty="0">
+                <a:ln>
+                  <a:noFill/>
+                </a:ln>
+                <a:solidFill>
+                  <a:srgbClr val="C00000"/>
+                </a:solidFill>
+                <a:effectLst/>
+                <a:uLnTx/>
+                <a:uFillTx/>
+                <a:latin typeface="Century Gothic" panose="020B0502020202020204"/>
+                <a:ea typeface="幼圆" panose="02010509060101010101" pitchFamily="49" charset="-122"/>
+                <a:cs typeface="+mn-cs"/>
+              </a:rPr>
+              <a:t>5.99</a:t>
+            </a:r>
+            <a:r>
+              <a:rPr kumimoji="0" lang="zh-CN" altLang="en-US" sz="2800" b="1" i="0" u="none" strike="noStrike" kern="1200" cap="none" spc="0" normalizeH="0" baseline="0" noProof="0" dirty="0">
+                <a:ln>
+                  <a:noFill/>
+                </a:ln>
+                <a:solidFill>
+                  <a:srgbClr val="C00000"/>
+                </a:solidFill>
+                <a:effectLst/>
+                <a:uLnTx/>
+                <a:uFillTx/>
+                <a:latin typeface="Century Gothic" panose="020B0502020202020204"/>
+                <a:ea typeface="幼圆" panose="02010509060101010101" pitchFamily="49" charset="-122"/>
+                <a:cs typeface="+mn-cs"/>
+              </a:rPr>
+              <a:t>元</a:t>
+            </a:r>
+          </a:p>
+        </p:txBody>
+      </p:sp>
+    </p:spTree>
+    <p:extLst>
+      <p:ext uri="{BB962C8B-B14F-4D97-AF65-F5344CB8AC3E}">
+        <p14:creationId xmlns:p14="http://schemas.microsoft.com/office/powerpoint/2010/main" val="3541101361"/>
       </p:ext>
     </p:extLst>
   </p:cSld>

--- a/淘宝销售文案.pptx
+++ b/淘宝销售文案.pptx
@@ -9,7 +9,17 @@
     <p:sldId id="257" r:id="rId3"/>
     <p:sldId id="258" r:id="rId4"/>
     <p:sldId id="260" r:id="rId5"/>
-    <p:sldId id="261" r:id="rId6"/>
+    <p:sldId id="270" r:id="rId6"/>
+    <p:sldId id="271" r:id="rId7"/>
+    <p:sldId id="261" r:id="rId8"/>
+    <p:sldId id="266" r:id="rId9"/>
+    <p:sldId id="268" r:id="rId10"/>
+    <p:sldId id="267" r:id="rId11"/>
+    <p:sldId id="269" r:id="rId12"/>
+    <p:sldId id="262" r:id="rId13"/>
+    <p:sldId id="263" r:id="rId14"/>
+    <p:sldId id="264" r:id="rId15"/>
+    <p:sldId id="265" r:id="rId16"/>
   </p:sldIdLst>
   <p:sldSz cx="12192000" cy="6858000"/>
   <p:notesSz cx="6858000" cy="9144000"/>
@@ -312,7 +322,7 @@
             <a:fld id="{B61BEF0D-F0BB-DE4B-95CE-6DB70DBA9567}" type="datetimeFigureOut">
               <a:rPr lang="en-US" dirty="0"/>
               <a:pPr/>
-              <a:t>10/21/2017</a:t>
+              <a:t>10/25/2017</a:t>
             </a:fld>
             <a:endParaRPr lang="en-US" dirty="0"/>
           </a:p>
@@ -745,7 +755,7 @@
             <a:fld id="{B61BEF0D-F0BB-DE4B-95CE-6DB70DBA9567}" type="datetimeFigureOut">
               <a:rPr lang="en-US" dirty="0"/>
               <a:pPr/>
-              <a:t>10/21/2017</a:t>
+              <a:t>10/25/2017</a:t>
             </a:fld>
             <a:endParaRPr lang="en-US" dirty="0"/>
           </a:p>
@@ -992,7 +1002,7 @@
             <a:fld id="{B61BEF0D-F0BB-DE4B-95CE-6DB70DBA9567}" type="datetimeFigureOut">
               <a:rPr lang="en-US" dirty="0"/>
               <a:pPr/>
-              <a:t>10/21/2017</a:t>
+              <a:t>10/25/2017</a:t>
             </a:fld>
             <a:endParaRPr lang="en-US" dirty="0"/>
           </a:p>
@@ -1297,7 +1307,7 @@
             <a:fld id="{B61BEF0D-F0BB-DE4B-95CE-6DB70DBA9567}" type="datetimeFigureOut">
               <a:rPr lang="en-US" dirty="0"/>
               <a:pPr/>
-              <a:t>10/21/2017</a:t>
+              <a:t>10/25/2017</a:t>
             </a:fld>
             <a:endParaRPr lang="en-US" dirty="0"/>
           </a:p>
@@ -1612,7 +1622,7 @@
             <a:fld id="{B61BEF0D-F0BB-DE4B-95CE-6DB70DBA9567}" type="datetimeFigureOut">
               <a:rPr lang="en-US" dirty="0"/>
               <a:pPr/>
-              <a:t>10/21/2017</a:t>
+              <a:t>10/25/2017</a:t>
             </a:fld>
             <a:endParaRPr lang="en-US" dirty="0"/>
           </a:p>
@@ -1911,7 +1921,7 @@
             <a:fld id="{B61BEF0D-F0BB-DE4B-95CE-6DB70DBA9567}" type="datetimeFigureOut">
               <a:rPr lang="en-US" dirty="0"/>
               <a:pPr/>
-              <a:t>10/21/2017</a:t>
+              <a:t>10/25/2017</a:t>
             </a:fld>
             <a:endParaRPr lang="en-US" dirty="0"/>
           </a:p>
@@ -2275,7 +2285,7 @@
             <a:fld id="{B61BEF0D-F0BB-DE4B-95CE-6DB70DBA9567}" type="datetimeFigureOut">
               <a:rPr lang="en-US" dirty="0"/>
               <a:pPr/>
-              <a:t>10/21/2017</a:t>
+              <a:t>10/25/2017</a:t>
             </a:fld>
             <a:endParaRPr lang="en-US" dirty="0"/>
           </a:p>
@@ -2446,7 +2456,7 @@
             <a:fld id="{B61BEF0D-F0BB-DE4B-95CE-6DB70DBA9567}" type="datetimeFigureOut">
               <a:rPr lang="en-US" dirty="0"/>
               <a:pPr/>
-              <a:t>10/21/2017</a:t>
+              <a:t>10/25/2017</a:t>
             </a:fld>
             <a:endParaRPr lang="en-US" dirty="0"/>
           </a:p>
@@ -2623,7 +2633,7 @@
             <a:fld id="{B61BEF0D-F0BB-DE4B-95CE-6DB70DBA9567}" type="datetimeFigureOut">
               <a:rPr lang="en-US" dirty="0"/>
               <a:pPr/>
-              <a:t>10/21/2017</a:t>
+              <a:t>10/25/2017</a:t>
             </a:fld>
             <a:endParaRPr lang="en-US" dirty="0"/>
           </a:p>
@@ -2790,7 +2800,7 @@
             <a:fld id="{B61BEF0D-F0BB-DE4B-95CE-6DB70DBA9567}" type="datetimeFigureOut">
               <a:rPr lang="en-US" dirty="0"/>
               <a:pPr/>
-              <a:t>10/21/2017</a:t>
+              <a:t>10/25/2017</a:t>
             </a:fld>
             <a:endParaRPr lang="en-US" dirty="0"/>
           </a:p>
@@ -3037,7 +3047,7 @@
             <a:fld id="{B61BEF0D-F0BB-DE4B-95CE-6DB70DBA9567}" type="datetimeFigureOut">
               <a:rPr lang="en-US" dirty="0"/>
               <a:pPr/>
-              <a:t>10/21/2017</a:t>
+              <a:t>10/25/2017</a:t>
             </a:fld>
             <a:endParaRPr lang="en-US" dirty="0"/>
           </a:p>
@@ -3270,7 +3280,7 @@
             <a:fld id="{B61BEF0D-F0BB-DE4B-95CE-6DB70DBA9567}" type="datetimeFigureOut">
               <a:rPr lang="en-US" dirty="0"/>
               <a:pPr/>
-              <a:t>10/21/2017</a:t>
+              <a:t>10/25/2017</a:t>
             </a:fld>
             <a:endParaRPr lang="en-US" dirty="0"/>
           </a:p>
@@ -3649,7 +3659,7 @@
             <a:fld id="{B61BEF0D-F0BB-DE4B-95CE-6DB70DBA9567}" type="datetimeFigureOut">
               <a:rPr lang="en-US" dirty="0"/>
               <a:pPr/>
-              <a:t>10/21/2017</a:t>
+              <a:t>10/25/2017</a:t>
             </a:fld>
             <a:endParaRPr lang="en-US" dirty="0"/>
           </a:p>
@@ -3764,7 +3774,7 @@
             <a:fld id="{B61BEF0D-F0BB-DE4B-95CE-6DB70DBA9567}" type="datetimeFigureOut">
               <a:rPr lang="en-US" dirty="0"/>
               <a:pPr/>
-              <a:t>10/21/2017</a:t>
+              <a:t>10/25/2017</a:t>
             </a:fld>
             <a:endParaRPr lang="en-US" dirty="0"/>
           </a:p>
@@ -3856,7 +3866,7 @@
             <a:fld id="{B61BEF0D-F0BB-DE4B-95CE-6DB70DBA9567}" type="datetimeFigureOut">
               <a:rPr lang="en-US" dirty="0"/>
               <a:pPr/>
-              <a:t>10/21/2017</a:t>
+              <a:t>10/25/2017</a:t>
             </a:fld>
             <a:endParaRPr lang="en-US" dirty="0"/>
           </a:p>
@@ -4108,7 +4118,7 @@
             <a:fld id="{B61BEF0D-F0BB-DE4B-95CE-6DB70DBA9567}" type="datetimeFigureOut">
               <a:rPr lang="en-US" dirty="0"/>
               <a:pPr/>
-              <a:t>10/21/2017</a:t>
+              <a:t>10/25/2017</a:t>
             </a:fld>
             <a:endParaRPr lang="en-US" dirty="0"/>
           </a:p>
@@ -4388,7 +4398,7 @@
             <a:fld id="{B61BEF0D-F0BB-DE4B-95CE-6DB70DBA9567}" type="datetimeFigureOut">
               <a:rPr lang="en-US" dirty="0"/>
               <a:pPr/>
-              <a:t>10/21/2017</a:t>
+              <a:t>10/25/2017</a:t>
             </a:fld>
             <a:endParaRPr lang="en-US" dirty="0"/>
           </a:p>
@@ -4807,7 +4817,7 @@
             <a:fld id="{B61BEF0D-F0BB-DE4B-95CE-6DB70DBA9567}" type="datetimeFigureOut">
               <a:rPr lang="en-US" dirty="0"/>
               <a:pPr/>
-              <a:t>10/21/2017</a:t>
+              <a:t>10/25/2017</a:t>
             </a:fld>
             <a:endParaRPr lang="en-US" dirty="0"/>
           </a:p>
@@ -5638,6 +5648,2493 @@
 </p:sld>
 </file>
 
+<file path=ppt/slides/slide10.xml><?xml version="1.0" encoding="utf-8"?>
+<p:sld xmlns:a="http://schemas.openxmlformats.org/drawingml/2006/main" xmlns:r="http://schemas.openxmlformats.org/officeDocument/2006/relationships" xmlns:p="http://schemas.openxmlformats.org/presentationml/2006/main">
+  <p:cSld>
+    <p:spTree>
+      <p:nvGrpSpPr>
+        <p:cNvPr id="1" name=""/>
+        <p:cNvGrpSpPr/>
+        <p:nvPr/>
+      </p:nvGrpSpPr>
+      <p:grpSpPr>
+        <a:xfrm>
+          <a:off x="0" y="0"/>
+          <a:ext cx="0" cy="0"/>
+          <a:chOff x="0" y="0"/>
+          <a:chExt cx="0" cy="0"/>
+        </a:xfrm>
+      </p:grpSpPr>
+      <p:sp>
+        <p:nvSpPr>
+          <p:cNvPr id="4" name="文本框 3">
+            <a:extLst>
+              <a:ext uri="{FF2B5EF4-FFF2-40B4-BE49-F238E27FC236}">
+                <a16:creationId xmlns:a16="http://schemas.microsoft.com/office/drawing/2014/main" id="{46F7EE15-552D-49EE-A436-ADAD208D6CA4}"/>
+              </a:ext>
+            </a:extLst>
+          </p:cNvPr>
+          <p:cNvSpPr txBox="1"/>
+          <p:nvPr/>
+        </p:nvSpPr>
+        <p:spPr>
+          <a:xfrm>
+            <a:off x="968706" y="1773138"/>
+            <a:ext cx="7336568" cy="2185214"/>
+          </a:xfrm>
+          <a:prstGeom prst="rect">
+            <a:avLst/>
+          </a:prstGeom>
+          <a:noFill/>
+        </p:spPr>
+        <p:txBody>
+          <a:bodyPr wrap="square" rtlCol="0">
+            <a:spAutoFit/>
+          </a:bodyPr>
+          <a:lstStyle/>
+          <a:p>
+            <a:pPr marL="0" marR="0" lvl="0" indent="0" defTabSz="457200" rtl="0" eaLnBrk="1" fontAlgn="auto" latinLnBrk="0" hangingPunct="1">
+              <a:lnSpc>
+                <a:spcPct val="100000"/>
+              </a:lnSpc>
+              <a:spcBef>
+                <a:spcPts val="0"/>
+              </a:spcBef>
+              <a:spcAft>
+                <a:spcPts val="0"/>
+              </a:spcAft>
+              <a:buClrTx/>
+              <a:buSzTx/>
+              <a:buFontTx/>
+              <a:buNone/>
+              <a:tabLst/>
+              <a:defRPr/>
+            </a:pPr>
+            <a:r>
+              <a:rPr lang="zh-CN" altLang="en-US" sz="2800" b="1" dirty="0">
+                <a:latin typeface="华文中宋" panose="02010600040101010101" pitchFamily="2" charset="-122"/>
+                <a:ea typeface="华文中宋" panose="02010600040101010101" pitchFamily="2" charset="-122"/>
+              </a:rPr>
+              <a:t>本店承诺：</a:t>
+            </a:r>
+            <a:endParaRPr lang="en-US" altLang="zh-CN" sz="2800" b="1" dirty="0">
+              <a:latin typeface="华文中宋" panose="02010600040101010101" pitchFamily="2" charset="-122"/>
+              <a:ea typeface="华文中宋" panose="02010600040101010101" pitchFamily="2" charset="-122"/>
+            </a:endParaRPr>
+          </a:p>
+          <a:p>
+            <a:pPr marL="0" marR="0" lvl="0" indent="0" defTabSz="457200" rtl="0" eaLnBrk="1" fontAlgn="auto" latinLnBrk="0" hangingPunct="1">
+              <a:lnSpc>
+                <a:spcPct val="100000"/>
+              </a:lnSpc>
+              <a:spcBef>
+                <a:spcPts val="0"/>
+              </a:spcBef>
+              <a:spcAft>
+                <a:spcPts val="0"/>
+              </a:spcAft>
+              <a:buClrTx/>
+              <a:buSzTx/>
+              <a:buFontTx/>
+              <a:buNone/>
+              <a:tabLst/>
+              <a:defRPr/>
+            </a:pPr>
+            <a:r>
+              <a:rPr kumimoji="0" lang="en-US" altLang="zh-CN" sz="2000" b="1" i="0" u="none" strike="noStrike" kern="1200" cap="none" spc="0" normalizeH="0" baseline="0" noProof="0" dirty="0">
+                <a:ln>
+                  <a:noFill/>
+                </a:ln>
+                <a:solidFill>
+                  <a:srgbClr val="FFFF00"/>
+                </a:solidFill>
+                <a:effectLst/>
+                <a:uLnTx/>
+                <a:uFillTx/>
+                <a:latin typeface="华文中宋" panose="02010600040101010101" pitchFamily="2" charset="-122"/>
+                <a:ea typeface="华文中宋" panose="02010600040101010101" pitchFamily="2" charset="-122"/>
+                <a:cs typeface="+mn-cs"/>
+              </a:rPr>
+              <a:t>		</a:t>
+            </a:r>
+            <a:r>
+              <a:rPr kumimoji="0" lang="zh-CN" altLang="en-US" sz="2000" b="1" i="0" u="none" strike="noStrike" kern="1200" cap="none" spc="0" normalizeH="0" baseline="0" noProof="0" dirty="0">
+                <a:ln>
+                  <a:noFill/>
+                </a:ln>
+                <a:solidFill>
+                  <a:srgbClr val="FFFF00"/>
+                </a:solidFill>
+                <a:effectLst/>
+                <a:uLnTx/>
+                <a:uFillTx/>
+                <a:latin typeface="华文中宋" panose="02010600040101010101" pitchFamily="2" charset="-122"/>
+                <a:ea typeface="华文中宋" panose="02010600040101010101" pitchFamily="2" charset="-122"/>
+                <a:cs typeface="+mn-cs"/>
+              </a:rPr>
+              <a:t>本店视频都经过店主精心整理，</a:t>
+            </a:r>
+            <a:r>
+              <a:rPr kumimoji="0" lang="zh-CN" altLang="en-US" sz="2000" b="1" i="0" u="none" strike="noStrike" kern="1200" cap="none" spc="0" normalizeH="0" baseline="0" noProof="0" dirty="0">
+                <a:ln>
+                  <a:noFill/>
+                </a:ln>
+                <a:solidFill>
+                  <a:schemeClr val="accent5"/>
+                </a:solidFill>
+                <a:effectLst/>
+                <a:uLnTx/>
+                <a:uFillTx/>
+                <a:latin typeface="华文中宋" panose="02010600040101010101" pitchFamily="2" charset="-122"/>
+                <a:ea typeface="华文中宋" panose="02010600040101010101" pitchFamily="2" charset="-122"/>
+                <a:cs typeface="+mn-cs"/>
+              </a:rPr>
+              <a:t>全高清</a:t>
+            </a:r>
+            <a:r>
+              <a:rPr kumimoji="0" lang="zh-CN" altLang="en-US" sz="2000" b="1" i="0" u="none" strike="noStrike" kern="1200" cap="none" spc="0" normalizeH="0" baseline="0" noProof="0" dirty="0">
+                <a:ln>
+                  <a:noFill/>
+                </a:ln>
+                <a:solidFill>
+                  <a:srgbClr val="FFFF00"/>
+                </a:solidFill>
+                <a:effectLst/>
+                <a:uLnTx/>
+                <a:uFillTx/>
+                <a:latin typeface="华文中宋" panose="02010600040101010101" pitchFamily="2" charset="-122"/>
+                <a:ea typeface="华文中宋" panose="02010600040101010101" pitchFamily="2" charset="-122"/>
+                <a:cs typeface="+mn-cs"/>
+              </a:rPr>
+              <a:t>！</a:t>
+            </a:r>
+            <a:endParaRPr kumimoji="0" lang="en-US" altLang="zh-CN" sz="2000" b="1" i="0" u="none" strike="noStrike" kern="1200" cap="none" spc="0" normalizeH="0" baseline="0" noProof="0" dirty="0">
+              <a:ln>
+                <a:noFill/>
+              </a:ln>
+              <a:solidFill>
+                <a:srgbClr val="FFFF00"/>
+              </a:solidFill>
+              <a:effectLst/>
+              <a:uLnTx/>
+              <a:uFillTx/>
+              <a:latin typeface="华文中宋" panose="02010600040101010101" pitchFamily="2" charset="-122"/>
+              <a:ea typeface="华文中宋" panose="02010600040101010101" pitchFamily="2" charset="-122"/>
+              <a:cs typeface="+mn-cs"/>
+            </a:endParaRPr>
+          </a:p>
+          <a:p>
+            <a:pPr marL="0" marR="0" lvl="0" indent="0" defTabSz="457200" rtl="0" eaLnBrk="1" fontAlgn="auto" latinLnBrk="0" hangingPunct="1">
+              <a:lnSpc>
+                <a:spcPct val="100000"/>
+              </a:lnSpc>
+              <a:spcBef>
+                <a:spcPts val="0"/>
+              </a:spcBef>
+              <a:spcAft>
+                <a:spcPts val="0"/>
+              </a:spcAft>
+              <a:buClrTx/>
+              <a:buSzTx/>
+              <a:buFontTx/>
+              <a:buNone/>
+              <a:tabLst/>
+              <a:defRPr/>
+            </a:pPr>
+            <a:r>
+              <a:rPr lang="en-US" altLang="zh-CN" sz="2000" b="1" dirty="0">
+                <a:solidFill>
+                  <a:srgbClr val="FFFF00"/>
+                </a:solidFill>
+                <a:latin typeface="华文中宋" panose="02010600040101010101" pitchFamily="2" charset="-122"/>
+                <a:ea typeface="华文中宋" panose="02010600040101010101" pitchFamily="2" charset="-122"/>
+              </a:rPr>
+              <a:t>		</a:t>
+            </a:r>
+            <a:r>
+              <a:rPr lang="zh-CN" altLang="en-US" sz="2000" b="1" dirty="0">
+                <a:solidFill>
+                  <a:schemeClr val="accent5"/>
+                </a:solidFill>
+                <a:latin typeface="华文中宋" panose="02010600040101010101" pitchFamily="2" charset="-122"/>
+                <a:ea typeface="华文中宋" panose="02010600040101010101" pitchFamily="2" charset="-122"/>
+              </a:rPr>
+              <a:t>百度网盘</a:t>
+            </a:r>
+            <a:r>
+              <a:rPr lang="zh-CN" altLang="en-US" sz="2000" b="1" dirty="0">
+                <a:solidFill>
+                  <a:srgbClr val="FFFF00"/>
+                </a:solidFill>
+                <a:latin typeface="华文中宋" panose="02010600040101010101" pitchFamily="2" charset="-122"/>
+                <a:ea typeface="华文中宋" panose="02010600040101010101" pitchFamily="2" charset="-122"/>
+              </a:rPr>
+              <a:t>链接，方便下载和在线观看！</a:t>
+            </a:r>
+            <a:endParaRPr lang="en-US" altLang="zh-CN" sz="2000" b="1" dirty="0">
+              <a:solidFill>
+                <a:srgbClr val="FFFF00"/>
+              </a:solidFill>
+              <a:latin typeface="华文中宋" panose="02010600040101010101" pitchFamily="2" charset="-122"/>
+              <a:ea typeface="华文中宋" panose="02010600040101010101" pitchFamily="2" charset="-122"/>
+            </a:endParaRPr>
+          </a:p>
+          <a:p>
+            <a:pPr marL="0" marR="0" lvl="0" indent="0" defTabSz="457200" rtl="0" eaLnBrk="1" fontAlgn="auto" latinLnBrk="0" hangingPunct="1">
+              <a:lnSpc>
+                <a:spcPct val="100000"/>
+              </a:lnSpc>
+              <a:spcBef>
+                <a:spcPts val="0"/>
+              </a:spcBef>
+              <a:spcAft>
+                <a:spcPts val="0"/>
+              </a:spcAft>
+              <a:buClrTx/>
+              <a:buSzTx/>
+              <a:buFontTx/>
+              <a:buNone/>
+              <a:tabLst/>
+              <a:defRPr/>
+            </a:pPr>
+            <a:r>
+              <a:rPr lang="en-US" altLang="zh-CN" sz="2000" b="1" dirty="0">
+                <a:solidFill>
+                  <a:srgbClr val="FFFF00"/>
+                </a:solidFill>
+                <a:latin typeface="华文中宋" panose="02010600040101010101" pitchFamily="2" charset="-122"/>
+                <a:ea typeface="华文中宋" panose="02010600040101010101" pitchFamily="2" charset="-122"/>
+              </a:rPr>
+              <a:t>		7x24</a:t>
+            </a:r>
+            <a:r>
+              <a:rPr lang="zh-CN" altLang="en-US" sz="2000" b="1" dirty="0">
+                <a:solidFill>
+                  <a:srgbClr val="FFFF00"/>
+                </a:solidFill>
+                <a:latin typeface="华文中宋" panose="02010600040101010101" pitchFamily="2" charset="-122"/>
+                <a:ea typeface="华文中宋" panose="02010600040101010101" pitchFamily="2" charset="-122"/>
+              </a:rPr>
+              <a:t>小时自动发货到您的旺旺！</a:t>
+            </a:r>
+            <a:endParaRPr lang="en-US" altLang="zh-CN" sz="2000" b="1" dirty="0">
+              <a:solidFill>
+                <a:srgbClr val="FFFF00"/>
+              </a:solidFill>
+              <a:latin typeface="华文中宋" panose="02010600040101010101" pitchFamily="2" charset="-122"/>
+              <a:ea typeface="华文中宋" panose="02010600040101010101" pitchFamily="2" charset="-122"/>
+            </a:endParaRPr>
+          </a:p>
+          <a:p>
+            <a:pPr marL="0" marR="0" lvl="0" indent="0" defTabSz="457200" rtl="0" eaLnBrk="1" fontAlgn="auto" latinLnBrk="0" hangingPunct="1">
+              <a:lnSpc>
+                <a:spcPct val="100000"/>
+              </a:lnSpc>
+              <a:spcBef>
+                <a:spcPts val="0"/>
+              </a:spcBef>
+              <a:spcAft>
+                <a:spcPts val="0"/>
+              </a:spcAft>
+              <a:buClrTx/>
+              <a:buSzTx/>
+              <a:buFontTx/>
+              <a:buNone/>
+              <a:tabLst/>
+              <a:defRPr/>
+            </a:pPr>
+            <a:r>
+              <a:rPr lang="en-US" altLang="zh-CN" sz="2000" b="1" dirty="0">
+                <a:solidFill>
+                  <a:schemeClr val="accent5"/>
+                </a:solidFill>
+                <a:latin typeface="华文中宋" panose="02010600040101010101" pitchFamily="2" charset="-122"/>
+                <a:ea typeface="华文中宋" panose="02010600040101010101" pitchFamily="2" charset="-122"/>
+              </a:rPr>
+              <a:t>		</a:t>
+            </a:r>
+            <a:r>
+              <a:rPr lang="zh-CN" altLang="en-US" sz="2000" b="1" dirty="0">
+                <a:solidFill>
+                  <a:schemeClr val="accent5"/>
+                </a:solidFill>
+                <a:latin typeface="华文中宋" panose="02010600040101010101" pitchFamily="2" charset="-122"/>
+                <a:ea typeface="华文中宋" panose="02010600040101010101" pitchFamily="2" charset="-122"/>
+              </a:rPr>
+              <a:t>满意请给全五星好评！</a:t>
+            </a:r>
+            <a:endParaRPr lang="en-US" altLang="zh-CN" sz="2000" b="1" dirty="0">
+              <a:solidFill>
+                <a:schemeClr val="accent5"/>
+              </a:solidFill>
+              <a:latin typeface="华文中宋" panose="02010600040101010101" pitchFamily="2" charset="-122"/>
+              <a:ea typeface="华文中宋" panose="02010600040101010101" pitchFamily="2" charset="-122"/>
+            </a:endParaRPr>
+          </a:p>
+          <a:p>
+            <a:pPr marL="0" marR="0" lvl="0" indent="0" algn="ctr" defTabSz="457200" rtl="0" eaLnBrk="1" fontAlgn="auto" latinLnBrk="0" hangingPunct="1">
+              <a:lnSpc>
+                <a:spcPct val="100000"/>
+              </a:lnSpc>
+              <a:spcBef>
+                <a:spcPts val="0"/>
+              </a:spcBef>
+              <a:spcAft>
+                <a:spcPts val="0"/>
+              </a:spcAft>
+              <a:buClrTx/>
+              <a:buSzTx/>
+              <a:buFontTx/>
+              <a:buNone/>
+              <a:tabLst/>
+              <a:defRPr/>
+            </a:pPr>
+            <a:endParaRPr kumimoji="0" lang="en-US" altLang="zh-CN" sz="2800" b="1" i="0" u="none" strike="noStrike" kern="1200" cap="none" spc="0" normalizeH="0" baseline="0" noProof="0" dirty="0">
+              <a:ln>
+                <a:noFill/>
+              </a:ln>
+              <a:solidFill>
+                <a:srgbClr val="FFFF00"/>
+              </a:solidFill>
+              <a:effectLst/>
+              <a:uLnTx/>
+              <a:uFillTx/>
+              <a:latin typeface="华文中宋" panose="02010600040101010101" pitchFamily="2" charset="-122"/>
+              <a:ea typeface="华文中宋" panose="02010600040101010101" pitchFamily="2" charset="-122"/>
+              <a:cs typeface="+mn-cs"/>
+            </a:endParaRPr>
+          </a:p>
+        </p:txBody>
+      </p:sp>
+    </p:spTree>
+    <p:extLst>
+      <p:ext uri="{BB962C8B-B14F-4D97-AF65-F5344CB8AC3E}">
+        <p14:creationId xmlns:p14="http://schemas.microsoft.com/office/powerpoint/2010/main" val="2445493817"/>
+      </p:ext>
+    </p:extLst>
+  </p:cSld>
+  <p:clrMapOvr>
+    <a:masterClrMapping/>
+  </p:clrMapOvr>
+</p:sld>
+</file>
+
+<file path=ppt/slides/slide11.xml><?xml version="1.0" encoding="utf-8"?>
+<p:sld xmlns:a="http://schemas.openxmlformats.org/drawingml/2006/main" xmlns:r="http://schemas.openxmlformats.org/officeDocument/2006/relationships" xmlns:p="http://schemas.openxmlformats.org/presentationml/2006/main">
+  <p:cSld>
+    <p:spTree>
+      <p:nvGrpSpPr>
+        <p:cNvPr id="1" name=""/>
+        <p:cNvGrpSpPr/>
+        <p:nvPr/>
+      </p:nvGrpSpPr>
+      <p:grpSpPr>
+        <a:xfrm>
+          <a:off x="0" y="0"/>
+          <a:ext cx="0" cy="0"/>
+          <a:chOff x="0" y="0"/>
+          <a:chExt cx="0" cy="0"/>
+        </a:xfrm>
+      </p:grpSpPr>
+      <p:pic>
+        <p:nvPicPr>
+          <p:cNvPr id="5" name="图片 4">
+            <a:extLst>
+              <a:ext uri="{FF2B5EF4-FFF2-40B4-BE49-F238E27FC236}">
+                <a16:creationId xmlns:a16="http://schemas.microsoft.com/office/drawing/2014/main" id="{D6960D80-54CB-4BBE-801B-79B26FCA0A6A}"/>
+              </a:ext>
+            </a:extLst>
+          </p:cNvPr>
+          <p:cNvPicPr>
+            <a:picLocks noChangeAspect="1"/>
+          </p:cNvPicPr>
+          <p:nvPr/>
+        </p:nvPicPr>
+        <p:blipFill>
+          <a:blip r:embed="rId2"/>
+          <a:stretch>
+            <a:fillRect/>
+          </a:stretch>
+        </p:blipFill>
+        <p:spPr>
+          <a:xfrm>
+            <a:off x="362217" y="101790"/>
+            <a:ext cx="2122879" cy="6419660"/>
+          </a:xfrm>
+          <a:prstGeom prst="rect">
+            <a:avLst/>
+          </a:prstGeom>
+        </p:spPr>
+      </p:pic>
+      <p:pic>
+        <p:nvPicPr>
+          <p:cNvPr id="7" name="图片 6">
+            <a:extLst>
+              <a:ext uri="{FF2B5EF4-FFF2-40B4-BE49-F238E27FC236}">
+                <a16:creationId xmlns:a16="http://schemas.microsoft.com/office/drawing/2014/main" id="{E48E9C44-D132-4567-9808-F3BD547AA9AD}"/>
+              </a:ext>
+            </a:extLst>
+          </p:cNvPr>
+          <p:cNvPicPr>
+            <a:picLocks noChangeAspect="1"/>
+          </p:cNvPicPr>
+          <p:nvPr/>
+        </p:nvPicPr>
+        <p:blipFill>
+          <a:blip r:embed="rId3"/>
+          <a:stretch>
+            <a:fillRect/>
+          </a:stretch>
+        </p:blipFill>
+        <p:spPr>
+          <a:xfrm>
+            <a:off x="2485096" y="101790"/>
+            <a:ext cx="1947204" cy="6419660"/>
+          </a:xfrm>
+          <a:prstGeom prst="rect">
+            <a:avLst/>
+          </a:prstGeom>
+        </p:spPr>
+      </p:pic>
+      <p:pic>
+        <p:nvPicPr>
+          <p:cNvPr id="9" name="图片 8">
+            <a:extLst>
+              <a:ext uri="{FF2B5EF4-FFF2-40B4-BE49-F238E27FC236}">
+                <a16:creationId xmlns:a16="http://schemas.microsoft.com/office/drawing/2014/main" id="{CD83980A-3C5C-42FC-9623-F41467665B06}"/>
+              </a:ext>
+            </a:extLst>
+          </p:cNvPr>
+          <p:cNvPicPr>
+            <a:picLocks noChangeAspect="1"/>
+          </p:cNvPicPr>
+          <p:nvPr/>
+        </p:nvPicPr>
+        <p:blipFill>
+          <a:blip r:embed="rId4"/>
+          <a:stretch>
+            <a:fillRect/>
+          </a:stretch>
+        </p:blipFill>
+        <p:spPr>
+          <a:xfrm>
+            <a:off x="9314597" y="3167818"/>
+            <a:ext cx="2343022" cy="1106155"/>
+          </a:xfrm>
+          <a:prstGeom prst="rect">
+            <a:avLst/>
+          </a:prstGeom>
+        </p:spPr>
+      </p:pic>
+    </p:spTree>
+    <p:extLst>
+      <p:ext uri="{BB962C8B-B14F-4D97-AF65-F5344CB8AC3E}">
+        <p14:creationId xmlns:p14="http://schemas.microsoft.com/office/powerpoint/2010/main" val="1713557294"/>
+      </p:ext>
+    </p:extLst>
+  </p:cSld>
+  <p:clrMapOvr>
+    <a:masterClrMapping/>
+  </p:clrMapOvr>
+</p:sld>
+</file>
+
+<file path=ppt/slides/slide12.xml><?xml version="1.0" encoding="utf-8"?>
+<p:sld xmlns:a="http://schemas.openxmlformats.org/drawingml/2006/main" xmlns:r="http://schemas.openxmlformats.org/officeDocument/2006/relationships" xmlns:p="http://schemas.openxmlformats.org/presentationml/2006/main">
+  <p:cSld>
+    <p:bg>
+      <p:bgPr>
+        <a:solidFill>
+          <a:schemeClr val="tx1">
+            <a:lumMod val="95000"/>
+          </a:schemeClr>
+        </a:solidFill>
+        <a:effectLst/>
+      </p:bgPr>
+    </p:bg>
+    <p:spTree>
+      <p:nvGrpSpPr>
+        <p:cNvPr id="1" name=""/>
+        <p:cNvGrpSpPr/>
+        <p:nvPr/>
+      </p:nvGrpSpPr>
+      <p:grpSpPr>
+        <a:xfrm>
+          <a:off x="0" y="0"/>
+          <a:ext cx="0" cy="0"/>
+          <a:chOff x="0" y="0"/>
+          <a:chExt cx="0" cy="0"/>
+        </a:xfrm>
+      </p:grpSpPr>
+      <p:sp>
+        <p:nvSpPr>
+          <p:cNvPr id="6" name="文本框 5">
+            <a:extLst>
+              <a:ext uri="{FF2B5EF4-FFF2-40B4-BE49-F238E27FC236}">
+                <a16:creationId xmlns:a16="http://schemas.microsoft.com/office/drawing/2014/main" id="{95C00007-C28F-49AC-B0FB-E79F9D6B1524}"/>
+              </a:ext>
+            </a:extLst>
+          </p:cNvPr>
+          <p:cNvSpPr txBox="1"/>
+          <p:nvPr/>
+        </p:nvSpPr>
+        <p:spPr>
+          <a:xfrm>
+            <a:off x="1136631" y="2409932"/>
+            <a:ext cx="3219151" cy="1200329"/>
+          </a:xfrm>
+          <a:prstGeom prst="rect">
+            <a:avLst/>
+          </a:prstGeom>
+          <a:noFill/>
+        </p:spPr>
+        <p:txBody>
+          <a:bodyPr wrap="none" rtlCol="0">
+            <a:spAutoFit/>
+          </a:bodyPr>
+          <a:lstStyle/>
+          <a:p>
+            <a:pPr marL="0" marR="0" lvl="0" indent="0" algn="ctr" defTabSz="457200" rtl="0" eaLnBrk="1" fontAlgn="auto" latinLnBrk="0" hangingPunct="1">
+              <a:lnSpc>
+                <a:spcPct val="100000"/>
+              </a:lnSpc>
+              <a:spcBef>
+                <a:spcPts val="0"/>
+              </a:spcBef>
+              <a:spcAft>
+                <a:spcPts val="0"/>
+              </a:spcAft>
+              <a:buClrTx/>
+              <a:buSzTx/>
+              <a:buFontTx/>
+              <a:buNone/>
+              <a:tabLst/>
+              <a:defRPr/>
+            </a:pPr>
+            <a:r>
+              <a:rPr kumimoji="0" lang="en-US" altLang="zh-CN" sz="3600" b="1" i="0" u="none" strike="noStrike" kern="1200" cap="none" spc="0" normalizeH="0" baseline="0" noProof="0" dirty="0">
+                <a:ln>
+                  <a:noFill/>
+                </a:ln>
+                <a:solidFill>
+                  <a:srgbClr val="FFC000"/>
+                </a:solidFill>
+                <a:effectLst/>
+                <a:uLnTx/>
+                <a:uFillTx/>
+                <a:latin typeface="华文中宋" panose="02010600040101010101" pitchFamily="2" charset="-122"/>
+                <a:ea typeface="华文中宋" panose="02010600040101010101" pitchFamily="2" charset="-122"/>
+                <a:cs typeface="+mn-cs"/>
+              </a:rPr>
+              <a:t>Elasticsearch</a:t>
+            </a:r>
+          </a:p>
+          <a:p>
+            <a:pPr marL="0" marR="0" lvl="0" indent="0" algn="ctr" defTabSz="457200" rtl="0" eaLnBrk="1" fontAlgn="auto" latinLnBrk="0" hangingPunct="1">
+              <a:lnSpc>
+                <a:spcPct val="100000"/>
+              </a:lnSpc>
+              <a:spcBef>
+                <a:spcPts val="0"/>
+              </a:spcBef>
+              <a:spcAft>
+                <a:spcPts val="0"/>
+              </a:spcAft>
+              <a:buClrTx/>
+              <a:buSzTx/>
+              <a:buFontTx/>
+              <a:buNone/>
+              <a:tabLst/>
+              <a:defRPr/>
+            </a:pPr>
+            <a:r>
+              <a:rPr kumimoji="0" lang="zh-CN" altLang="en-US" sz="3600" b="1" i="0" u="none" strike="noStrike" kern="1200" cap="none" spc="0" normalizeH="0" baseline="0" noProof="0" dirty="0">
+                <a:ln>
+                  <a:noFill/>
+                </a:ln>
+                <a:solidFill>
+                  <a:srgbClr val="FFC000"/>
+                </a:solidFill>
+                <a:effectLst/>
+                <a:uLnTx/>
+                <a:uFillTx/>
+                <a:latin typeface="华文中宋" panose="02010600040101010101" pitchFamily="2" charset="-122"/>
+                <a:ea typeface="华文中宋" panose="02010600040101010101" pitchFamily="2" charset="-122"/>
+                <a:cs typeface="+mn-cs"/>
+              </a:rPr>
+              <a:t>顶尖高手系列</a:t>
+            </a:r>
+          </a:p>
+        </p:txBody>
+      </p:sp>
+      <p:sp>
+        <p:nvSpPr>
+          <p:cNvPr id="7" name="文本框 6">
+            <a:extLst>
+              <a:ext uri="{FF2B5EF4-FFF2-40B4-BE49-F238E27FC236}">
+                <a16:creationId xmlns:a16="http://schemas.microsoft.com/office/drawing/2014/main" id="{A9869CFA-63D2-46BE-A761-719AB9E5BB2A}"/>
+              </a:ext>
+            </a:extLst>
+          </p:cNvPr>
+          <p:cNvSpPr txBox="1"/>
+          <p:nvPr/>
+        </p:nvSpPr>
+        <p:spPr>
+          <a:xfrm>
+            <a:off x="2162828" y="3915445"/>
+            <a:ext cx="1980029" cy="523220"/>
+          </a:xfrm>
+          <a:prstGeom prst="rect">
+            <a:avLst/>
+          </a:prstGeom>
+          <a:noFill/>
+        </p:spPr>
+        <p:txBody>
+          <a:bodyPr wrap="none" rtlCol="0">
+            <a:spAutoFit/>
+          </a:bodyPr>
+          <a:lstStyle/>
+          <a:p>
+            <a:pPr lvl="0" algn="ctr"/>
+            <a:r>
+              <a:rPr lang="zh-CN" altLang="en-US" sz="2800" b="1" i="1" dirty="0">
+                <a:solidFill>
+                  <a:srgbClr val="FFC000"/>
+                </a:solidFill>
+                <a:latin typeface="华文中宋" panose="02010600040101010101" pitchFamily="2" charset="-122"/>
+                <a:ea typeface="华文中宋" panose="02010600040101010101" pitchFamily="2" charset="-122"/>
+              </a:rPr>
+              <a:t>快速入门篇</a:t>
+            </a:r>
+            <a:endParaRPr kumimoji="0" lang="zh-CN" altLang="en-US" sz="2800" b="1" i="1" u="none" strike="noStrike" kern="1200" cap="none" spc="0" normalizeH="0" baseline="0" noProof="0" dirty="0">
+              <a:ln>
+                <a:noFill/>
+              </a:ln>
+              <a:solidFill>
+                <a:srgbClr val="FFC000"/>
+              </a:solidFill>
+              <a:effectLst/>
+              <a:uLnTx/>
+              <a:uFillTx/>
+              <a:latin typeface="华文中宋" panose="02010600040101010101" pitchFamily="2" charset="-122"/>
+              <a:ea typeface="华文中宋" panose="02010600040101010101" pitchFamily="2" charset="-122"/>
+            </a:endParaRPr>
+          </a:p>
+        </p:txBody>
+      </p:sp>
+      <p:sp>
+        <p:nvSpPr>
+          <p:cNvPr id="8" name="文本框 7">
+            <a:extLst>
+              <a:ext uri="{FF2B5EF4-FFF2-40B4-BE49-F238E27FC236}">
+                <a16:creationId xmlns:a16="http://schemas.microsoft.com/office/drawing/2014/main" id="{35C6E9EF-4C46-4379-86D1-DDE94B87B8FB}"/>
+              </a:ext>
+            </a:extLst>
+          </p:cNvPr>
+          <p:cNvSpPr txBox="1"/>
+          <p:nvPr/>
+        </p:nvSpPr>
+        <p:spPr>
+          <a:xfrm>
+            <a:off x="453448" y="1539592"/>
+            <a:ext cx="2052165" cy="400110"/>
+          </a:xfrm>
+          <a:prstGeom prst="rect">
+            <a:avLst/>
+          </a:prstGeom>
+          <a:noFill/>
+        </p:spPr>
+        <p:txBody>
+          <a:bodyPr wrap="none" rtlCol="0">
+            <a:spAutoFit/>
+          </a:bodyPr>
+          <a:lstStyle/>
+          <a:p>
+            <a:pPr marL="0" marR="0" lvl="0" indent="0" algn="l" defTabSz="457200" rtl="0" eaLnBrk="1" fontAlgn="auto" latinLnBrk="0" hangingPunct="1">
+              <a:lnSpc>
+                <a:spcPct val="100000"/>
+              </a:lnSpc>
+              <a:spcBef>
+                <a:spcPts val="0"/>
+              </a:spcBef>
+              <a:spcAft>
+                <a:spcPts val="0"/>
+              </a:spcAft>
+              <a:buClrTx/>
+              <a:buSzTx/>
+              <a:buFontTx/>
+              <a:buNone/>
+              <a:tabLst/>
+              <a:defRPr/>
+            </a:pPr>
+            <a:r>
+              <a:rPr kumimoji="0" lang="en-US" altLang="zh-CN" sz="2000" b="1" i="0" u="none" strike="noStrike" kern="1200" cap="none" spc="0" normalizeH="0" baseline="0" noProof="0" dirty="0">
+                <a:ln>
+                  <a:noFill/>
+                </a:ln>
+                <a:solidFill>
+                  <a:srgbClr val="CB2323"/>
+                </a:solidFill>
+                <a:effectLst/>
+                <a:uLnTx/>
+                <a:uFillTx/>
+                <a:latin typeface="Century Gothic" panose="020B0502020202020204"/>
+                <a:ea typeface="幼圆" panose="02010509060101010101" pitchFamily="49" charset="-122"/>
+                <a:cs typeface="+mn-cs"/>
+              </a:rPr>
+              <a:t>2017</a:t>
+            </a:r>
+            <a:r>
+              <a:rPr lang="zh-CN" altLang="en-US" sz="2000" b="1" dirty="0">
+                <a:solidFill>
+                  <a:srgbClr val="CB2323"/>
+                </a:solidFill>
+                <a:latin typeface="Wingdings 3" panose="05040102010807070707" pitchFamily="18" charset="2"/>
+                <a:ea typeface="幼圆" panose="02010509060101010101" pitchFamily="49" charset="-122"/>
+              </a:rPr>
+              <a:t>年全新录制</a:t>
+            </a:r>
+          </a:p>
+        </p:txBody>
+      </p:sp>
+      <p:sp>
+        <p:nvSpPr>
+          <p:cNvPr id="9" name="文本框 8">
+            <a:extLst>
+              <a:ext uri="{FF2B5EF4-FFF2-40B4-BE49-F238E27FC236}">
+                <a16:creationId xmlns:a16="http://schemas.microsoft.com/office/drawing/2014/main" id="{B11FCB1F-04A0-4D67-8ED8-03EC961C3352}"/>
+              </a:ext>
+            </a:extLst>
+          </p:cNvPr>
+          <p:cNvSpPr txBox="1"/>
+          <p:nvPr/>
+        </p:nvSpPr>
+        <p:spPr>
+          <a:xfrm>
+            <a:off x="3288116" y="1539592"/>
+            <a:ext cx="1475083" cy="400110"/>
+          </a:xfrm>
+          <a:prstGeom prst="rect">
+            <a:avLst/>
+          </a:prstGeom>
+          <a:noFill/>
+        </p:spPr>
+        <p:txBody>
+          <a:bodyPr wrap="none" rtlCol="0">
+            <a:spAutoFit/>
+          </a:bodyPr>
+          <a:lstStyle/>
+          <a:p>
+            <a:pPr marL="0" marR="0" lvl="0" indent="0" algn="ctr" defTabSz="457200" rtl="0" eaLnBrk="1" fontAlgn="auto" latinLnBrk="0" hangingPunct="1">
+              <a:lnSpc>
+                <a:spcPct val="100000"/>
+              </a:lnSpc>
+              <a:spcBef>
+                <a:spcPts val="0"/>
+              </a:spcBef>
+              <a:spcAft>
+                <a:spcPts val="0"/>
+              </a:spcAft>
+              <a:buClrTx/>
+              <a:buSzTx/>
+              <a:buFontTx/>
+              <a:buNone/>
+              <a:tabLst/>
+              <a:defRPr/>
+            </a:pPr>
+            <a:r>
+              <a:rPr kumimoji="0" lang="zh-CN" altLang="en-US" sz="2000" b="1" i="0" u="none" strike="noStrike" kern="1200" cap="none" spc="0" normalizeH="0" baseline="0" noProof="0" dirty="0">
+                <a:ln>
+                  <a:noFill/>
+                </a:ln>
+                <a:solidFill>
+                  <a:srgbClr val="CB2323"/>
+                </a:solidFill>
+                <a:effectLst/>
+                <a:uLnTx/>
+                <a:uFillTx/>
+                <a:latin typeface="Wingdings 3" panose="05040102010807070707" pitchFamily="18" charset="2"/>
+                <a:ea typeface="幼圆" panose="02010509060101010101" pitchFamily="49" charset="-122"/>
+              </a:rPr>
+              <a:t>百度云网盘</a:t>
+            </a:r>
+          </a:p>
+        </p:txBody>
+      </p:sp>
+      <p:sp>
+        <p:nvSpPr>
+          <p:cNvPr id="10" name="文本框 9">
+            <a:extLst>
+              <a:ext uri="{FF2B5EF4-FFF2-40B4-BE49-F238E27FC236}">
+                <a16:creationId xmlns:a16="http://schemas.microsoft.com/office/drawing/2014/main" id="{7C60D1D7-1F59-4C6F-9A05-43C16E5CC55F}"/>
+              </a:ext>
+            </a:extLst>
+          </p:cNvPr>
+          <p:cNvSpPr txBox="1"/>
+          <p:nvPr/>
+        </p:nvSpPr>
+        <p:spPr>
+          <a:xfrm>
+            <a:off x="-632990" y="4743849"/>
+            <a:ext cx="4239105" cy="1200329"/>
+          </a:xfrm>
+          <a:prstGeom prst="rect">
+            <a:avLst/>
+          </a:prstGeom>
+          <a:noFill/>
+        </p:spPr>
+        <p:txBody>
+          <a:bodyPr wrap="square" rtlCol="0">
+            <a:spAutoFit/>
+          </a:bodyPr>
+          <a:lstStyle/>
+          <a:p>
+            <a:pPr lvl="0" algn="ctr">
+              <a:defRPr/>
+            </a:pPr>
+            <a:r>
+              <a:rPr lang="zh-CN" altLang="en-US" sz="2400" b="1" dirty="0">
+                <a:solidFill>
+                  <a:srgbClr val="CB2323"/>
+                </a:solidFill>
+                <a:latin typeface="Wingdings 3" panose="05040102010807070707" pitchFamily="18" charset="2"/>
+                <a:ea typeface="幼圆" panose="02010509060101010101" pitchFamily="49" charset="-122"/>
+              </a:rPr>
+              <a:t>全自动发货   </a:t>
+            </a:r>
+            <a:r>
+              <a:rPr kumimoji="0" lang="zh-CN" altLang="en-US" sz="2400" b="1" i="0" u="none" strike="noStrike" kern="1200" cap="none" spc="0" normalizeH="0" baseline="0" noProof="0" dirty="0">
+                <a:ln>
+                  <a:noFill/>
+                </a:ln>
+                <a:solidFill>
+                  <a:srgbClr val="CB2323"/>
+                </a:solidFill>
+                <a:effectLst/>
+                <a:uLnTx/>
+                <a:uFillTx/>
+                <a:latin typeface="Century Gothic" panose="020B0502020202020204"/>
+                <a:ea typeface="幼圆" panose="02010509060101010101" pitchFamily="49" charset="-122"/>
+                <a:cs typeface="+mn-cs"/>
+              </a:rPr>
+              <a:t>   </a:t>
+            </a:r>
+            <a:endParaRPr kumimoji="0" lang="en-US" altLang="zh-CN" sz="2400" b="1" i="0" u="none" strike="noStrike" kern="1200" cap="none" spc="0" normalizeH="0" baseline="0" noProof="0" dirty="0">
+              <a:ln>
+                <a:noFill/>
+              </a:ln>
+              <a:solidFill>
+                <a:srgbClr val="CB2323"/>
+              </a:solidFill>
+              <a:effectLst/>
+              <a:uLnTx/>
+              <a:uFillTx/>
+              <a:latin typeface="Century Gothic" panose="020B0502020202020204"/>
+              <a:ea typeface="幼圆" panose="02010509060101010101" pitchFamily="49" charset="-122"/>
+              <a:cs typeface="+mn-cs"/>
+            </a:endParaRPr>
+          </a:p>
+          <a:p>
+            <a:pPr lvl="0" algn="ctr">
+              <a:defRPr/>
+            </a:pPr>
+            <a:endParaRPr lang="en-US" altLang="zh-CN" sz="2400" b="1" dirty="0">
+              <a:solidFill>
+                <a:srgbClr val="CB2323"/>
+              </a:solidFill>
+              <a:latin typeface="Century Gothic" panose="020B0502020202020204"/>
+              <a:ea typeface="幼圆" panose="02010509060101010101" pitchFamily="49" charset="-122"/>
+            </a:endParaRPr>
+          </a:p>
+          <a:p>
+            <a:pPr lvl="0" algn="ctr">
+              <a:defRPr/>
+            </a:pPr>
+            <a:r>
+              <a:rPr lang="en-US" altLang="zh-CN" sz="2400" b="1" dirty="0">
+                <a:solidFill>
+                  <a:srgbClr val="CB2323"/>
+                </a:solidFill>
+              </a:rPr>
+              <a:t>7x24</a:t>
+            </a:r>
+            <a:r>
+              <a:rPr lang="zh-CN" altLang="en-US" sz="2400" b="1" dirty="0">
+                <a:solidFill>
+                  <a:srgbClr val="CB2323"/>
+                </a:solidFill>
+                <a:latin typeface="Wingdings 3" panose="05040102010807070707" pitchFamily="18" charset="2"/>
+                <a:ea typeface="幼圆" panose="02010509060101010101" pitchFamily="49" charset="-122"/>
+              </a:rPr>
+              <a:t>小时 </a:t>
+            </a:r>
+          </a:p>
+        </p:txBody>
+      </p:sp>
+      <p:sp>
+        <p:nvSpPr>
+          <p:cNvPr id="16" name="星形: 十角 15">
+            <a:extLst>
+              <a:ext uri="{FF2B5EF4-FFF2-40B4-BE49-F238E27FC236}">
+                <a16:creationId xmlns:a16="http://schemas.microsoft.com/office/drawing/2014/main" id="{671206B8-4A4D-4632-96F8-F517FAE061DD}"/>
+              </a:ext>
+            </a:extLst>
+          </p:cNvPr>
+          <p:cNvSpPr/>
+          <p:nvPr/>
+        </p:nvSpPr>
+        <p:spPr>
+          <a:xfrm rot="20644085">
+            <a:off x="3104959" y="4609369"/>
+            <a:ext cx="2623719" cy="1728097"/>
+          </a:xfrm>
+          <a:prstGeom prst="star10">
+            <a:avLst/>
+          </a:prstGeom>
+          <a:solidFill>
+            <a:srgbClr val="FFC000"/>
+          </a:solidFill>
+        </p:spPr>
+        <p:style>
+          <a:lnRef idx="2">
+            <a:schemeClr val="accent2">
+              <a:shade val="50000"/>
+            </a:schemeClr>
+          </a:lnRef>
+          <a:fillRef idx="1">
+            <a:schemeClr val="accent2"/>
+          </a:fillRef>
+          <a:effectRef idx="0">
+            <a:schemeClr val="accent2"/>
+          </a:effectRef>
+          <a:fontRef idx="minor">
+            <a:schemeClr val="lt1"/>
+          </a:fontRef>
+        </p:style>
+        <p:txBody>
+          <a:bodyPr rtlCol="0" anchor="ctr"/>
+          <a:lstStyle/>
+          <a:p>
+            <a:pPr marL="0" marR="0" lvl="0" indent="0" algn="ctr" defTabSz="457200" rtl="0" eaLnBrk="1" fontAlgn="auto" latinLnBrk="0" hangingPunct="1">
+              <a:lnSpc>
+                <a:spcPct val="100000"/>
+              </a:lnSpc>
+              <a:spcBef>
+                <a:spcPts val="0"/>
+              </a:spcBef>
+              <a:spcAft>
+                <a:spcPts val="0"/>
+              </a:spcAft>
+              <a:buClrTx/>
+              <a:buSzTx/>
+              <a:buFontTx/>
+              <a:buNone/>
+              <a:tabLst/>
+              <a:defRPr/>
+            </a:pPr>
+            <a:r>
+              <a:rPr kumimoji="0" lang="zh-CN" altLang="en-US" sz="2800" b="1" i="0" u="none" strike="noStrike" kern="1200" cap="none" spc="0" normalizeH="0" baseline="0" noProof="0" dirty="0">
+                <a:ln>
+                  <a:noFill/>
+                </a:ln>
+                <a:solidFill>
+                  <a:srgbClr val="C00000"/>
+                </a:solidFill>
+                <a:effectLst/>
+                <a:uLnTx/>
+                <a:uFillTx/>
+                <a:latin typeface="Century Gothic" panose="020B0502020202020204"/>
+                <a:ea typeface="幼圆" panose="02010509060101010101" pitchFamily="49" charset="-122"/>
+                <a:cs typeface="+mn-cs"/>
+              </a:rPr>
+              <a:t>惊爆价</a:t>
+            </a:r>
+            <a:r>
+              <a:rPr kumimoji="0" lang="en-US" altLang="zh-CN" sz="2800" b="1" i="0" u="none" strike="noStrike" kern="1200" cap="none" spc="0" normalizeH="0" baseline="0" noProof="0" dirty="0">
+                <a:ln>
+                  <a:noFill/>
+                </a:ln>
+                <a:solidFill>
+                  <a:srgbClr val="C00000"/>
+                </a:solidFill>
+                <a:effectLst/>
+                <a:uLnTx/>
+                <a:uFillTx/>
+                <a:latin typeface="Century Gothic" panose="020B0502020202020204"/>
+                <a:ea typeface="幼圆" panose="02010509060101010101" pitchFamily="49" charset="-122"/>
+                <a:cs typeface="+mn-cs"/>
+              </a:rPr>
+              <a:t>5.99</a:t>
+            </a:r>
+            <a:r>
+              <a:rPr kumimoji="0" lang="zh-CN" altLang="en-US" sz="2800" b="1" i="0" u="none" strike="noStrike" kern="1200" cap="none" spc="0" normalizeH="0" baseline="0" noProof="0" dirty="0">
+                <a:ln>
+                  <a:noFill/>
+                </a:ln>
+                <a:solidFill>
+                  <a:srgbClr val="C00000"/>
+                </a:solidFill>
+                <a:effectLst/>
+                <a:uLnTx/>
+                <a:uFillTx/>
+                <a:latin typeface="Century Gothic" panose="020B0502020202020204"/>
+                <a:ea typeface="幼圆" panose="02010509060101010101" pitchFamily="49" charset="-122"/>
+                <a:cs typeface="+mn-cs"/>
+              </a:rPr>
+              <a:t>元</a:t>
+            </a:r>
+          </a:p>
+        </p:txBody>
+      </p:sp>
+    </p:spTree>
+    <p:extLst>
+      <p:ext uri="{BB962C8B-B14F-4D97-AF65-F5344CB8AC3E}">
+        <p14:creationId xmlns:p14="http://schemas.microsoft.com/office/powerpoint/2010/main" val="926903917"/>
+      </p:ext>
+    </p:extLst>
+  </p:cSld>
+  <p:clrMapOvr>
+    <a:masterClrMapping/>
+  </p:clrMapOvr>
+</p:sld>
+</file>
+
+<file path=ppt/slides/slide13.xml><?xml version="1.0" encoding="utf-8"?>
+<p:sld xmlns:a="http://schemas.openxmlformats.org/drawingml/2006/main" xmlns:r="http://schemas.openxmlformats.org/officeDocument/2006/relationships" xmlns:p="http://schemas.openxmlformats.org/presentationml/2006/main">
+  <p:cSld>
+    <p:bg>
+      <p:bgPr>
+        <a:solidFill>
+          <a:schemeClr val="tx1">
+            <a:lumMod val="95000"/>
+          </a:schemeClr>
+        </a:solidFill>
+        <a:effectLst/>
+      </p:bgPr>
+    </p:bg>
+    <p:spTree>
+      <p:nvGrpSpPr>
+        <p:cNvPr id="1" name=""/>
+        <p:cNvGrpSpPr/>
+        <p:nvPr/>
+      </p:nvGrpSpPr>
+      <p:grpSpPr>
+        <a:xfrm>
+          <a:off x="0" y="0"/>
+          <a:ext cx="0" cy="0"/>
+          <a:chOff x="0" y="0"/>
+          <a:chExt cx="0" cy="0"/>
+        </a:xfrm>
+      </p:grpSpPr>
+      <p:sp>
+        <p:nvSpPr>
+          <p:cNvPr id="6" name="文本框 5">
+            <a:extLst>
+              <a:ext uri="{FF2B5EF4-FFF2-40B4-BE49-F238E27FC236}">
+                <a16:creationId xmlns:a16="http://schemas.microsoft.com/office/drawing/2014/main" id="{95C00007-C28F-49AC-B0FB-E79F9D6B1524}"/>
+              </a:ext>
+            </a:extLst>
+          </p:cNvPr>
+          <p:cNvSpPr txBox="1"/>
+          <p:nvPr/>
+        </p:nvSpPr>
+        <p:spPr>
+          <a:xfrm>
+            <a:off x="1136631" y="2409932"/>
+            <a:ext cx="3219151" cy="1200329"/>
+          </a:xfrm>
+          <a:prstGeom prst="rect">
+            <a:avLst/>
+          </a:prstGeom>
+          <a:noFill/>
+        </p:spPr>
+        <p:txBody>
+          <a:bodyPr wrap="none" rtlCol="0">
+            <a:spAutoFit/>
+          </a:bodyPr>
+          <a:lstStyle/>
+          <a:p>
+            <a:pPr marL="0" marR="0" lvl="0" indent="0" algn="ctr" defTabSz="457200" rtl="0" eaLnBrk="1" fontAlgn="auto" latinLnBrk="0" hangingPunct="1">
+              <a:lnSpc>
+                <a:spcPct val="100000"/>
+              </a:lnSpc>
+              <a:spcBef>
+                <a:spcPts val="0"/>
+              </a:spcBef>
+              <a:spcAft>
+                <a:spcPts val="0"/>
+              </a:spcAft>
+              <a:buClrTx/>
+              <a:buSzTx/>
+              <a:buFontTx/>
+              <a:buNone/>
+              <a:tabLst/>
+              <a:defRPr/>
+            </a:pPr>
+            <a:r>
+              <a:rPr kumimoji="0" lang="en-US" altLang="zh-CN" sz="3600" b="1" i="0" u="none" strike="noStrike" kern="1200" cap="none" spc="0" normalizeH="0" baseline="0" noProof="0" dirty="0">
+                <a:ln>
+                  <a:noFill/>
+                </a:ln>
+                <a:solidFill>
+                  <a:srgbClr val="FFC000"/>
+                </a:solidFill>
+                <a:effectLst/>
+                <a:uLnTx/>
+                <a:uFillTx/>
+                <a:latin typeface="华文中宋" panose="02010600040101010101" pitchFamily="2" charset="-122"/>
+                <a:ea typeface="华文中宋" panose="02010600040101010101" pitchFamily="2" charset="-122"/>
+                <a:cs typeface="+mn-cs"/>
+              </a:rPr>
+              <a:t>Elasticsearch</a:t>
+            </a:r>
+          </a:p>
+          <a:p>
+            <a:pPr marL="0" marR="0" lvl="0" indent="0" algn="ctr" defTabSz="457200" rtl="0" eaLnBrk="1" fontAlgn="auto" latinLnBrk="0" hangingPunct="1">
+              <a:lnSpc>
+                <a:spcPct val="100000"/>
+              </a:lnSpc>
+              <a:spcBef>
+                <a:spcPts val="0"/>
+              </a:spcBef>
+              <a:spcAft>
+                <a:spcPts val="0"/>
+              </a:spcAft>
+              <a:buClrTx/>
+              <a:buSzTx/>
+              <a:buFontTx/>
+              <a:buNone/>
+              <a:tabLst/>
+              <a:defRPr/>
+            </a:pPr>
+            <a:r>
+              <a:rPr kumimoji="0" lang="zh-CN" altLang="en-US" sz="3600" b="1" i="0" u="none" strike="noStrike" kern="1200" cap="none" spc="0" normalizeH="0" baseline="0" noProof="0" dirty="0">
+                <a:ln>
+                  <a:noFill/>
+                </a:ln>
+                <a:solidFill>
+                  <a:srgbClr val="FFC000"/>
+                </a:solidFill>
+                <a:effectLst/>
+                <a:uLnTx/>
+                <a:uFillTx/>
+                <a:latin typeface="华文中宋" panose="02010600040101010101" pitchFamily="2" charset="-122"/>
+                <a:ea typeface="华文中宋" panose="02010600040101010101" pitchFamily="2" charset="-122"/>
+                <a:cs typeface="+mn-cs"/>
+              </a:rPr>
+              <a:t>顶尖高手系列</a:t>
+            </a:r>
+          </a:p>
+        </p:txBody>
+      </p:sp>
+      <p:sp>
+        <p:nvSpPr>
+          <p:cNvPr id="7" name="文本框 6">
+            <a:extLst>
+              <a:ext uri="{FF2B5EF4-FFF2-40B4-BE49-F238E27FC236}">
+                <a16:creationId xmlns:a16="http://schemas.microsoft.com/office/drawing/2014/main" id="{A9869CFA-63D2-46BE-A761-719AB9E5BB2A}"/>
+              </a:ext>
+            </a:extLst>
+          </p:cNvPr>
+          <p:cNvSpPr txBox="1"/>
+          <p:nvPr/>
+        </p:nvSpPr>
+        <p:spPr>
+          <a:xfrm>
+            <a:off x="2162828" y="3915445"/>
+            <a:ext cx="1980029" cy="523220"/>
+          </a:xfrm>
+          <a:prstGeom prst="rect">
+            <a:avLst/>
+          </a:prstGeom>
+          <a:noFill/>
+        </p:spPr>
+        <p:txBody>
+          <a:bodyPr wrap="none" rtlCol="0">
+            <a:spAutoFit/>
+          </a:bodyPr>
+          <a:lstStyle/>
+          <a:p>
+            <a:pPr lvl="0" algn="ctr"/>
+            <a:r>
+              <a:rPr lang="zh-CN" altLang="en-US" sz="2800" b="1" i="1" dirty="0">
+                <a:solidFill>
+                  <a:srgbClr val="FFC000"/>
+                </a:solidFill>
+                <a:latin typeface="华文中宋" panose="02010600040101010101" pitchFamily="2" charset="-122"/>
+                <a:ea typeface="华文中宋" panose="02010600040101010101" pitchFamily="2" charset="-122"/>
+              </a:rPr>
+              <a:t>高手进阶篇</a:t>
+            </a:r>
+            <a:endParaRPr kumimoji="0" lang="zh-CN" altLang="en-US" sz="2800" b="1" i="1" u="none" strike="noStrike" kern="1200" cap="none" spc="0" normalizeH="0" baseline="0" noProof="0" dirty="0">
+              <a:ln>
+                <a:noFill/>
+              </a:ln>
+              <a:solidFill>
+                <a:srgbClr val="FFC000"/>
+              </a:solidFill>
+              <a:effectLst/>
+              <a:uLnTx/>
+              <a:uFillTx/>
+              <a:latin typeface="华文中宋" panose="02010600040101010101" pitchFamily="2" charset="-122"/>
+              <a:ea typeface="华文中宋" panose="02010600040101010101" pitchFamily="2" charset="-122"/>
+            </a:endParaRPr>
+          </a:p>
+        </p:txBody>
+      </p:sp>
+      <p:sp>
+        <p:nvSpPr>
+          <p:cNvPr id="8" name="文本框 7">
+            <a:extLst>
+              <a:ext uri="{FF2B5EF4-FFF2-40B4-BE49-F238E27FC236}">
+                <a16:creationId xmlns:a16="http://schemas.microsoft.com/office/drawing/2014/main" id="{35C6E9EF-4C46-4379-86D1-DDE94B87B8FB}"/>
+              </a:ext>
+            </a:extLst>
+          </p:cNvPr>
+          <p:cNvSpPr txBox="1"/>
+          <p:nvPr/>
+        </p:nvSpPr>
+        <p:spPr>
+          <a:xfrm>
+            <a:off x="453448" y="1539592"/>
+            <a:ext cx="2052165" cy="400110"/>
+          </a:xfrm>
+          <a:prstGeom prst="rect">
+            <a:avLst/>
+          </a:prstGeom>
+          <a:noFill/>
+        </p:spPr>
+        <p:txBody>
+          <a:bodyPr wrap="none" rtlCol="0">
+            <a:spAutoFit/>
+          </a:bodyPr>
+          <a:lstStyle/>
+          <a:p>
+            <a:pPr marL="0" marR="0" lvl="0" indent="0" algn="l" defTabSz="457200" rtl="0" eaLnBrk="1" fontAlgn="auto" latinLnBrk="0" hangingPunct="1">
+              <a:lnSpc>
+                <a:spcPct val="100000"/>
+              </a:lnSpc>
+              <a:spcBef>
+                <a:spcPts val="0"/>
+              </a:spcBef>
+              <a:spcAft>
+                <a:spcPts val="0"/>
+              </a:spcAft>
+              <a:buClrTx/>
+              <a:buSzTx/>
+              <a:buFontTx/>
+              <a:buNone/>
+              <a:tabLst/>
+              <a:defRPr/>
+            </a:pPr>
+            <a:r>
+              <a:rPr kumimoji="0" lang="en-US" altLang="zh-CN" sz="2000" b="1" i="0" u="none" strike="noStrike" kern="1200" cap="none" spc="0" normalizeH="0" baseline="0" noProof="0" dirty="0">
+                <a:ln>
+                  <a:noFill/>
+                </a:ln>
+                <a:solidFill>
+                  <a:srgbClr val="CB2323"/>
+                </a:solidFill>
+                <a:effectLst/>
+                <a:uLnTx/>
+                <a:uFillTx/>
+                <a:latin typeface="Century Gothic" panose="020B0502020202020204"/>
+                <a:ea typeface="幼圆" panose="02010509060101010101" pitchFamily="49" charset="-122"/>
+                <a:cs typeface="+mn-cs"/>
+              </a:rPr>
+              <a:t>2017</a:t>
+            </a:r>
+            <a:r>
+              <a:rPr lang="zh-CN" altLang="en-US" sz="2000" b="1" dirty="0">
+                <a:solidFill>
+                  <a:srgbClr val="CB2323"/>
+                </a:solidFill>
+                <a:latin typeface="Wingdings 3" panose="05040102010807070707" pitchFamily="18" charset="2"/>
+                <a:ea typeface="幼圆" panose="02010509060101010101" pitchFamily="49" charset="-122"/>
+              </a:rPr>
+              <a:t>年全新录制</a:t>
+            </a:r>
+          </a:p>
+        </p:txBody>
+      </p:sp>
+      <p:sp>
+        <p:nvSpPr>
+          <p:cNvPr id="9" name="文本框 8">
+            <a:extLst>
+              <a:ext uri="{FF2B5EF4-FFF2-40B4-BE49-F238E27FC236}">
+                <a16:creationId xmlns:a16="http://schemas.microsoft.com/office/drawing/2014/main" id="{B11FCB1F-04A0-4D67-8ED8-03EC961C3352}"/>
+              </a:ext>
+            </a:extLst>
+          </p:cNvPr>
+          <p:cNvSpPr txBox="1"/>
+          <p:nvPr/>
+        </p:nvSpPr>
+        <p:spPr>
+          <a:xfrm>
+            <a:off x="3288116" y="1539592"/>
+            <a:ext cx="1475083" cy="400110"/>
+          </a:xfrm>
+          <a:prstGeom prst="rect">
+            <a:avLst/>
+          </a:prstGeom>
+          <a:noFill/>
+        </p:spPr>
+        <p:txBody>
+          <a:bodyPr wrap="none" rtlCol="0">
+            <a:spAutoFit/>
+          </a:bodyPr>
+          <a:lstStyle/>
+          <a:p>
+            <a:pPr marL="0" marR="0" lvl="0" indent="0" algn="ctr" defTabSz="457200" rtl="0" eaLnBrk="1" fontAlgn="auto" latinLnBrk="0" hangingPunct="1">
+              <a:lnSpc>
+                <a:spcPct val="100000"/>
+              </a:lnSpc>
+              <a:spcBef>
+                <a:spcPts val="0"/>
+              </a:spcBef>
+              <a:spcAft>
+                <a:spcPts val="0"/>
+              </a:spcAft>
+              <a:buClrTx/>
+              <a:buSzTx/>
+              <a:buFontTx/>
+              <a:buNone/>
+              <a:tabLst/>
+              <a:defRPr/>
+            </a:pPr>
+            <a:r>
+              <a:rPr kumimoji="0" lang="zh-CN" altLang="en-US" sz="2000" b="1" i="0" u="none" strike="noStrike" kern="1200" cap="none" spc="0" normalizeH="0" baseline="0" noProof="0" dirty="0">
+                <a:ln>
+                  <a:noFill/>
+                </a:ln>
+                <a:solidFill>
+                  <a:srgbClr val="CB2323"/>
+                </a:solidFill>
+                <a:effectLst/>
+                <a:uLnTx/>
+                <a:uFillTx/>
+                <a:latin typeface="Wingdings 3" panose="05040102010807070707" pitchFamily="18" charset="2"/>
+                <a:ea typeface="幼圆" panose="02010509060101010101" pitchFamily="49" charset="-122"/>
+              </a:rPr>
+              <a:t>百度云网盘</a:t>
+            </a:r>
+          </a:p>
+        </p:txBody>
+      </p:sp>
+      <p:sp>
+        <p:nvSpPr>
+          <p:cNvPr id="10" name="文本框 9">
+            <a:extLst>
+              <a:ext uri="{FF2B5EF4-FFF2-40B4-BE49-F238E27FC236}">
+                <a16:creationId xmlns:a16="http://schemas.microsoft.com/office/drawing/2014/main" id="{7C60D1D7-1F59-4C6F-9A05-43C16E5CC55F}"/>
+              </a:ext>
+            </a:extLst>
+          </p:cNvPr>
+          <p:cNvSpPr txBox="1"/>
+          <p:nvPr/>
+        </p:nvSpPr>
+        <p:spPr>
+          <a:xfrm>
+            <a:off x="-632990" y="4743849"/>
+            <a:ext cx="4239105" cy="1200329"/>
+          </a:xfrm>
+          <a:prstGeom prst="rect">
+            <a:avLst/>
+          </a:prstGeom>
+          <a:noFill/>
+        </p:spPr>
+        <p:txBody>
+          <a:bodyPr wrap="square" rtlCol="0">
+            <a:spAutoFit/>
+          </a:bodyPr>
+          <a:lstStyle/>
+          <a:p>
+            <a:pPr lvl="0" algn="ctr">
+              <a:defRPr/>
+            </a:pPr>
+            <a:r>
+              <a:rPr lang="zh-CN" altLang="en-US" sz="2400" b="1" dirty="0">
+                <a:solidFill>
+                  <a:srgbClr val="CB2323"/>
+                </a:solidFill>
+                <a:latin typeface="Wingdings 3" panose="05040102010807070707" pitchFamily="18" charset="2"/>
+                <a:ea typeface="幼圆" panose="02010509060101010101" pitchFamily="49" charset="-122"/>
+              </a:rPr>
+              <a:t>全自动发货   </a:t>
+            </a:r>
+            <a:r>
+              <a:rPr kumimoji="0" lang="zh-CN" altLang="en-US" sz="2400" b="1" i="0" u="none" strike="noStrike" kern="1200" cap="none" spc="0" normalizeH="0" baseline="0" noProof="0" dirty="0">
+                <a:ln>
+                  <a:noFill/>
+                </a:ln>
+                <a:solidFill>
+                  <a:srgbClr val="CB2323"/>
+                </a:solidFill>
+                <a:effectLst/>
+                <a:uLnTx/>
+                <a:uFillTx/>
+                <a:latin typeface="Century Gothic" panose="020B0502020202020204"/>
+                <a:ea typeface="幼圆" panose="02010509060101010101" pitchFamily="49" charset="-122"/>
+                <a:cs typeface="+mn-cs"/>
+              </a:rPr>
+              <a:t>   </a:t>
+            </a:r>
+            <a:endParaRPr kumimoji="0" lang="en-US" altLang="zh-CN" sz="2400" b="1" i="0" u="none" strike="noStrike" kern="1200" cap="none" spc="0" normalizeH="0" baseline="0" noProof="0" dirty="0">
+              <a:ln>
+                <a:noFill/>
+              </a:ln>
+              <a:solidFill>
+                <a:srgbClr val="CB2323"/>
+              </a:solidFill>
+              <a:effectLst/>
+              <a:uLnTx/>
+              <a:uFillTx/>
+              <a:latin typeface="Century Gothic" panose="020B0502020202020204"/>
+              <a:ea typeface="幼圆" panose="02010509060101010101" pitchFamily="49" charset="-122"/>
+              <a:cs typeface="+mn-cs"/>
+            </a:endParaRPr>
+          </a:p>
+          <a:p>
+            <a:pPr lvl="0" algn="ctr">
+              <a:defRPr/>
+            </a:pPr>
+            <a:endParaRPr lang="en-US" altLang="zh-CN" sz="2400" b="1" dirty="0">
+              <a:solidFill>
+                <a:srgbClr val="CB2323"/>
+              </a:solidFill>
+              <a:latin typeface="Century Gothic" panose="020B0502020202020204"/>
+              <a:ea typeface="幼圆" panose="02010509060101010101" pitchFamily="49" charset="-122"/>
+            </a:endParaRPr>
+          </a:p>
+          <a:p>
+            <a:pPr lvl="0" algn="ctr">
+              <a:defRPr/>
+            </a:pPr>
+            <a:r>
+              <a:rPr lang="en-US" altLang="zh-CN" sz="2400" b="1" dirty="0">
+                <a:solidFill>
+                  <a:srgbClr val="CB2323"/>
+                </a:solidFill>
+              </a:rPr>
+              <a:t>7x24</a:t>
+            </a:r>
+            <a:r>
+              <a:rPr lang="zh-CN" altLang="en-US" sz="2400" b="1" dirty="0">
+                <a:solidFill>
+                  <a:srgbClr val="CB2323"/>
+                </a:solidFill>
+                <a:latin typeface="Wingdings 3" panose="05040102010807070707" pitchFamily="18" charset="2"/>
+                <a:ea typeface="幼圆" panose="02010509060101010101" pitchFamily="49" charset="-122"/>
+              </a:rPr>
+              <a:t>小时 </a:t>
+            </a:r>
+          </a:p>
+        </p:txBody>
+      </p:sp>
+      <p:sp>
+        <p:nvSpPr>
+          <p:cNvPr id="16" name="星形: 十角 15">
+            <a:extLst>
+              <a:ext uri="{FF2B5EF4-FFF2-40B4-BE49-F238E27FC236}">
+                <a16:creationId xmlns:a16="http://schemas.microsoft.com/office/drawing/2014/main" id="{671206B8-4A4D-4632-96F8-F517FAE061DD}"/>
+              </a:ext>
+            </a:extLst>
+          </p:cNvPr>
+          <p:cNvSpPr/>
+          <p:nvPr/>
+        </p:nvSpPr>
+        <p:spPr>
+          <a:xfrm rot="20644085">
+            <a:off x="3104959" y="4609369"/>
+            <a:ext cx="2623719" cy="1728097"/>
+          </a:xfrm>
+          <a:prstGeom prst="star10">
+            <a:avLst/>
+          </a:prstGeom>
+          <a:solidFill>
+            <a:srgbClr val="FFC000"/>
+          </a:solidFill>
+        </p:spPr>
+        <p:style>
+          <a:lnRef idx="2">
+            <a:schemeClr val="accent2">
+              <a:shade val="50000"/>
+            </a:schemeClr>
+          </a:lnRef>
+          <a:fillRef idx="1">
+            <a:schemeClr val="accent2"/>
+          </a:fillRef>
+          <a:effectRef idx="0">
+            <a:schemeClr val="accent2"/>
+          </a:effectRef>
+          <a:fontRef idx="minor">
+            <a:schemeClr val="lt1"/>
+          </a:fontRef>
+        </p:style>
+        <p:txBody>
+          <a:bodyPr rtlCol="0" anchor="ctr"/>
+          <a:lstStyle/>
+          <a:p>
+            <a:pPr marL="0" marR="0" lvl="0" indent="0" algn="ctr" defTabSz="457200" rtl="0" eaLnBrk="1" fontAlgn="auto" latinLnBrk="0" hangingPunct="1">
+              <a:lnSpc>
+                <a:spcPct val="100000"/>
+              </a:lnSpc>
+              <a:spcBef>
+                <a:spcPts val="0"/>
+              </a:spcBef>
+              <a:spcAft>
+                <a:spcPts val="0"/>
+              </a:spcAft>
+              <a:buClrTx/>
+              <a:buSzTx/>
+              <a:buFontTx/>
+              <a:buNone/>
+              <a:tabLst/>
+              <a:defRPr/>
+            </a:pPr>
+            <a:r>
+              <a:rPr kumimoji="0" lang="zh-CN" altLang="en-US" sz="2800" b="1" i="0" u="none" strike="noStrike" kern="1200" cap="none" spc="0" normalizeH="0" baseline="0" noProof="0" dirty="0">
+                <a:ln>
+                  <a:noFill/>
+                </a:ln>
+                <a:solidFill>
+                  <a:srgbClr val="C00000"/>
+                </a:solidFill>
+                <a:effectLst/>
+                <a:uLnTx/>
+                <a:uFillTx/>
+                <a:latin typeface="Century Gothic" panose="020B0502020202020204"/>
+                <a:ea typeface="幼圆" panose="02010509060101010101" pitchFamily="49" charset="-122"/>
+                <a:cs typeface="+mn-cs"/>
+              </a:rPr>
+              <a:t>惊爆价</a:t>
+            </a:r>
+            <a:r>
+              <a:rPr lang="en-US" altLang="zh-CN" sz="2800" b="1" dirty="0">
+                <a:solidFill>
+                  <a:srgbClr val="C00000"/>
+                </a:solidFill>
+                <a:latin typeface="Century Gothic" panose="020B0502020202020204"/>
+                <a:ea typeface="幼圆" panose="02010509060101010101" pitchFamily="49" charset="-122"/>
+              </a:rPr>
+              <a:t>19</a:t>
+            </a:r>
+            <a:r>
+              <a:rPr kumimoji="0" lang="en-US" altLang="zh-CN" sz="2800" b="1" i="0" u="none" strike="noStrike" kern="1200" cap="none" spc="0" normalizeH="0" baseline="0" noProof="0" dirty="0">
+                <a:ln>
+                  <a:noFill/>
+                </a:ln>
+                <a:solidFill>
+                  <a:srgbClr val="C00000"/>
+                </a:solidFill>
+                <a:effectLst/>
+                <a:uLnTx/>
+                <a:uFillTx/>
+                <a:latin typeface="Century Gothic" panose="020B0502020202020204"/>
+                <a:ea typeface="幼圆" panose="02010509060101010101" pitchFamily="49" charset="-122"/>
+                <a:cs typeface="+mn-cs"/>
+              </a:rPr>
+              <a:t>.99</a:t>
+            </a:r>
+            <a:r>
+              <a:rPr kumimoji="0" lang="zh-CN" altLang="en-US" sz="2800" b="1" i="0" u="none" strike="noStrike" kern="1200" cap="none" spc="0" normalizeH="0" baseline="0" noProof="0" dirty="0">
+                <a:ln>
+                  <a:noFill/>
+                </a:ln>
+                <a:solidFill>
+                  <a:srgbClr val="C00000"/>
+                </a:solidFill>
+                <a:effectLst/>
+                <a:uLnTx/>
+                <a:uFillTx/>
+                <a:latin typeface="Century Gothic" panose="020B0502020202020204"/>
+                <a:ea typeface="幼圆" panose="02010509060101010101" pitchFamily="49" charset="-122"/>
+                <a:cs typeface="+mn-cs"/>
+              </a:rPr>
+              <a:t>元</a:t>
+            </a:r>
+          </a:p>
+        </p:txBody>
+      </p:sp>
+    </p:spTree>
+    <p:extLst>
+      <p:ext uri="{BB962C8B-B14F-4D97-AF65-F5344CB8AC3E}">
+        <p14:creationId xmlns:p14="http://schemas.microsoft.com/office/powerpoint/2010/main" val="1910174756"/>
+      </p:ext>
+    </p:extLst>
+  </p:cSld>
+  <p:clrMapOvr>
+    <a:masterClrMapping/>
+  </p:clrMapOvr>
+</p:sld>
+</file>
+
+<file path=ppt/slides/slide14.xml><?xml version="1.0" encoding="utf-8"?>
+<p:sld xmlns:a="http://schemas.openxmlformats.org/drawingml/2006/main" xmlns:r="http://schemas.openxmlformats.org/officeDocument/2006/relationships" xmlns:p="http://schemas.openxmlformats.org/presentationml/2006/main">
+  <p:cSld>
+    <p:bg>
+      <p:bgPr>
+        <a:solidFill>
+          <a:schemeClr val="tx1">
+            <a:lumMod val="95000"/>
+          </a:schemeClr>
+        </a:solidFill>
+        <a:effectLst/>
+      </p:bgPr>
+    </p:bg>
+    <p:spTree>
+      <p:nvGrpSpPr>
+        <p:cNvPr id="1" name=""/>
+        <p:cNvGrpSpPr/>
+        <p:nvPr/>
+      </p:nvGrpSpPr>
+      <p:grpSpPr>
+        <a:xfrm>
+          <a:off x="0" y="0"/>
+          <a:ext cx="0" cy="0"/>
+          <a:chOff x="0" y="0"/>
+          <a:chExt cx="0" cy="0"/>
+        </a:xfrm>
+      </p:grpSpPr>
+      <p:sp>
+        <p:nvSpPr>
+          <p:cNvPr id="6" name="文本框 5">
+            <a:extLst>
+              <a:ext uri="{FF2B5EF4-FFF2-40B4-BE49-F238E27FC236}">
+                <a16:creationId xmlns:a16="http://schemas.microsoft.com/office/drawing/2014/main" id="{95C00007-C28F-49AC-B0FB-E79F9D6B1524}"/>
+              </a:ext>
+            </a:extLst>
+          </p:cNvPr>
+          <p:cNvSpPr txBox="1"/>
+          <p:nvPr/>
+        </p:nvSpPr>
+        <p:spPr>
+          <a:xfrm>
+            <a:off x="567915" y="2587732"/>
+            <a:ext cx="4339651" cy="1200329"/>
+          </a:xfrm>
+          <a:prstGeom prst="rect">
+            <a:avLst/>
+          </a:prstGeom>
+          <a:noFill/>
+        </p:spPr>
+        <p:txBody>
+          <a:bodyPr wrap="none" rtlCol="0">
+            <a:spAutoFit/>
+          </a:bodyPr>
+          <a:lstStyle/>
+          <a:p>
+            <a:pPr algn="ctr"/>
+            <a:r>
+              <a:rPr lang="zh-CN" altLang="en-US" sz="3600" b="1" dirty="0">
+                <a:solidFill>
+                  <a:srgbClr val="FFC000"/>
+                </a:solidFill>
+                <a:latin typeface="华文中宋" panose="02010600040101010101" pitchFamily="2" charset="-122"/>
+                <a:ea typeface="华文中宋" panose="02010600040101010101" pitchFamily="2" charset="-122"/>
+              </a:rPr>
+              <a:t>基于</a:t>
+            </a:r>
+            <a:r>
+              <a:rPr lang="en-US" altLang="zh-CN" sz="3600" b="1" dirty="0">
+                <a:solidFill>
+                  <a:srgbClr val="FFC000"/>
+                </a:solidFill>
+                <a:latin typeface="华文中宋" panose="02010600040101010101" pitchFamily="2" charset="-122"/>
+                <a:ea typeface="华文中宋" panose="02010600040101010101" pitchFamily="2" charset="-122"/>
+              </a:rPr>
+              <a:t>Dubbo</a:t>
+            </a:r>
+            <a:r>
+              <a:rPr lang="zh-CN" altLang="en-US" sz="3600" b="1" dirty="0">
+                <a:solidFill>
+                  <a:srgbClr val="FFC000"/>
+                </a:solidFill>
+                <a:latin typeface="华文中宋" panose="02010600040101010101" pitchFamily="2" charset="-122"/>
+                <a:ea typeface="华文中宋" panose="02010600040101010101" pitchFamily="2" charset="-122"/>
+              </a:rPr>
+              <a:t>的</a:t>
+            </a:r>
+            <a:endParaRPr lang="en-US" altLang="zh-CN" sz="3600" b="1" dirty="0">
+              <a:solidFill>
+                <a:srgbClr val="FFC000"/>
+              </a:solidFill>
+              <a:latin typeface="华文中宋" panose="02010600040101010101" pitchFamily="2" charset="-122"/>
+              <a:ea typeface="华文中宋" panose="02010600040101010101" pitchFamily="2" charset="-122"/>
+            </a:endParaRPr>
+          </a:p>
+          <a:p>
+            <a:pPr algn="ctr"/>
+            <a:r>
+              <a:rPr lang="zh-CN" altLang="en-US" sz="3600" b="1" dirty="0">
+                <a:solidFill>
+                  <a:srgbClr val="FFC000"/>
+                </a:solidFill>
+                <a:latin typeface="华文中宋" panose="02010600040101010101" pitchFamily="2" charset="-122"/>
+                <a:ea typeface="华文中宋" panose="02010600040101010101" pitchFamily="2" charset="-122"/>
+              </a:rPr>
+              <a:t>分布式系统架构实战</a:t>
+            </a:r>
+          </a:p>
+        </p:txBody>
+      </p:sp>
+      <p:sp>
+        <p:nvSpPr>
+          <p:cNvPr id="8" name="文本框 7">
+            <a:extLst>
+              <a:ext uri="{FF2B5EF4-FFF2-40B4-BE49-F238E27FC236}">
+                <a16:creationId xmlns:a16="http://schemas.microsoft.com/office/drawing/2014/main" id="{35C6E9EF-4C46-4379-86D1-DDE94B87B8FB}"/>
+              </a:ext>
+            </a:extLst>
+          </p:cNvPr>
+          <p:cNvSpPr txBox="1"/>
+          <p:nvPr/>
+        </p:nvSpPr>
+        <p:spPr>
+          <a:xfrm>
+            <a:off x="453448" y="1539592"/>
+            <a:ext cx="2052165" cy="400110"/>
+          </a:xfrm>
+          <a:prstGeom prst="rect">
+            <a:avLst/>
+          </a:prstGeom>
+          <a:noFill/>
+        </p:spPr>
+        <p:txBody>
+          <a:bodyPr wrap="none" rtlCol="0">
+            <a:spAutoFit/>
+          </a:bodyPr>
+          <a:lstStyle/>
+          <a:p>
+            <a:pPr marL="0" marR="0" lvl="0" indent="0" algn="l" defTabSz="457200" rtl="0" eaLnBrk="1" fontAlgn="auto" latinLnBrk="0" hangingPunct="1">
+              <a:lnSpc>
+                <a:spcPct val="100000"/>
+              </a:lnSpc>
+              <a:spcBef>
+                <a:spcPts val="0"/>
+              </a:spcBef>
+              <a:spcAft>
+                <a:spcPts val="0"/>
+              </a:spcAft>
+              <a:buClrTx/>
+              <a:buSzTx/>
+              <a:buFontTx/>
+              <a:buNone/>
+              <a:tabLst/>
+              <a:defRPr/>
+            </a:pPr>
+            <a:r>
+              <a:rPr kumimoji="0" lang="en-US" altLang="zh-CN" sz="2000" b="1" i="0" u="none" strike="noStrike" kern="1200" cap="none" spc="0" normalizeH="0" baseline="0" noProof="0" dirty="0">
+                <a:ln>
+                  <a:noFill/>
+                </a:ln>
+                <a:solidFill>
+                  <a:srgbClr val="CB2323"/>
+                </a:solidFill>
+                <a:effectLst/>
+                <a:uLnTx/>
+                <a:uFillTx/>
+                <a:latin typeface="Century Gothic" panose="020B0502020202020204"/>
+                <a:ea typeface="幼圆" panose="02010509060101010101" pitchFamily="49" charset="-122"/>
+                <a:cs typeface="+mn-cs"/>
+              </a:rPr>
+              <a:t>2017</a:t>
+            </a:r>
+            <a:r>
+              <a:rPr lang="zh-CN" altLang="en-US" sz="2000" b="1" dirty="0">
+                <a:solidFill>
+                  <a:srgbClr val="CB2323"/>
+                </a:solidFill>
+                <a:latin typeface="Wingdings 3" panose="05040102010807070707" pitchFamily="18" charset="2"/>
+                <a:ea typeface="幼圆" panose="02010509060101010101" pitchFamily="49" charset="-122"/>
+              </a:rPr>
+              <a:t>年全新录制</a:t>
+            </a:r>
+          </a:p>
+        </p:txBody>
+      </p:sp>
+      <p:sp>
+        <p:nvSpPr>
+          <p:cNvPr id="9" name="文本框 8">
+            <a:extLst>
+              <a:ext uri="{FF2B5EF4-FFF2-40B4-BE49-F238E27FC236}">
+                <a16:creationId xmlns:a16="http://schemas.microsoft.com/office/drawing/2014/main" id="{B11FCB1F-04A0-4D67-8ED8-03EC961C3352}"/>
+              </a:ext>
+            </a:extLst>
+          </p:cNvPr>
+          <p:cNvSpPr txBox="1"/>
+          <p:nvPr/>
+        </p:nvSpPr>
+        <p:spPr>
+          <a:xfrm>
+            <a:off x="3288116" y="1539592"/>
+            <a:ext cx="1475083" cy="400110"/>
+          </a:xfrm>
+          <a:prstGeom prst="rect">
+            <a:avLst/>
+          </a:prstGeom>
+          <a:noFill/>
+        </p:spPr>
+        <p:txBody>
+          <a:bodyPr wrap="none" rtlCol="0">
+            <a:spAutoFit/>
+          </a:bodyPr>
+          <a:lstStyle/>
+          <a:p>
+            <a:pPr marL="0" marR="0" lvl="0" indent="0" algn="ctr" defTabSz="457200" rtl="0" eaLnBrk="1" fontAlgn="auto" latinLnBrk="0" hangingPunct="1">
+              <a:lnSpc>
+                <a:spcPct val="100000"/>
+              </a:lnSpc>
+              <a:spcBef>
+                <a:spcPts val="0"/>
+              </a:spcBef>
+              <a:spcAft>
+                <a:spcPts val="0"/>
+              </a:spcAft>
+              <a:buClrTx/>
+              <a:buSzTx/>
+              <a:buFontTx/>
+              <a:buNone/>
+              <a:tabLst/>
+              <a:defRPr/>
+            </a:pPr>
+            <a:r>
+              <a:rPr kumimoji="0" lang="zh-CN" altLang="en-US" sz="2000" b="1" i="0" u="none" strike="noStrike" kern="1200" cap="none" spc="0" normalizeH="0" baseline="0" noProof="0" dirty="0">
+                <a:ln>
+                  <a:noFill/>
+                </a:ln>
+                <a:solidFill>
+                  <a:srgbClr val="CB2323"/>
+                </a:solidFill>
+                <a:effectLst/>
+                <a:uLnTx/>
+                <a:uFillTx/>
+                <a:latin typeface="Wingdings 3" panose="05040102010807070707" pitchFamily="18" charset="2"/>
+                <a:ea typeface="幼圆" panose="02010509060101010101" pitchFamily="49" charset="-122"/>
+              </a:rPr>
+              <a:t>百度云网盘</a:t>
+            </a:r>
+          </a:p>
+        </p:txBody>
+      </p:sp>
+      <p:sp>
+        <p:nvSpPr>
+          <p:cNvPr id="10" name="文本框 9">
+            <a:extLst>
+              <a:ext uri="{FF2B5EF4-FFF2-40B4-BE49-F238E27FC236}">
+                <a16:creationId xmlns:a16="http://schemas.microsoft.com/office/drawing/2014/main" id="{7C60D1D7-1F59-4C6F-9A05-43C16E5CC55F}"/>
+              </a:ext>
+            </a:extLst>
+          </p:cNvPr>
+          <p:cNvSpPr txBox="1"/>
+          <p:nvPr/>
+        </p:nvSpPr>
+        <p:spPr>
+          <a:xfrm>
+            <a:off x="-632990" y="4743849"/>
+            <a:ext cx="4239105" cy="1200329"/>
+          </a:xfrm>
+          <a:prstGeom prst="rect">
+            <a:avLst/>
+          </a:prstGeom>
+          <a:noFill/>
+        </p:spPr>
+        <p:txBody>
+          <a:bodyPr wrap="square" rtlCol="0">
+            <a:spAutoFit/>
+          </a:bodyPr>
+          <a:lstStyle/>
+          <a:p>
+            <a:pPr lvl="0" algn="ctr">
+              <a:defRPr/>
+            </a:pPr>
+            <a:r>
+              <a:rPr lang="zh-CN" altLang="en-US" sz="2400" b="1" dirty="0">
+                <a:solidFill>
+                  <a:srgbClr val="CB2323"/>
+                </a:solidFill>
+                <a:latin typeface="Wingdings 3" panose="05040102010807070707" pitchFamily="18" charset="2"/>
+                <a:ea typeface="幼圆" panose="02010509060101010101" pitchFamily="49" charset="-122"/>
+              </a:rPr>
+              <a:t>全自动发货   </a:t>
+            </a:r>
+            <a:r>
+              <a:rPr kumimoji="0" lang="zh-CN" altLang="en-US" sz="2400" b="1" i="0" u="none" strike="noStrike" kern="1200" cap="none" spc="0" normalizeH="0" baseline="0" noProof="0" dirty="0">
+                <a:ln>
+                  <a:noFill/>
+                </a:ln>
+                <a:solidFill>
+                  <a:srgbClr val="CB2323"/>
+                </a:solidFill>
+                <a:effectLst/>
+                <a:uLnTx/>
+                <a:uFillTx/>
+                <a:latin typeface="Century Gothic" panose="020B0502020202020204"/>
+                <a:ea typeface="幼圆" panose="02010509060101010101" pitchFamily="49" charset="-122"/>
+                <a:cs typeface="+mn-cs"/>
+              </a:rPr>
+              <a:t>   </a:t>
+            </a:r>
+            <a:endParaRPr kumimoji="0" lang="en-US" altLang="zh-CN" sz="2400" b="1" i="0" u="none" strike="noStrike" kern="1200" cap="none" spc="0" normalizeH="0" baseline="0" noProof="0" dirty="0">
+              <a:ln>
+                <a:noFill/>
+              </a:ln>
+              <a:solidFill>
+                <a:srgbClr val="CB2323"/>
+              </a:solidFill>
+              <a:effectLst/>
+              <a:uLnTx/>
+              <a:uFillTx/>
+              <a:latin typeface="Century Gothic" panose="020B0502020202020204"/>
+              <a:ea typeface="幼圆" panose="02010509060101010101" pitchFamily="49" charset="-122"/>
+              <a:cs typeface="+mn-cs"/>
+            </a:endParaRPr>
+          </a:p>
+          <a:p>
+            <a:pPr lvl="0" algn="ctr">
+              <a:defRPr/>
+            </a:pPr>
+            <a:endParaRPr lang="en-US" altLang="zh-CN" sz="2400" b="1" dirty="0">
+              <a:solidFill>
+                <a:srgbClr val="CB2323"/>
+              </a:solidFill>
+              <a:latin typeface="Century Gothic" panose="020B0502020202020204"/>
+              <a:ea typeface="幼圆" panose="02010509060101010101" pitchFamily="49" charset="-122"/>
+            </a:endParaRPr>
+          </a:p>
+          <a:p>
+            <a:pPr lvl="0" algn="ctr">
+              <a:defRPr/>
+            </a:pPr>
+            <a:r>
+              <a:rPr lang="en-US" altLang="zh-CN" sz="2400" b="1" dirty="0">
+                <a:solidFill>
+                  <a:srgbClr val="CB2323"/>
+                </a:solidFill>
+              </a:rPr>
+              <a:t>7x24</a:t>
+            </a:r>
+            <a:r>
+              <a:rPr lang="zh-CN" altLang="en-US" sz="2400" b="1" dirty="0">
+                <a:solidFill>
+                  <a:srgbClr val="CB2323"/>
+                </a:solidFill>
+                <a:latin typeface="Wingdings 3" panose="05040102010807070707" pitchFamily="18" charset="2"/>
+                <a:ea typeface="幼圆" panose="02010509060101010101" pitchFamily="49" charset="-122"/>
+              </a:rPr>
+              <a:t>小时 </a:t>
+            </a:r>
+          </a:p>
+        </p:txBody>
+      </p:sp>
+      <p:sp>
+        <p:nvSpPr>
+          <p:cNvPr id="16" name="星形: 十角 15">
+            <a:extLst>
+              <a:ext uri="{FF2B5EF4-FFF2-40B4-BE49-F238E27FC236}">
+                <a16:creationId xmlns:a16="http://schemas.microsoft.com/office/drawing/2014/main" id="{671206B8-4A4D-4632-96F8-F517FAE061DD}"/>
+              </a:ext>
+            </a:extLst>
+          </p:cNvPr>
+          <p:cNvSpPr/>
+          <p:nvPr/>
+        </p:nvSpPr>
+        <p:spPr>
+          <a:xfrm rot="20644085">
+            <a:off x="3104959" y="4609369"/>
+            <a:ext cx="2623719" cy="1728097"/>
+          </a:xfrm>
+          <a:prstGeom prst="star10">
+            <a:avLst/>
+          </a:prstGeom>
+          <a:solidFill>
+            <a:srgbClr val="FFC000"/>
+          </a:solidFill>
+        </p:spPr>
+        <p:style>
+          <a:lnRef idx="2">
+            <a:schemeClr val="accent2">
+              <a:shade val="50000"/>
+            </a:schemeClr>
+          </a:lnRef>
+          <a:fillRef idx="1">
+            <a:schemeClr val="accent2"/>
+          </a:fillRef>
+          <a:effectRef idx="0">
+            <a:schemeClr val="accent2"/>
+          </a:effectRef>
+          <a:fontRef idx="minor">
+            <a:schemeClr val="lt1"/>
+          </a:fontRef>
+        </p:style>
+        <p:txBody>
+          <a:bodyPr rtlCol="0" anchor="ctr"/>
+          <a:lstStyle/>
+          <a:p>
+            <a:pPr marL="0" marR="0" lvl="0" indent="0" algn="ctr" defTabSz="457200" rtl="0" eaLnBrk="1" fontAlgn="auto" latinLnBrk="0" hangingPunct="1">
+              <a:lnSpc>
+                <a:spcPct val="100000"/>
+              </a:lnSpc>
+              <a:spcBef>
+                <a:spcPts val="0"/>
+              </a:spcBef>
+              <a:spcAft>
+                <a:spcPts val="0"/>
+              </a:spcAft>
+              <a:buClrTx/>
+              <a:buSzTx/>
+              <a:buFontTx/>
+              <a:buNone/>
+              <a:tabLst/>
+              <a:defRPr/>
+            </a:pPr>
+            <a:r>
+              <a:rPr kumimoji="0" lang="zh-CN" altLang="en-US" sz="2800" b="1" i="0" u="none" strike="noStrike" kern="1200" cap="none" spc="0" normalizeH="0" baseline="0" noProof="0" dirty="0">
+                <a:ln>
+                  <a:noFill/>
+                </a:ln>
+                <a:solidFill>
+                  <a:srgbClr val="C00000"/>
+                </a:solidFill>
+                <a:effectLst/>
+                <a:uLnTx/>
+                <a:uFillTx/>
+                <a:latin typeface="Century Gothic" panose="020B0502020202020204"/>
+                <a:ea typeface="幼圆" panose="02010509060101010101" pitchFamily="49" charset="-122"/>
+                <a:cs typeface="+mn-cs"/>
+              </a:rPr>
+              <a:t>惊爆价</a:t>
+            </a:r>
+            <a:r>
+              <a:rPr lang="en-US" altLang="zh-CN" sz="2800" b="1" dirty="0">
+                <a:solidFill>
+                  <a:srgbClr val="C00000"/>
+                </a:solidFill>
+                <a:latin typeface="Century Gothic" panose="020B0502020202020204"/>
+                <a:ea typeface="幼圆" panose="02010509060101010101" pitchFamily="49" charset="-122"/>
+              </a:rPr>
+              <a:t>19</a:t>
+            </a:r>
+            <a:r>
+              <a:rPr kumimoji="0" lang="en-US" altLang="zh-CN" sz="2800" b="1" i="0" u="none" strike="noStrike" kern="1200" cap="none" spc="0" normalizeH="0" baseline="0" noProof="0" dirty="0">
+                <a:ln>
+                  <a:noFill/>
+                </a:ln>
+                <a:solidFill>
+                  <a:srgbClr val="C00000"/>
+                </a:solidFill>
+                <a:effectLst/>
+                <a:uLnTx/>
+                <a:uFillTx/>
+                <a:latin typeface="Century Gothic" panose="020B0502020202020204"/>
+                <a:ea typeface="幼圆" panose="02010509060101010101" pitchFamily="49" charset="-122"/>
+                <a:cs typeface="+mn-cs"/>
+              </a:rPr>
+              <a:t>.99</a:t>
+            </a:r>
+            <a:r>
+              <a:rPr kumimoji="0" lang="zh-CN" altLang="en-US" sz="2800" b="1" i="0" u="none" strike="noStrike" kern="1200" cap="none" spc="0" normalizeH="0" baseline="0" noProof="0" dirty="0">
+                <a:ln>
+                  <a:noFill/>
+                </a:ln>
+                <a:solidFill>
+                  <a:srgbClr val="C00000"/>
+                </a:solidFill>
+                <a:effectLst/>
+                <a:uLnTx/>
+                <a:uFillTx/>
+                <a:latin typeface="Century Gothic" panose="020B0502020202020204"/>
+                <a:ea typeface="幼圆" panose="02010509060101010101" pitchFamily="49" charset="-122"/>
+                <a:cs typeface="+mn-cs"/>
+              </a:rPr>
+              <a:t>元</a:t>
+            </a:r>
+          </a:p>
+        </p:txBody>
+      </p:sp>
+    </p:spTree>
+    <p:extLst>
+      <p:ext uri="{BB962C8B-B14F-4D97-AF65-F5344CB8AC3E}">
+        <p14:creationId xmlns:p14="http://schemas.microsoft.com/office/powerpoint/2010/main" val="3834433369"/>
+      </p:ext>
+    </p:extLst>
+  </p:cSld>
+  <p:clrMapOvr>
+    <a:masterClrMapping/>
+  </p:clrMapOvr>
+</p:sld>
+</file>
+
+<file path=ppt/slides/slide15.xml><?xml version="1.0" encoding="utf-8"?>
+<p:sld xmlns:a="http://schemas.openxmlformats.org/drawingml/2006/main" xmlns:r="http://schemas.openxmlformats.org/officeDocument/2006/relationships" xmlns:p="http://schemas.openxmlformats.org/presentationml/2006/main">
+  <p:cSld>
+    <p:bg>
+      <p:bgPr>
+        <a:solidFill>
+          <a:schemeClr val="tx1">
+            <a:lumMod val="95000"/>
+          </a:schemeClr>
+        </a:solidFill>
+        <a:effectLst/>
+      </p:bgPr>
+    </p:bg>
+    <p:spTree>
+      <p:nvGrpSpPr>
+        <p:cNvPr id="1" name=""/>
+        <p:cNvGrpSpPr/>
+        <p:nvPr/>
+      </p:nvGrpSpPr>
+      <p:grpSpPr>
+        <a:xfrm>
+          <a:off x="0" y="0"/>
+          <a:ext cx="0" cy="0"/>
+          <a:chOff x="0" y="0"/>
+          <a:chExt cx="0" cy="0"/>
+        </a:xfrm>
+      </p:grpSpPr>
+      <p:sp>
+        <p:nvSpPr>
+          <p:cNvPr id="10" name="文本框 9">
+            <a:extLst>
+              <a:ext uri="{FF2B5EF4-FFF2-40B4-BE49-F238E27FC236}">
+                <a16:creationId xmlns:a16="http://schemas.microsoft.com/office/drawing/2014/main" id="{7C60D1D7-1F59-4C6F-9A05-43C16E5CC55F}"/>
+              </a:ext>
+            </a:extLst>
+          </p:cNvPr>
+          <p:cNvSpPr txBox="1"/>
+          <p:nvPr/>
+        </p:nvSpPr>
+        <p:spPr>
+          <a:xfrm>
+            <a:off x="-84005" y="4693049"/>
+            <a:ext cx="4239105" cy="1200329"/>
+          </a:xfrm>
+          <a:prstGeom prst="rect">
+            <a:avLst/>
+          </a:prstGeom>
+          <a:noFill/>
+        </p:spPr>
+        <p:txBody>
+          <a:bodyPr wrap="square" rtlCol="0">
+            <a:spAutoFit/>
+          </a:bodyPr>
+          <a:lstStyle/>
+          <a:p>
+            <a:pPr lvl="0" algn="ctr">
+              <a:defRPr/>
+            </a:pPr>
+            <a:r>
+              <a:rPr lang="zh-CN" altLang="en-US" sz="2400" b="1" dirty="0">
+                <a:solidFill>
+                  <a:srgbClr val="CB2323"/>
+                </a:solidFill>
+                <a:latin typeface="Wingdings 3" panose="05040102010807070707" pitchFamily="18" charset="2"/>
+                <a:ea typeface="幼圆" panose="02010509060101010101" pitchFamily="49" charset="-122"/>
+              </a:rPr>
+              <a:t>全自动发货   </a:t>
+            </a:r>
+            <a:r>
+              <a:rPr kumimoji="0" lang="zh-CN" altLang="en-US" sz="2400" b="1" i="0" u="none" strike="noStrike" kern="1200" cap="none" spc="0" normalizeH="0" baseline="0" noProof="0" dirty="0">
+                <a:ln>
+                  <a:noFill/>
+                </a:ln>
+                <a:solidFill>
+                  <a:srgbClr val="CB2323"/>
+                </a:solidFill>
+                <a:effectLst/>
+                <a:uLnTx/>
+                <a:uFillTx/>
+                <a:latin typeface="Century Gothic" panose="020B0502020202020204"/>
+                <a:ea typeface="幼圆" panose="02010509060101010101" pitchFamily="49" charset="-122"/>
+                <a:cs typeface="+mn-cs"/>
+              </a:rPr>
+              <a:t>   </a:t>
+            </a:r>
+            <a:endParaRPr kumimoji="0" lang="en-US" altLang="zh-CN" sz="2400" b="1" i="0" u="none" strike="noStrike" kern="1200" cap="none" spc="0" normalizeH="0" baseline="0" noProof="0" dirty="0">
+              <a:ln>
+                <a:noFill/>
+              </a:ln>
+              <a:solidFill>
+                <a:srgbClr val="CB2323"/>
+              </a:solidFill>
+              <a:effectLst/>
+              <a:uLnTx/>
+              <a:uFillTx/>
+              <a:latin typeface="Century Gothic" panose="020B0502020202020204"/>
+              <a:ea typeface="幼圆" panose="02010509060101010101" pitchFamily="49" charset="-122"/>
+              <a:cs typeface="+mn-cs"/>
+            </a:endParaRPr>
+          </a:p>
+          <a:p>
+            <a:pPr lvl="0" algn="ctr">
+              <a:defRPr/>
+            </a:pPr>
+            <a:endParaRPr lang="en-US" altLang="zh-CN" sz="2400" b="1" dirty="0">
+              <a:solidFill>
+                <a:srgbClr val="CB2323"/>
+              </a:solidFill>
+              <a:latin typeface="Century Gothic" panose="020B0502020202020204"/>
+              <a:ea typeface="幼圆" panose="02010509060101010101" pitchFamily="49" charset="-122"/>
+            </a:endParaRPr>
+          </a:p>
+          <a:p>
+            <a:pPr lvl="0" algn="ctr">
+              <a:defRPr/>
+            </a:pPr>
+            <a:r>
+              <a:rPr lang="en-US" altLang="zh-CN" sz="2400" b="1" dirty="0">
+                <a:solidFill>
+                  <a:srgbClr val="CB2323"/>
+                </a:solidFill>
+              </a:rPr>
+              <a:t>7x24</a:t>
+            </a:r>
+            <a:r>
+              <a:rPr lang="zh-CN" altLang="en-US" sz="2400" b="1" dirty="0">
+                <a:solidFill>
+                  <a:srgbClr val="CB2323"/>
+                </a:solidFill>
+                <a:latin typeface="Wingdings 3" panose="05040102010807070707" pitchFamily="18" charset="2"/>
+                <a:ea typeface="幼圆" panose="02010509060101010101" pitchFamily="49" charset="-122"/>
+              </a:rPr>
+              <a:t>小时 </a:t>
+            </a:r>
+          </a:p>
+        </p:txBody>
+      </p:sp>
+      <p:sp>
+        <p:nvSpPr>
+          <p:cNvPr id="16" name="星形: 十角 15">
+            <a:extLst>
+              <a:ext uri="{FF2B5EF4-FFF2-40B4-BE49-F238E27FC236}">
+                <a16:creationId xmlns:a16="http://schemas.microsoft.com/office/drawing/2014/main" id="{671206B8-4A4D-4632-96F8-F517FAE061DD}"/>
+              </a:ext>
+            </a:extLst>
+          </p:cNvPr>
+          <p:cNvSpPr/>
+          <p:nvPr/>
+        </p:nvSpPr>
+        <p:spPr>
+          <a:xfrm rot="20644085">
+            <a:off x="3174788" y="4609368"/>
+            <a:ext cx="2623719" cy="1728097"/>
+          </a:xfrm>
+          <a:prstGeom prst="star10">
+            <a:avLst/>
+          </a:prstGeom>
+          <a:solidFill>
+            <a:srgbClr val="FFC000"/>
+          </a:solidFill>
+        </p:spPr>
+        <p:style>
+          <a:lnRef idx="2">
+            <a:schemeClr val="accent2">
+              <a:shade val="50000"/>
+            </a:schemeClr>
+          </a:lnRef>
+          <a:fillRef idx="1">
+            <a:schemeClr val="accent2"/>
+          </a:fillRef>
+          <a:effectRef idx="0">
+            <a:schemeClr val="accent2"/>
+          </a:effectRef>
+          <a:fontRef idx="minor">
+            <a:schemeClr val="lt1"/>
+          </a:fontRef>
+        </p:style>
+        <p:txBody>
+          <a:bodyPr rtlCol="0" anchor="ctr"/>
+          <a:lstStyle/>
+          <a:p>
+            <a:pPr marL="0" marR="0" lvl="0" indent="0" algn="ctr" defTabSz="457200" rtl="0" eaLnBrk="1" fontAlgn="auto" latinLnBrk="0" hangingPunct="1">
+              <a:lnSpc>
+                <a:spcPct val="100000"/>
+              </a:lnSpc>
+              <a:spcBef>
+                <a:spcPts val="0"/>
+              </a:spcBef>
+              <a:spcAft>
+                <a:spcPts val="0"/>
+              </a:spcAft>
+              <a:buClrTx/>
+              <a:buSzTx/>
+              <a:buFontTx/>
+              <a:buNone/>
+              <a:tabLst/>
+              <a:defRPr/>
+            </a:pPr>
+            <a:r>
+              <a:rPr kumimoji="0" lang="zh-CN" altLang="en-US" sz="2800" b="1" i="0" u="none" strike="noStrike" kern="1200" cap="none" spc="0" normalizeH="0" baseline="0" noProof="0" dirty="0">
+                <a:ln>
+                  <a:noFill/>
+                </a:ln>
+                <a:solidFill>
+                  <a:srgbClr val="C00000"/>
+                </a:solidFill>
+                <a:effectLst/>
+                <a:uLnTx/>
+                <a:uFillTx/>
+                <a:latin typeface="Century Gothic" panose="020B0502020202020204"/>
+                <a:ea typeface="幼圆" panose="02010509060101010101" pitchFamily="49" charset="-122"/>
+                <a:cs typeface="+mn-cs"/>
+              </a:rPr>
+              <a:t>惊爆价</a:t>
+            </a:r>
+            <a:r>
+              <a:rPr lang="en-US" altLang="zh-CN" sz="2800" b="1" dirty="0">
+                <a:solidFill>
+                  <a:srgbClr val="C00000"/>
+                </a:solidFill>
+                <a:latin typeface="Century Gothic" panose="020B0502020202020204"/>
+                <a:ea typeface="幼圆" panose="02010509060101010101" pitchFamily="49" charset="-122"/>
+              </a:rPr>
+              <a:t>5</a:t>
+            </a:r>
+            <a:r>
+              <a:rPr kumimoji="0" lang="en-US" altLang="zh-CN" sz="2800" b="1" i="0" u="none" strike="noStrike" kern="1200" cap="none" spc="0" normalizeH="0" baseline="0" noProof="0" dirty="0">
+                <a:ln>
+                  <a:noFill/>
+                </a:ln>
+                <a:solidFill>
+                  <a:srgbClr val="C00000"/>
+                </a:solidFill>
+                <a:effectLst/>
+                <a:uLnTx/>
+                <a:uFillTx/>
+                <a:latin typeface="Century Gothic" panose="020B0502020202020204"/>
+                <a:ea typeface="幼圆" panose="02010509060101010101" pitchFamily="49" charset="-122"/>
+                <a:cs typeface="+mn-cs"/>
+              </a:rPr>
+              <a:t>.99</a:t>
+            </a:r>
+            <a:r>
+              <a:rPr kumimoji="0" lang="zh-CN" altLang="en-US" sz="2800" b="1" i="0" u="none" strike="noStrike" kern="1200" cap="none" spc="0" normalizeH="0" baseline="0" noProof="0" dirty="0">
+                <a:ln>
+                  <a:noFill/>
+                </a:ln>
+                <a:solidFill>
+                  <a:srgbClr val="C00000"/>
+                </a:solidFill>
+                <a:effectLst/>
+                <a:uLnTx/>
+                <a:uFillTx/>
+                <a:latin typeface="Century Gothic" panose="020B0502020202020204"/>
+                <a:ea typeface="幼圆" panose="02010509060101010101" pitchFamily="49" charset="-122"/>
+                <a:cs typeface="+mn-cs"/>
+              </a:rPr>
+              <a:t>元</a:t>
+            </a:r>
+          </a:p>
+        </p:txBody>
+      </p:sp>
+      <p:pic>
+        <p:nvPicPr>
+          <p:cNvPr id="7" name="内容占位符 4">
+            <a:extLst>
+              <a:ext uri="{FF2B5EF4-FFF2-40B4-BE49-F238E27FC236}">
+                <a16:creationId xmlns:a16="http://schemas.microsoft.com/office/drawing/2014/main" id="{510C0BF3-E3F1-4E08-B14A-FDAB0ABC6F0B}"/>
+              </a:ext>
+            </a:extLst>
+          </p:cNvPr>
+          <p:cNvPicPr>
+            <a:picLocks noChangeAspect="1"/>
+          </p:cNvPicPr>
+          <p:nvPr/>
+        </p:nvPicPr>
+        <p:blipFill>
+          <a:blip r:embed="rId2"/>
+          <a:stretch>
+            <a:fillRect/>
+          </a:stretch>
+        </p:blipFill>
+        <p:spPr>
+          <a:xfrm>
+            <a:off x="1538426" y="1353628"/>
+            <a:ext cx="3501707" cy="1422568"/>
+          </a:xfrm>
+          <a:prstGeom prst="rect">
+            <a:avLst/>
+          </a:prstGeom>
+        </p:spPr>
+      </p:pic>
+      <p:sp>
+        <p:nvSpPr>
+          <p:cNvPr id="2" name="矩形 1">
+            <a:extLst>
+              <a:ext uri="{FF2B5EF4-FFF2-40B4-BE49-F238E27FC236}">
+                <a16:creationId xmlns:a16="http://schemas.microsoft.com/office/drawing/2014/main" id="{22DF2283-AE99-4FD2-8CC1-C32C40145F9D}"/>
+              </a:ext>
+            </a:extLst>
+          </p:cNvPr>
+          <p:cNvSpPr/>
+          <p:nvPr/>
+        </p:nvSpPr>
+        <p:spPr>
+          <a:xfrm>
+            <a:off x="1891614" y="2835909"/>
+            <a:ext cx="5190067" cy="1446550"/>
+          </a:xfrm>
+          <a:prstGeom prst="rect">
+            <a:avLst/>
+          </a:prstGeom>
+        </p:spPr>
+        <p:txBody>
+          <a:bodyPr wrap="square">
+            <a:spAutoFit/>
+          </a:bodyPr>
+          <a:lstStyle/>
+          <a:p>
+            <a:pPr lvl="0">
+              <a:defRPr/>
+            </a:pPr>
+            <a:r>
+              <a:rPr lang="zh-CN" altLang="en-US" sz="4400" b="1" dirty="0">
+                <a:solidFill>
+                  <a:srgbClr val="FFC000"/>
+                </a:solidFill>
+                <a:latin typeface="华文中宋" panose="02010600040101010101" pitchFamily="2" charset="-122"/>
+                <a:ea typeface="华文中宋" panose="02010600040101010101" pitchFamily="2" charset="-122"/>
+              </a:rPr>
+              <a:t>官网最新版</a:t>
+            </a:r>
+            <a:endParaRPr lang="en-US" altLang="zh-CN" sz="4400" b="1" dirty="0">
+              <a:solidFill>
+                <a:srgbClr val="FFC000"/>
+              </a:solidFill>
+              <a:latin typeface="华文中宋" panose="02010600040101010101" pitchFamily="2" charset="-122"/>
+              <a:ea typeface="华文中宋" panose="02010600040101010101" pitchFamily="2" charset="-122"/>
+            </a:endParaRPr>
+          </a:p>
+          <a:p>
+            <a:pPr lvl="0">
+              <a:defRPr/>
+            </a:pPr>
+            <a:r>
+              <a:rPr lang="zh-CN" altLang="en-US" sz="4400" b="1" dirty="0">
+                <a:solidFill>
+                  <a:srgbClr val="FFC000"/>
+                </a:solidFill>
+                <a:latin typeface="华文中宋" panose="02010600040101010101" pitchFamily="2" charset="-122"/>
+                <a:ea typeface="华文中宋" panose="02010600040101010101" pitchFamily="2" charset="-122"/>
+              </a:rPr>
+              <a:t>批量激活码</a:t>
+            </a:r>
+          </a:p>
+        </p:txBody>
+      </p:sp>
+    </p:spTree>
+    <p:extLst>
+      <p:ext uri="{BB962C8B-B14F-4D97-AF65-F5344CB8AC3E}">
+        <p14:creationId xmlns:p14="http://schemas.microsoft.com/office/powerpoint/2010/main" val="2875771633"/>
+      </p:ext>
+    </p:extLst>
+  </p:cSld>
+  <p:clrMapOvr>
+    <a:masterClrMapping/>
+  </p:clrMapOvr>
+</p:sld>
+</file>
+
 <file path=ppt/slides/slide2.xml><?xml version="1.0" encoding="utf-8"?>
 <p:sld xmlns:a="http://schemas.openxmlformats.org/drawingml/2006/main" xmlns:r="http://schemas.openxmlformats.org/officeDocument/2006/relationships" xmlns:p="http://schemas.openxmlformats.org/presentationml/2006/main">
   <p:cSld>
@@ -6942,31 +9439,40 @@
           </a:bodyPr>
           <a:lstStyle/>
           <a:p>
-            <a:pPr lvl="0" algn="ctr"/>
-            <a:r>
-              <a:rPr lang="zh-CN" altLang="en-US" sz="2800" b="1" dirty="0">
+            <a:pPr marL="0" marR="0" lvl="0" indent="0" algn="ctr" defTabSz="457200" rtl="0" eaLnBrk="1" fontAlgn="auto" latinLnBrk="0" hangingPunct="1">
+              <a:lnSpc>
+                <a:spcPct val="100000"/>
+              </a:lnSpc>
+              <a:spcBef>
+                <a:spcPts val="0"/>
+              </a:spcBef>
+              <a:spcAft>
+                <a:spcPts val="0"/>
+              </a:spcAft>
+              <a:buClrTx/>
+              <a:buSzTx/>
+              <a:buFontTx/>
+              <a:buNone/>
+              <a:tabLst/>
+              <a:defRPr/>
+            </a:pPr>
+            <a:r>
+              <a:rPr kumimoji="0" lang="zh-CN" altLang="en-US" sz="2800" b="1" i="0" u="none" strike="noStrike" kern="1200" cap="none" spc="0" normalizeH="0" baseline="0" noProof="0" dirty="0">
+                <a:ln>
+                  <a:noFill/>
+                </a:ln>
                 <a:solidFill>
                   <a:srgbClr val="FFFF00"/>
                 </a:solidFill>
+                <a:effectLst/>
+                <a:uLnTx/>
+                <a:uFillTx/>
                 <a:latin typeface="华文中宋" panose="02010600040101010101" pitchFamily="2" charset="-122"/>
                 <a:ea typeface="华文中宋" panose="02010600040101010101" pitchFamily="2" charset="-122"/>
-              </a:rPr>
-              <a:t>快速入门篇</a:t>
-            </a:r>
-            <a:endParaRPr kumimoji="0" lang="zh-CN" altLang="en-US" sz="2800" b="1" i="0" u="none" strike="noStrike" kern="1200" cap="none" spc="0" normalizeH="0" baseline="0" noProof="0" dirty="0">
-              <a:ln>
-                <a:noFill/>
-              </a:ln>
-              <a:solidFill>
-                <a:srgbClr val="FFFF00"/>
-              </a:solidFill>
-              <a:effectLst/>
-              <a:uLnTx/>
-              <a:uFillTx/>
-              <a:latin typeface="华文中宋" panose="02010600040101010101" pitchFamily="2" charset="-122"/>
-              <a:ea typeface="华文中宋" panose="02010600040101010101" pitchFamily="2" charset="-122"/>
-              <a:cs typeface="+mn-cs"/>
-            </a:endParaRPr>
+                <a:cs typeface="+mn-cs"/>
+              </a:rPr>
+              <a:t>高手进阶篇</a:t>
+            </a:r>
           </a:p>
         </p:txBody>
       </p:sp>
@@ -7281,7 +9787,7 @@
                 <a:ea typeface="幼圆" panose="02010509060101010101" pitchFamily="49" charset="-122"/>
                 <a:cs typeface="+mn-cs"/>
               </a:rPr>
-              <a:t>5.99</a:t>
+              <a:t>19.99</a:t>
             </a:r>
             <a:r>
               <a:rPr kumimoji="0" lang="zh-CN" altLang="en-US" sz="2800" b="1" i="0" u="none" strike="noStrike" kern="1200" cap="none" spc="0" normalizeH="0" baseline="0" noProof="0" dirty="0">
@@ -7306,7 +9812,1661 @@
     </p:spTree>
     <p:extLst>
       <p:ext uri="{BB962C8B-B14F-4D97-AF65-F5344CB8AC3E}">
+        <p14:creationId xmlns:p14="http://schemas.microsoft.com/office/powerpoint/2010/main" val="3849315317"/>
+      </p:ext>
+    </p:extLst>
+  </p:cSld>
+  <p:clrMapOvr>
+    <a:masterClrMapping/>
+  </p:clrMapOvr>
+</p:sld>
+</file>
+
+<file path=ppt/slides/slide6.xml><?xml version="1.0" encoding="utf-8"?>
+<p:sld xmlns:a="http://schemas.openxmlformats.org/drawingml/2006/main" xmlns:r="http://schemas.openxmlformats.org/officeDocument/2006/relationships" xmlns:p="http://schemas.openxmlformats.org/presentationml/2006/main">
+  <p:cSld>
+    <p:spTree>
+      <p:nvGrpSpPr>
+        <p:cNvPr id="1" name=""/>
+        <p:cNvGrpSpPr/>
+        <p:nvPr/>
+      </p:nvGrpSpPr>
+      <p:grpSpPr>
+        <a:xfrm>
+          <a:off x="0" y="0"/>
+          <a:ext cx="0" cy="0"/>
+          <a:chOff x="0" y="0"/>
+          <a:chExt cx="0" cy="0"/>
+        </a:xfrm>
+      </p:grpSpPr>
+      <p:sp>
+        <p:nvSpPr>
+          <p:cNvPr id="6" name="文本框 5">
+            <a:extLst>
+              <a:ext uri="{FF2B5EF4-FFF2-40B4-BE49-F238E27FC236}">
+                <a16:creationId xmlns:a16="http://schemas.microsoft.com/office/drawing/2014/main" id="{95C00007-C28F-49AC-B0FB-E79F9D6B1524}"/>
+              </a:ext>
+            </a:extLst>
+          </p:cNvPr>
+          <p:cNvSpPr txBox="1"/>
+          <p:nvPr/>
+        </p:nvSpPr>
+        <p:spPr>
+          <a:xfrm>
+            <a:off x="1469040" y="1919442"/>
+            <a:ext cx="4240263" cy="954107"/>
+          </a:xfrm>
+          <a:prstGeom prst="rect">
+            <a:avLst/>
+          </a:prstGeom>
+          <a:noFill/>
+        </p:spPr>
+        <p:txBody>
+          <a:bodyPr wrap="none" rtlCol="0">
+            <a:spAutoFit/>
+          </a:bodyPr>
+          <a:lstStyle/>
+          <a:p>
+            <a:pPr lvl="0" algn="ctr">
+              <a:defRPr/>
+            </a:pPr>
+            <a:r>
+              <a:rPr lang="en-US" altLang="zh-CN" sz="2800" b="1" dirty="0">
+                <a:solidFill>
+                  <a:srgbClr val="FFFF00"/>
+                </a:solidFill>
+                <a:latin typeface="华文中宋" panose="02010600040101010101" pitchFamily="2" charset="-122"/>
+                <a:ea typeface="华文中宋" panose="02010600040101010101" pitchFamily="2" charset="-122"/>
+              </a:rPr>
+              <a:t>Tensorflow</a:t>
+            </a:r>
+            <a:r>
+              <a:rPr lang="zh-CN" altLang="en-US" sz="2800" b="1" dirty="0">
+                <a:solidFill>
+                  <a:srgbClr val="FFFF00"/>
+                </a:solidFill>
+                <a:latin typeface="华文中宋" panose="02010600040101010101" pitchFamily="2" charset="-122"/>
+                <a:ea typeface="华文中宋" panose="02010600040101010101" pitchFamily="2" charset="-122"/>
+              </a:rPr>
+              <a:t>模块神经网络</a:t>
+            </a:r>
+            <a:endParaRPr lang="en-US" altLang="zh-CN" sz="2800" b="1" dirty="0">
+              <a:solidFill>
+                <a:srgbClr val="FFFF00"/>
+              </a:solidFill>
+              <a:latin typeface="华文中宋" panose="02010600040101010101" pitchFamily="2" charset="-122"/>
+              <a:ea typeface="华文中宋" panose="02010600040101010101" pitchFamily="2" charset="-122"/>
+            </a:endParaRPr>
+          </a:p>
+          <a:p>
+            <a:pPr lvl="0" algn="ctr">
+              <a:defRPr/>
+            </a:pPr>
+            <a:r>
+              <a:rPr lang="zh-CN" altLang="en-US" sz="2800" b="1" dirty="0">
+                <a:solidFill>
+                  <a:srgbClr val="FFFF00"/>
+                </a:solidFill>
+                <a:latin typeface="华文中宋" panose="02010600040101010101" pitchFamily="2" charset="-122"/>
+                <a:ea typeface="华文中宋" panose="02010600040101010101" pitchFamily="2" charset="-122"/>
+              </a:rPr>
+              <a:t>视频</a:t>
+            </a:r>
+            <a:r>
+              <a:rPr lang="en-US" altLang="zh-CN" sz="2800" b="1" dirty="0">
+                <a:solidFill>
+                  <a:srgbClr val="FFFF00"/>
+                </a:solidFill>
+                <a:latin typeface="华文中宋" panose="02010600040101010101" pitchFamily="2" charset="-122"/>
+                <a:ea typeface="华文中宋" panose="02010600040101010101" pitchFamily="2" charset="-122"/>
+              </a:rPr>
+              <a:t>+</a:t>
+            </a:r>
+            <a:r>
+              <a:rPr lang="zh-CN" altLang="en-US" sz="2800" b="1" dirty="0">
+                <a:solidFill>
+                  <a:srgbClr val="FFFF00"/>
+                </a:solidFill>
+                <a:latin typeface="华文中宋" panose="02010600040101010101" pitchFamily="2" charset="-122"/>
+                <a:ea typeface="华文中宋" panose="02010600040101010101" pitchFamily="2" charset="-122"/>
+              </a:rPr>
+              <a:t>源码</a:t>
+            </a:r>
+            <a:endParaRPr kumimoji="0" lang="zh-CN" altLang="en-US" sz="2800" b="1" i="0" u="none" strike="noStrike" kern="1200" cap="none" spc="0" normalizeH="0" baseline="0" noProof="0" dirty="0">
+              <a:ln>
+                <a:noFill/>
+              </a:ln>
+              <a:solidFill>
+                <a:srgbClr val="FFFF00"/>
+              </a:solidFill>
+              <a:effectLst/>
+              <a:uLnTx/>
+              <a:uFillTx/>
+              <a:latin typeface="华文中宋" panose="02010600040101010101" pitchFamily="2" charset="-122"/>
+              <a:ea typeface="华文中宋" panose="02010600040101010101" pitchFamily="2" charset="-122"/>
+              <a:cs typeface="+mn-cs"/>
+            </a:endParaRPr>
+          </a:p>
+        </p:txBody>
+      </p:sp>
+      <p:sp>
+        <p:nvSpPr>
+          <p:cNvPr id="8" name="文本框 7">
+            <a:extLst>
+              <a:ext uri="{FF2B5EF4-FFF2-40B4-BE49-F238E27FC236}">
+                <a16:creationId xmlns:a16="http://schemas.microsoft.com/office/drawing/2014/main" id="{35C6E9EF-4C46-4379-86D1-DDE94B87B8FB}"/>
+              </a:ext>
+            </a:extLst>
+          </p:cNvPr>
+          <p:cNvSpPr txBox="1"/>
+          <p:nvPr/>
+        </p:nvSpPr>
+        <p:spPr>
+          <a:xfrm>
+            <a:off x="2665998" y="1161090"/>
+            <a:ext cx="2052165" cy="400110"/>
+          </a:xfrm>
+          <a:prstGeom prst="rect">
+            <a:avLst/>
+          </a:prstGeom>
+          <a:noFill/>
+        </p:spPr>
+        <p:txBody>
+          <a:bodyPr wrap="none" rtlCol="0">
+            <a:spAutoFit/>
+          </a:bodyPr>
+          <a:lstStyle/>
+          <a:p>
+            <a:pPr marL="0" marR="0" lvl="0" indent="0" algn="l" defTabSz="457200" rtl="0" eaLnBrk="1" fontAlgn="auto" latinLnBrk="0" hangingPunct="1">
+              <a:lnSpc>
+                <a:spcPct val="100000"/>
+              </a:lnSpc>
+              <a:spcBef>
+                <a:spcPts val="0"/>
+              </a:spcBef>
+              <a:spcAft>
+                <a:spcPts val="0"/>
+              </a:spcAft>
+              <a:buClrTx/>
+              <a:buSzTx/>
+              <a:buFontTx/>
+              <a:buNone/>
+              <a:tabLst/>
+              <a:defRPr/>
+            </a:pPr>
+            <a:r>
+              <a:rPr kumimoji="0" lang="en-US" altLang="zh-CN" sz="2000" b="1" i="0" u="none" strike="noStrike" kern="1200" cap="none" spc="0" normalizeH="0" baseline="0" noProof="0" dirty="0">
+                <a:ln>
+                  <a:noFill/>
+                </a:ln>
+                <a:solidFill>
+                  <a:srgbClr val="6A9E1F">
+                    <a:lumMod val="40000"/>
+                    <a:lumOff val="60000"/>
+                  </a:srgbClr>
+                </a:solidFill>
+                <a:effectLst/>
+                <a:uLnTx/>
+                <a:uFillTx/>
+                <a:latin typeface="Century Gothic" panose="020B0502020202020204"/>
+                <a:ea typeface="幼圆" panose="02010509060101010101" pitchFamily="49" charset="-122"/>
+                <a:cs typeface="+mn-cs"/>
+              </a:rPr>
+              <a:t>2017</a:t>
+            </a:r>
+            <a:r>
+              <a:rPr kumimoji="0" lang="zh-CN" altLang="en-US" sz="2000" b="1" i="0" u="none" strike="noStrike" kern="1200" cap="none" spc="0" normalizeH="0" baseline="0" noProof="0" dirty="0">
+                <a:ln>
+                  <a:noFill/>
+                </a:ln>
+                <a:solidFill>
+                  <a:srgbClr val="6A9E1F">
+                    <a:lumMod val="40000"/>
+                    <a:lumOff val="60000"/>
+                  </a:srgbClr>
+                </a:solidFill>
+                <a:effectLst/>
+                <a:uLnTx/>
+                <a:uFillTx/>
+                <a:latin typeface="Century Gothic" panose="020B0502020202020204"/>
+                <a:ea typeface="幼圆" panose="02010509060101010101" pitchFamily="49" charset="-122"/>
+                <a:cs typeface="+mn-cs"/>
+              </a:rPr>
+              <a:t>年全新录制</a:t>
+            </a:r>
+          </a:p>
+        </p:txBody>
+      </p:sp>
+      <p:sp>
+        <p:nvSpPr>
+          <p:cNvPr id="9" name="文本框 8">
+            <a:extLst>
+              <a:ext uri="{FF2B5EF4-FFF2-40B4-BE49-F238E27FC236}">
+                <a16:creationId xmlns:a16="http://schemas.microsoft.com/office/drawing/2014/main" id="{B11FCB1F-04A0-4D67-8ED8-03EC961C3352}"/>
+              </a:ext>
+            </a:extLst>
+          </p:cNvPr>
+          <p:cNvSpPr txBox="1"/>
+          <p:nvPr/>
+        </p:nvSpPr>
+        <p:spPr>
+          <a:xfrm>
+            <a:off x="1752521" y="3885357"/>
+            <a:ext cx="1731564" cy="461665"/>
+          </a:xfrm>
+          <a:prstGeom prst="rect">
+            <a:avLst/>
+          </a:prstGeom>
+          <a:noFill/>
+        </p:spPr>
+        <p:txBody>
+          <a:bodyPr wrap="none" rtlCol="0">
+            <a:spAutoFit/>
+          </a:bodyPr>
+          <a:lstStyle/>
+          <a:p>
+            <a:pPr marL="0" marR="0" lvl="0" indent="0" algn="ctr" defTabSz="457200" rtl="0" eaLnBrk="1" fontAlgn="auto" latinLnBrk="0" hangingPunct="1">
+              <a:lnSpc>
+                <a:spcPct val="100000"/>
+              </a:lnSpc>
+              <a:spcBef>
+                <a:spcPts val="0"/>
+              </a:spcBef>
+              <a:spcAft>
+                <a:spcPts val="0"/>
+              </a:spcAft>
+              <a:buClrTx/>
+              <a:buSzTx/>
+              <a:buFontTx/>
+              <a:buNone/>
+              <a:tabLst/>
+              <a:defRPr/>
+            </a:pPr>
+            <a:r>
+              <a:rPr kumimoji="0" lang="zh-CN" altLang="en-US" sz="2400" b="1" i="0" u="none" strike="noStrike" kern="1200" cap="none" spc="0" normalizeH="0" baseline="0" noProof="0" dirty="0">
+                <a:ln>
+                  <a:noFill/>
+                </a:ln>
+                <a:solidFill>
+                  <a:srgbClr val="FFC000"/>
+                </a:solidFill>
+                <a:effectLst/>
+                <a:uLnTx/>
+                <a:uFillTx/>
+                <a:latin typeface="Century Gothic" panose="020B0502020202020204"/>
+                <a:ea typeface="幼圆" panose="02010509060101010101" pitchFamily="49" charset="-122"/>
+                <a:cs typeface="+mn-cs"/>
+              </a:rPr>
+              <a:t>百度云网盘</a:t>
+            </a:r>
+          </a:p>
+        </p:txBody>
+      </p:sp>
+      <p:sp>
+        <p:nvSpPr>
+          <p:cNvPr id="10" name="文本框 9">
+            <a:extLst>
+              <a:ext uri="{FF2B5EF4-FFF2-40B4-BE49-F238E27FC236}">
+                <a16:creationId xmlns:a16="http://schemas.microsoft.com/office/drawing/2014/main" id="{7C60D1D7-1F59-4C6F-9A05-43C16E5CC55F}"/>
+              </a:ext>
+            </a:extLst>
+          </p:cNvPr>
+          <p:cNvSpPr txBox="1"/>
+          <p:nvPr/>
+        </p:nvSpPr>
+        <p:spPr>
+          <a:xfrm>
+            <a:off x="1570851" y="628174"/>
+            <a:ext cx="4036643" cy="461665"/>
+          </a:xfrm>
+          <a:prstGeom prst="rect">
+            <a:avLst/>
+          </a:prstGeom>
+          <a:noFill/>
+        </p:spPr>
+        <p:txBody>
+          <a:bodyPr wrap="square" rtlCol="0">
+            <a:spAutoFit/>
+          </a:bodyPr>
+          <a:lstStyle/>
+          <a:p>
+            <a:pPr marL="0" marR="0" lvl="0" indent="0" algn="ctr" defTabSz="457200" rtl="0" eaLnBrk="1" fontAlgn="auto" latinLnBrk="0" hangingPunct="1">
+              <a:lnSpc>
+                <a:spcPct val="100000"/>
+              </a:lnSpc>
+              <a:spcBef>
+                <a:spcPts val="0"/>
+              </a:spcBef>
+              <a:spcAft>
+                <a:spcPts val="0"/>
+              </a:spcAft>
+              <a:buClrTx/>
+              <a:buSzTx/>
+              <a:buFontTx/>
+              <a:buNone/>
+              <a:tabLst/>
+              <a:defRPr/>
+            </a:pPr>
+            <a:r>
+              <a:rPr kumimoji="0" lang="en-US" altLang="zh-CN" sz="2400" b="1" i="0" u="none" strike="noStrike" kern="1200" cap="none" spc="0" normalizeH="0" baseline="0" noProof="0" dirty="0">
+                <a:ln>
+                  <a:noFill/>
+                </a:ln>
+                <a:solidFill>
+                  <a:srgbClr val="FFC000"/>
+                </a:solidFill>
+                <a:effectLst/>
+                <a:uLnTx/>
+                <a:uFillTx/>
+                <a:latin typeface="Century Gothic" panose="020B0502020202020204"/>
+                <a:ea typeface="幼圆" panose="02010509060101010101" pitchFamily="49" charset="-122"/>
+                <a:cs typeface="+mn-cs"/>
+              </a:rPr>
+              <a:t>7x24</a:t>
+            </a:r>
+            <a:r>
+              <a:rPr kumimoji="0" lang="zh-CN" altLang="en-US" sz="2400" b="1" i="0" u="none" strike="noStrike" kern="1200" cap="none" spc="0" normalizeH="0" baseline="0" noProof="0" dirty="0">
+                <a:ln>
+                  <a:noFill/>
+                </a:ln>
+                <a:solidFill>
+                  <a:srgbClr val="FFC000"/>
+                </a:solidFill>
+                <a:effectLst/>
+                <a:uLnTx/>
+                <a:uFillTx/>
+                <a:latin typeface="Century Gothic" panose="020B0502020202020204"/>
+                <a:ea typeface="幼圆" panose="02010509060101010101" pitchFamily="49" charset="-122"/>
+                <a:cs typeface="+mn-cs"/>
+              </a:rPr>
+              <a:t>小时            自动发货</a:t>
+            </a:r>
+          </a:p>
+        </p:txBody>
+      </p:sp>
+      <p:sp>
+        <p:nvSpPr>
+          <p:cNvPr id="16" name="星形: 十角 15">
+            <a:extLst>
+              <a:ext uri="{FF2B5EF4-FFF2-40B4-BE49-F238E27FC236}">
+                <a16:creationId xmlns:a16="http://schemas.microsoft.com/office/drawing/2014/main" id="{671206B8-4A4D-4632-96F8-F517FAE061DD}"/>
+              </a:ext>
+            </a:extLst>
+          </p:cNvPr>
+          <p:cNvSpPr/>
+          <p:nvPr/>
+        </p:nvSpPr>
+        <p:spPr>
+          <a:xfrm rot="20644085">
+            <a:off x="3732450" y="3320973"/>
+            <a:ext cx="2035847" cy="1328824"/>
+          </a:xfrm>
+          <a:prstGeom prst="star10">
+            <a:avLst/>
+          </a:prstGeom>
+          <a:solidFill>
+            <a:srgbClr val="FFFF00"/>
+          </a:solidFill>
+        </p:spPr>
+        <p:style>
+          <a:lnRef idx="2">
+            <a:schemeClr val="accent1">
+              <a:shade val="50000"/>
+            </a:schemeClr>
+          </a:lnRef>
+          <a:fillRef idx="1">
+            <a:schemeClr val="accent1"/>
+          </a:fillRef>
+          <a:effectRef idx="0">
+            <a:schemeClr val="accent1"/>
+          </a:effectRef>
+          <a:fontRef idx="minor">
+            <a:schemeClr val="lt1"/>
+          </a:fontRef>
+        </p:style>
+        <p:txBody>
+          <a:bodyPr rtlCol="0" anchor="ctr"/>
+          <a:lstStyle/>
+          <a:p>
+            <a:pPr marL="0" marR="0" lvl="0" indent="0" algn="ctr" defTabSz="457200" rtl="0" eaLnBrk="1" fontAlgn="auto" latinLnBrk="0" hangingPunct="1">
+              <a:lnSpc>
+                <a:spcPct val="100000"/>
+              </a:lnSpc>
+              <a:spcBef>
+                <a:spcPts val="0"/>
+              </a:spcBef>
+              <a:spcAft>
+                <a:spcPts val="0"/>
+              </a:spcAft>
+              <a:buClrTx/>
+              <a:buSzTx/>
+              <a:buFontTx/>
+              <a:buNone/>
+              <a:tabLst/>
+              <a:defRPr/>
+            </a:pPr>
+            <a:r>
+              <a:rPr kumimoji="0" lang="en-US" altLang="zh-CN" sz="2800" b="1" i="0" u="none" strike="noStrike" kern="1200" cap="none" spc="0" normalizeH="0" baseline="0" noProof="0" dirty="0">
+                <a:ln>
+                  <a:noFill/>
+                </a:ln>
+                <a:solidFill>
+                  <a:srgbClr val="C00000"/>
+                </a:solidFill>
+                <a:effectLst/>
+                <a:uLnTx/>
+                <a:uFillTx/>
+                <a:latin typeface="Century Gothic" panose="020B0502020202020204"/>
+                <a:ea typeface="幼圆" panose="02010509060101010101" pitchFamily="49" charset="-122"/>
+                <a:cs typeface="+mn-cs"/>
+              </a:rPr>
+              <a:t>5.99</a:t>
+            </a:r>
+            <a:r>
+              <a:rPr kumimoji="0" lang="zh-CN" altLang="en-US" sz="2800" b="1" i="0" u="none" strike="noStrike" kern="1200" cap="none" spc="0" normalizeH="0" baseline="0" noProof="0" dirty="0">
+                <a:ln>
+                  <a:noFill/>
+                </a:ln>
+                <a:solidFill>
+                  <a:srgbClr val="C00000"/>
+                </a:solidFill>
+                <a:effectLst/>
+                <a:uLnTx/>
+                <a:uFillTx/>
+                <a:latin typeface="Century Gothic" panose="020B0502020202020204"/>
+                <a:ea typeface="幼圆" panose="02010509060101010101" pitchFamily="49" charset="-122"/>
+                <a:cs typeface="+mn-cs"/>
+              </a:rPr>
+              <a:t>元</a:t>
+            </a:r>
+          </a:p>
+        </p:txBody>
+      </p:sp>
+    </p:spTree>
+    <p:extLst>
+      <p:ext uri="{BB962C8B-B14F-4D97-AF65-F5344CB8AC3E}">
+        <p14:creationId xmlns:p14="http://schemas.microsoft.com/office/powerpoint/2010/main" val="162417488"/>
+      </p:ext>
+    </p:extLst>
+  </p:cSld>
+  <p:clrMapOvr>
+    <a:masterClrMapping/>
+  </p:clrMapOvr>
+</p:sld>
+</file>
+
+<file path=ppt/slides/slide7.xml><?xml version="1.0" encoding="utf-8"?>
+<p:sld xmlns:a="http://schemas.openxmlformats.org/drawingml/2006/main" xmlns:r="http://schemas.openxmlformats.org/officeDocument/2006/relationships" xmlns:p="http://schemas.openxmlformats.org/presentationml/2006/main">
+  <p:cSld>
+    <p:spTree>
+      <p:nvGrpSpPr>
+        <p:cNvPr id="1" name=""/>
+        <p:cNvGrpSpPr/>
+        <p:nvPr/>
+      </p:nvGrpSpPr>
+      <p:grpSpPr>
+        <a:xfrm>
+          <a:off x="0" y="0"/>
+          <a:ext cx="0" cy="0"/>
+          <a:chOff x="0" y="0"/>
+          <a:chExt cx="0" cy="0"/>
+        </a:xfrm>
+      </p:grpSpPr>
+      <p:sp>
+        <p:nvSpPr>
+          <p:cNvPr id="6" name="文本框 5">
+            <a:extLst>
+              <a:ext uri="{FF2B5EF4-FFF2-40B4-BE49-F238E27FC236}">
+                <a16:creationId xmlns:a16="http://schemas.microsoft.com/office/drawing/2014/main" id="{95C00007-C28F-49AC-B0FB-E79F9D6B1524}"/>
+              </a:ext>
+            </a:extLst>
+          </p:cNvPr>
+          <p:cNvSpPr txBox="1"/>
+          <p:nvPr/>
+        </p:nvSpPr>
+        <p:spPr>
+          <a:xfrm>
+            <a:off x="2463278" y="1773138"/>
+            <a:ext cx="2545889" cy="954107"/>
+          </a:xfrm>
+          <a:prstGeom prst="rect">
+            <a:avLst/>
+          </a:prstGeom>
+          <a:noFill/>
+        </p:spPr>
+        <p:txBody>
+          <a:bodyPr wrap="none" rtlCol="0">
+            <a:spAutoFit/>
+          </a:bodyPr>
+          <a:lstStyle/>
+          <a:p>
+            <a:pPr marL="0" marR="0" lvl="0" indent="0" algn="ctr" defTabSz="457200" rtl="0" eaLnBrk="1" fontAlgn="auto" latinLnBrk="0" hangingPunct="1">
+              <a:lnSpc>
+                <a:spcPct val="100000"/>
+              </a:lnSpc>
+              <a:spcBef>
+                <a:spcPts val="0"/>
+              </a:spcBef>
+              <a:spcAft>
+                <a:spcPts val="0"/>
+              </a:spcAft>
+              <a:buClrTx/>
+              <a:buSzTx/>
+              <a:buFontTx/>
+              <a:buNone/>
+              <a:tabLst/>
+              <a:defRPr/>
+            </a:pPr>
+            <a:r>
+              <a:rPr kumimoji="0" lang="en-US" altLang="zh-CN" sz="2800" b="1" i="0" u="none" strike="noStrike" kern="1200" cap="none" spc="0" normalizeH="0" baseline="0" noProof="0" dirty="0">
+                <a:ln>
+                  <a:noFill/>
+                </a:ln>
+                <a:solidFill>
+                  <a:srgbClr val="FFFF00"/>
+                </a:solidFill>
+                <a:effectLst/>
+                <a:uLnTx/>
+                <a:uFillTx/>
+                <a:latin typeface="华文中宋" panose="02010600040101010101" pitchFamily="2" charset="-122"/>
+                <a:ea typeface="华文中宋" panose="02010600040101010101" pitchFamily="2" charset="-122"/>
+                <a:cs typeface="+mn-cs"/>
+              </a:rPr>
+              <a:t>Elasticsearch</a:t>
+            </a:r>
+          </a:p>
+          <a:p>
+            <a:pPr marL="0" marR="0" lvl="0" indent="0" algn="ctr" defTabSz="457200" rtl="0" eaLnBrk="1" fontAlgn="auto" latinLnBrk="0" hangingPunct="1">
+              <a:lnSpc>
+                <a:spcPct val="100000"/>
+              </a:lnSpc>
+              <a:spcBef>
+                <a:spcPts val="0"/>
+              </a:spcBef>
+              <a:spcAft>
+                <a:spcPts val="0"/>
+              </a:spcAft>
+              <a:buClrTx/>
+              <a:buSzTx/>
+              <a:buFontTx/>
+              <a:buNone/>
+              <a:tabLst/>
+              <a:defRPr/>
+            </a:pPr>
+            <a:r>
+              <a:rPr kumimoji="0" lang="zh-CN" altLang="en-US" sz="2800" b="1" i="0" u="none" strike="noStrike" kern="1200" cap="none" spc="0" normalizeH="0" baseline="0" noProof="0" dirty="0">
+                <a:ln>
+                  <a:noFill/>
+                </a:ln>
+                <a:solidFill>
+                  <a:srgbClr val="FFFF00"/>
+                </a:solidFill>
+                <a:effectLst/>
+                <a:uLnTx/>
+                <a:uFillTx/>
+                <a:latin typeface="华文中宋" panose="02010600040101010101" pitchFamily="2" charset="-122"/>
+                <a:ea typeface="华文中宋" panose="02010600040101010101" pitchFamily="2" charset="-122"/>
+                <a:cs typeface="+mn-cs"/>
+              </a:rPr>
+              <a:t>顶尖高手系列</a:t>
+            </a:r>
+          </a:p>
+        </p:txBody>
+      </p:sp>
+      <p:sp>
+        <p:nvSpPr>
+          <p:cNvPr id="7" name="文本框 6">
+            <a:extLst>
+              <a:ext uri="{FF2B5EF4-FFF2-40B4-BE49-F238E27FC236}">
+                <a16:creationId xmlns:a16="http://schemas.microsoft.com/office/drawing/2014/main" id="{A9869CFA-63D2-46BE-A761-719AB9E5BB2A}"/>
+              </a:ext>
+            </a:extLst>
+          </p:cNvPr>
+          <p:cNvSpPr txBox="1"/>
+          <p:nvPr/>
+        </p:nvSpPr>
+        <p:spPr>
+          <a:xfrm>
+            <a:off x="2665998" y="2805469"/>
+            <a:ext cx="1980029" cy="523220"/>
+          </a:xfrm>
+          <a:prstGeom prst="rect">
+            <a:avLst/>
+          </a:prstGeom>
+          <a:noFill/>
+        </p:spPr>
+        <p:txBody>
+          <a:bodyPr wrap="none" rtlCol="0">
+            <a:spAutoFit/>
+          </a:bodyPr>
+          <a:lstStyle/>
+          <a:p>
+            <a:pPr lvl="0" algn="ctr"/>
+            <a:r>
+              <a:rPr lang="zh-CN" altLang="en-US" sz="2800" b="1" dirty="0">
+                <a:solidFill>
+                  <a:srgbClr val="FFFF00"/>
+                </a:solidFill>
+                <a:latin typeface="华文中宋" panose="02010600040101010101" pitchFamily="2" charset="-122"/>
+                <a:ea typeface="华文中宋" panose="02010600040101010101" pitchFamily="2" charset="-122"/>
+              </a:rPr>
+              <a:t>快速入门篇</a:t>
+            </a:r>
+            <a:endParaRPr kumimoji="0" lang="zh-CN" altLang="en-US" sz="2800" b="1" i="0" u="none" strike="noStrike" kern="1200" cap="none" spc="0" normalizeH="0" baseline="0" noProof="0" dirty="0">
+              <a:ln>
+                <a:noFill/>
+              </a:ln>
+              <a:solidFill>
+                <a:srgbClr val="FFFF00"/>
+              </a:solidFill>
+              <a:effectLst/>
+              <a:uLnTx/>
+              <a:uFillTx/>
+              <a:latin typeface="华文中宋" panose="02010600040101010101" pitchFamily="2" charset="-122"/>
+              <a:ea typeface="华文中宋" panose="02010600040101010101" pitchFamily="2" charset="-122"/>
+              <a:cs typeface="+mn-cs"/>
+            </a:endParaRPr>
+          </a:p>
+        </p:txBody>
+      </p:sp>
+      <p:sp>
+        <p:nvSpPr>
+          <p:cNvPr id="8" name="文本框 7">
+            <a:extLst>
+              <a:ext uri="{FF2B5EF4-FFF2-40B4-BE49-F238E27FC236}">
+                <a16:creationId xmlns:a16="http://schemas.microsoft.com/office/drawing/2014/main" id="{35C6E9EF-4C46-4379-86D1-DDE94B87B8FB}"/>
+              </a:ext>
+            </a:extLst>
+          </p:cNvPr>
+          <p:cNvSpPr txBox="1"/>
+          <p:nvPr/>
+        </p:nvSpPr>
+        <p:spPr>
+          <a:xfrm>
+            <a:off x="2665998" y="1161090"/>
+            <a:ext cx="2052165" cy="400110"/>
+          </a:xfrm>
+          <a:prstGeom prst="rect">
+            <a:avLst/>
+          </a:prstGeom>
+          <a:noFill/>
+        </p:spPr>
+        <p:txBody>
+          <a:bodyPr wrap="none" rtlCol="0">
+            <a:spAutoFit/>
+          </a:bodyPr>
+          <a:lstStyle/>
+          <a:p>
+            <a:pPr marL="0" marR="0" lvl="0" indent="0" algn="l" defTabSz="457200" rtl="0" eaLnBrk="1" fontAlgn="auto" latinLnBrk="0" hangingPunct="1">
+              <a:lnSpc>
+                <a:spcPct val="100000"/>
+              </a:lnSpc>
+              <a:spcBef>
+                <a:spcPts val="0"/>
+              </a:spcBef>
+              <a:spcAft>
+                <a:spcPts val="0"/>
+              </a:spcAft>
+              <a:buClrTx/>
+              <a:buSzTx/>
+              <a:buFontTx/>
+              <a:buNone/>
+              <a:tabLst/>
+              <a:defRPr/>
+            </a:pPr>
+            <a:r>
+              <a:rPr kumimoji="0" lang="en-US" altLang="zh-CN" sz="2000" b="1" i="0" u="none" strike="noStrike" kern="1200" cap="none" spc="0" normalizeH="0" baseline="0" noProof="0" dirty="0">
+                <a:ln>
+                  <a:noFill/>
+                </a:ln>
+                <a:solidFill>
+                  <a:srgbClr val="6A9E1F">
+                    <a:lumMod val="40000"/>
+                    <a:lumOff val="60000"/>
+                  </a:srgbClr>
+                </a:solidFill>
+                <a:effectLst/>
+                <a:uLnTx/>
+                <a:uFillTx/>
+                <a:latin typeface="Century Gothic" panose="020B0502020202020204"/>
+                <a:ea typeface="幼圆" panose="02010509060101010101" pitchFamily="49" charset="-122"/>
+                <a:cs typeface="+mn-cs"/>
+              </a:rPr>
+              <a:t>2017</a:t>
+            </a:r>
+            <a:r>
+              <a:rPr kumimoji="0" lang="zh-CN" altLang="en-US" sz="2000" b="1" i="0" u="none" strike="noStrike" kern="1200" cap="none" spc="0" normalizeH="0" baseline="0" noProof="0" dirty="0">
+                <a:ln>
+                  <a:noFill/>
+                </a:ln>
+                <a:solidFill>
+                  <a:srgbClr val="6A9E1F">
+                    <a:lumMod val="40000"/>
+                    <a:lumOff val="60000"/>
+                  </a:srgbClr>
+                </a:solidFill>
+                <a:effectLst/>
+                <a:uLnTx/>
+                <a:uFillTx/>
+                <a:latin typeface="Century Gothic" panose="020B0502020202020204"/>
+                <a:ea typeface="幼圆" panose="02010509060101010101" pitchFamily="49" charset="-122"/>
+                <a:cs typeface="+mn-cs"/>
+              </a:rPr>
+              <a:t>年全新录制</a:t>
+            </a:r>
+          </a:p>
+        </p:txBody>
+      </p:sp>
+      <p:sp>
+        <p:nvSpPr>
+          <p:cNvPr id="9" name="文本框 8">
+            <a:extLst>
+              <a:ext uri="{FF2B5EF4-FFF2-40B4-BE49-F238E27FC236}">
+                <a16:creationId xmlns:a16="http://schemas.microsoft.com/office/drawing/2014/main" id="{B11FCB1F-04A0-4D67-8ED8-03EC961C3352}"/>
+              </a:ext>
+            </a:extLst>
+          </p:cNvPr>
+          <p:cNvSpPr txBox="1"/>
+          <p:nvPr/>
+        </p:nvSpPr>
+        <p:spPr>
+          <a:xfrm>
+            <a:off x="1752521" y="3885357"/>
+            <a:ext cx="1731564" cy="461665"/>
+          </a:xfrm>
+          <a:prstGeom prst="rect">
+            <a:avLst/>
+          </a:prstGeom>
+          <a:noFill/>
+        </p:spPr>
+        <p:txBody>
+          <a:bodyPr wrap="none" rtlCol="0">
+            <a:spAutoFit/>
+          </a:bodyPr>
+          <a:lstStyle/>
+          <a:p>
+            <a:pPr marL="0" marR="0" lvl="0" indent="0" algn="ctr" defTabSz="457200" rtl="0" eaLnBrk="1" fontAlgn="auto" latinLnBrk="0" hangingPunct="1">
+              <a:lnSpc>
+                <a:spcPct val="100000"/>
+              </a:lnSpc>
+              <a:spcBef>
+                <a:spcPts val="0"/>
+              </a:spcBef>
+              <a:spcAft>
+                <a:spcPts val="0"/>
+              </a:spcAft>
+              <a:buClrTx/>
+              <a:buSzTx/>
+              <a:buFontTx/>
+              <a:buNone/>
+              <a:tabLst/>
+              <a:defRPr/>
+            </a:pPr>
+            <a:r>
+              <a:rPr kumimoji="0" lang="zh-CN" altLang="en-US" sz="2400" b="1" i="0" u="none" strike="noStrike" kern="1200" cap="none" spc="0" normalizeH="0" baseline="0" noProof="0" dirty="0">
+                <a:ln>
+                  <a:noFill/>
+                </a:ln>
+                <a:solidFill>
+                  <a:srgbClr val="FFC000"/>
+                </a:solidFill>
+                <a:effectLst/>
+                <a:uLnTx/>
+                <a:uFillTx/>
+                <a:latin typeface="Century Gothic" panose="020B0502020202020204"/>
+                <a:ea typeface="幼圆" panose="02010509060101010101" pitchFamily="49" charset="-122"/>
+                <a:cs typeface="+mn-cs"/>
+              </a:rPr>
+              <a:t>百度云网盘</a:t>
+            </a:r>
+          </a:p>
+        </p:txBody>
+      </p:sp>
+      <p:sp>
+        <p:nvSpPr>
+          <p:cNvPr id="10" name="文本框 9">
+            <a:extLst>
+              <a:ext uri="{FF2B5EF4-FFF2-40B4-BE49-F238E27FC236}">
+                <a16:creationId xmlns:a16="http://schemas.microsoft.com/office/drawing/2014/main" id="{7C60D1D7-1F59-4C6F-9A05-43C16E5CC55F}"/>
+              </a:ext>
+            </a:extLst>
+          </p:cNvPr>
+          <p:cNvSpPr txBox="1"/>
+          <p:nvPr/>
+        </p:nvSpPr>
+        <p:spPr>
+          <a:xfrm>
+            <a:off x="1570851" y="628174"/>
+            <a:ext cx="4036643" cy="461665"/>
+          </a:xfrm>
+          <a:prstGeom prst="rect">
+            <a:avLst/>
+          </a:prstGeom>
+          <a:noFill/>
+        </p:spPr>
+        <p:txBody>
+          <a:bodyPr wrap="square" rtlCol="0">
+            <a:spAutoFit/>
+          </a:bodyPr>
+          <a:lstStyle/>
+          <a:p>
+            <a:pPr marL="0" marR="0" lvl="0" indent="0" algn="ctr" defTabSz="457200" rtl="0" eaLnBrk="1" fontAlgn="auto" latinLnBrk="0" hangingPunct="1">
+              <a:lnSpc>
+                <a:spcPct val="100000"/>
+              </a:lnSpc>
+              <a:spcBef>
+                <a:spcPts val="0"/>
+              </a:spcBef>
+              <a:spcAft>
+                <a:spcPts val="0"/>
+              </a:spcAft>
+              <a:buClrTx/>
+              <a:buSzTx/>
+              <a:buFontTx/>
+              <a:buNone/>
+              <a:tabLst/>
+              <a:defRPr/>
+            </a:pPr>
+            <a:r>
+              <a:rPr kumimoji="0" lang="en-US" altLang="zh-CN" sz="2400" b="1" i="0" u="none" strike="noStrike" kern="1200" cap="none" spc="0" normalizeH="0" baseline="0" noProof="0" dirty="0">
+                <a:ln>
+                  <a:noFill/>
+                </a:ln>
+                <a:solidFill>
+                  <a:srgbClr val="FFC000"/>
+                </a:solidFill>
+                <a:effectLst/>
+                <a:uLnTx/>
+                <a:uFillTx/>
+                <a:latin typeface="Century Gothic" panose="020B0502020202020204"/>
+                <a:ea typeface="幼圆" panose="02010509060101010101" pitchFamily="49" charset="-122"/>
+                <a:cs typeface="+mn-cs"/>
+              </a:rPr>
+              <a:t>7x24</a:t>
+            </a:r>
+            <a:r>
+              <a:rPr kumimoji="0" lang="zh-CN" altLang="en-US" sz="2400" b="1" i="0" u="none" strike="noStrike" kern="1200" cap="none" spc="0" normalizeH="0" baseline="0" noProof="0" dirty="0">
+                <a:ln>
+                  <a:noFill/>
+                </a:ln>
+                <a:solidFill>
+                  <a:srgbClr val="FFC000"/>
+                </a:solidFill>
+                <a:effectLst/>
+                <a:uLnTx/>
+                <a:uFillTx/>
+                <a:latin typeface="Century Gothic" panose="020B0502020202020204"/>
+                <a:ea typeface="幼圆" panose="02010509060101010101" pitchFamily="49" charset="-122"/>
+                <a:cs typeface="+mn-cs"/>
+              </a:rPr>
+              <a:t>小时            自动发货</a:t>
+            </a:r>
+          </a:p>
+        </p:txBody>
+      </p:sp>
+      <p:sp>
+        <p:nvSpPr>
+          <p:cNvPr id="16" name="星形: 十角 15">
+            <a:extLst>
+              <a:ext uri="{FF2B5EF4-FFF2-40B4-BE49-F238E27FC236}">
+                <a16:creationId xmlns:a16="http://schemas.microsoft.com/office/drawing/2014/main" id="{671206B8-4A4D-4632-96F8-F517FAE061DD}"/>
+              </a:ext>
+            </a:extLst>
+          </p:cNvPr>
+          <p:cNvSpPr/>
+          <p:nvPr/>
+        </p:nvSpPr>
+        <p:spPr>
+          <a:xfrm rot="20644085">
+            <a:off x="3732450" y="3320973"/>
+            <a:ext cx="2035847" cy="1328824"/>
+          </a:xfrm>
+          <a:prstGeom prst="star10">
+            <a:avLst/>
+          </a:prstGeom>
+          <a:solidFill>
+            <a:srgbClr val="FFFF00"/>
+          </a:solidFill>
+        </p:spPr>
+        <p:style>
+          <a:lnRef idx="2">
+            <a:schemeClr val="accent1">
+              <a:shade val="50000"/>
+            </a:schemeClr>
+          </a:lnRef>
+          <a:fillRef idx="1">
+            <a:schemeClr val="accent1"/>
+          </a:fillRef>
+          <a:effectRef idx="0">
+            <a:schemeClr val="accent1"/>
+          </a:effectRef>
+          <a:fontRef idx="minor">
+            <a:schemeClr val="lt1"/>
+          </a:fontRef>
+        </p:style>
+        <p:txBody>
+          <a:bodyPr rtlCol="0" anchor="ctr"/>
+          <a:lstStyle/>
+          <a:p>
+            <a:pPr marL="0" marR="0" lvl="0" indent="0" algn="ctr" defTabSz="457200" rtl="0" eaLnBrk="1" fontAlgn="auto" latinLnBrk="0" hangingPunct="1">
+              <a:lnSpc>
+                <a:spcPct val="100000"/>
+              </a:lnSpc>
+              <a:spcBef>
+                <a:spcPts val="0"/>
+              </a:spcBef>
+              <a:spcAft>
+                <a:spcPts val="0"/>
+              </a:spcAft>
+              <a:buClrTx/>
+              <a:buSzTx/>
+              <a:buFontTx/>
+              <a:buNone/>
+              <a:tabLst/>
+              <a:defRPr/>
+            </a:pPr>
+            <a:r>
+              <a:rPr kumimoji="0" lang="en-US" altLang="zh-CN" sz="2800" b="1" i="0" u="none" strike="noStrike" kern="1200" cap="none" spc="0" normalizeH="0" baseline="0" noProof="0" dirty="0">
+                <a:ln>
+                  <a:noFill/>
+                </a:ln>
+                <a:solidFill>
+                  <a:srgbClr val="C00000"/>
+                </a:solidFill>
+                <a:effectLst/>
+                <a:uLnTx/>
+                <a:uFillTx/>
+                <a:latin typeface="Century Gothic" panose="020B0502020202020204"/>
+                <a:ea typeface="幼圆" panose="02010509060101010101" pitchFamily="49" charset="-122"/>
+                <a:cs typeface="+mn-cs"/>
+              </a:rPr>
+              <a:t>5.99</a:t>
+            </a:r>
+            <a:r>
+              <a:rPr kumimoji="0" lang="zh-CN" altLang="en-US" sz="2800" b="1" i="0" u="none" strike="noStrike" kern="1200" cap="none" spc="0" normalizeH="0" baseline="0" noProof="0" dirty="0">
+                <a:ln>
+                  <a:noFill/>
+                </a:ln>
+                <a:solidFill>
+                  <a:srgbClr val="C00000"/>
+                </a:solidFill>
+                <a:effectLst/>
+                <a:uLnTx/>
+                <a:uFillTx/>
+                <a:latin typeface="Century Gothic" panose="020B0502020202020204"/>
+                <a:ea typeface="幼圆" panose="02010509060101010101" pitchFamily="49" charset="-122"/>
+                <a:cs typeface="+mn-cs"/>
+              </a:rPr>
+              <a:t>元</a:t>
+            </a:r>
+          </a:p>
+        </p:txBody>
+      </p:sp>
+    </p:spTree>
+    <p:extLst>
+      <p:ext uri="{BB962C8B-B14F-4D97-AF65-F5344CB8AC3E}">
         <p14:creationId xmlns:p14="http://schemas.microsoft.com/office/powerpoint/2010/main" val="3541101361"/>
+      </p:ext>
+    </p:extLst>
+  </p:cSld>
+  <p:clrMapOvr>
+    <a:masterClrMapping/>
+  </p:clrMapOvr>
+</p:sld>
+</file>
+
+<file path=ppt/slides/slide8.xml><?xml version="1.0" encoding="utf-8"?>
+<p:sld xmlns:a="http://schemas.openxmlformats.org/drawingml/2006/main" xmlns:r="http://schemas.openxmlformats.org/officeDocument/2006/relationships" xmlns:p="http://schemas.openxmlformats.org/presentationml/2006/main">
+  <p:cSld>
+    <p:spTree>
+      <p:nvGrpSpPr>
+        <p:cNvPr id="1" name=""/>
+        <p:cNvGrpSpPr/>
+        <p:nvPr/>
+      </p:nvGrpSpPr>
+      <p:grpSpPr>
+        <a:xfrm>
+          <a:off x="0" y="0"/>
+          <a:ext cx="0" cy="0"/>
+          <a:chOff x="0" y="0"/>
+          <a:chExt cx="0" cy="0"/>
+        </a:xfrm>
+      </p:grpSpPr>
+      <p:sp>
+        <p:nvSpPr>
+          <p:cNvPr id="6" name="文本框 5">
+            <a:extLst>
+              <a:ext uri="{FF2B5EF4-FFF2-40B4-BE49-F238E27FC236}">
+                <a16:creationId xmlns:a16="http://schemas.microsoft.com/office/drawing/2014/main" id="{95C00007-C28F-49AC-B0FB-E79F9D6B1524}"/>
+              </a:ext>
+            </a:extLst>
+          </p:cNvPr>
+          <p:cNvSpPr txBox="1"/>
+          <p:nvPr/>
+        </p:nvSpPr>
+        <p:spPr>
+          <a:xfrm>
+            <a:off x="1930578" y="2207096"/>
+            <a:ext cx="3927657" cy="954107"/>
+          </a:xfrm>
+          <a:prstGeom prst="rect">
+            <a:avLst/>
+          </a:prstGeom>
+          <a:noFill/>
+        </p:spPr>
+        <p:txBody>
+          <a:bodyPr wrap="square" rtlCol="0">
+            <a:spAutoFit/>
+          </a:bodyPr>
+          <a:lstStyle/>
+          <a:p>
+            <a:pPr>
+              <a:defRPr/>
+            </a:pPr>
+            <a:r>
+              <a:rPr lang="en-US" altLang="zh-CN" sz="2800" b="1" dirty="0">
+                <a:solidFill>
+                  <a:srgbClr val="FFFF00"/>
+                </a:solidFill>
+                <a:latin typeface="华文中宋" panose="02010600040101010101" pitchFamily="2" charset="-122"/>
+                <a:ea typeface="华文中宋" panose="02010600040101010101" pitchFamily="2" charset="-122"/>
+              </a:rPr>
+              <a:t>		  Qt5/Qt4/c++</a:t>
+            </a:r>
+          </a:p>
+          <a:p>
+            <a:pPr algn="ctr">
+              <a:defRPr/>
+            </a:pPr>
+            <a:r>
+              <a:rPr lang="zh-CN" altLang="en-US" sz="2800" b="1" dirty="0">
+                <a:solidFill>
+                  <a:srgbClr val="FFFF00"/>
+                </a:solidFill>
+                <a:latin typeface="华文中宋" panose="02010600040101010101" pitchFamily="2" charset="-122"/>
+                <a:ea typeface="华文中宋" panose="02010600040101010101" pitchFamily="2" charset="-122"/>
+              </a:rPr>
+              <a:t>软件编程实战项目开发</a:t>
+            </a:r>
+          </a:p>
+        </p:txBody>
+      </p:sp>
+      <p:sp>
+        <p:nvSpPr>
+          <p:cNvPr id="8" name="文本框 7">
+            <a:extLst>
+              <a:ext uri="{FF2B5EF4-FFF2-40B4-BE49-F238E27FC236}">
+                <a16:creationId xmlns:a16="http://schemas.microsoft.com/office/drawing/2014/main" id="{35C6E9EF-4C46-4379-86D1-DDE94B87B8FB}"/>
+              </a:ext>
+            </a:extLst>
+          </p:cNvPr>
+          <p:cNvSpPr txBox="1"/>
+          <p:nvPr/>
+        </p:nvSpPr>
+        <p:spPr>
+          <a:xfrm>
+            <a:off x="2665998" y="1161090"/>
+            <a:ext cx="2052165" cy="400110"/>
+          </a:xfrm>
+          <a:prstGeom prst="rect">
+            <a:avLst/>
+          </a:prstGeom>
+          <a:noFill/>
+        </p:spPr>
+        <p:txBody>
+          <a:bodyPr wrap="none" rtlCol="0">
+            <a:spAutoFit/>
+          </a:bodyPr>
+          <a:lstStyle/>
+          <a:p>
+            <a:pPr marL="0" marR="0" lvl="0" indent="0" algn="l" defTabSz="457200" rtl="0" eaLnBrk="1" fontAlgn="auto" latinLnBrk="0" hangingPunct="1">
+              <a:lnSpc>
+                <a:spcPct val="100000"/>
+              </a:lnSpc>
+              <a:spcBef>
+                <a:spcPts val="0"/>
+              </a:spcBef>
+              <a:spcAft>
+                <a:spcPts val="0"/>
+              </a:spcAft>
+              <a:buClrTx/>
+              <a:buSzTx/>
+              <a:buFontTx/>
+              <a:buNone/>
+              <a:tabLst/>
+              <a:defRPr/>
+            </a:pPr>
+            <a:r>
+              <a:rPr kumimoji="0" lang="en-US" altLang="zh-CN" sz="2000" b="1" i="0" u="none" strike="noStrike" kern="1200" cap="none" spc="0" normalizeH="0" baseline="0" noProof="0" dirty="0">
+                <a:ln>
+                  <a:noFill/>
+                </a:ln>
+                <a:solidFill>
+                  <a:srgbClr val="6A9E1F">
+                    <a:lumMod val="40000"/>
+                    <a:lumOff val="60000"/>
+                  </a:srgbClr>
+                </a:solidFill>
+                <a:effectLst/>
+                <a:uLnTx/>
+                <a:uFillTx/>
+                <a:latin typeface="Century Gothic" panose="020B0502020202020204"/>
+                <a:ea typeface="幼圆" panose="02010509060101010101" pitchFamily="49" charset="-122"/>
+                <a:cs typeface="+mn-cs"/>
+              </a:rPr>
+              <a:t>2017</a:t>
+            </a:r>
+            <a:r>
+              <a:rPr kumimoji="0" lang="zh-CN" altLang="en-US" sz="2000" b="1" i="0" u="none" strike="noStrike" kern="1200" cap="none" spc="0" normalizeH="0" baseline="0" noProof="0" dirty="0">
+                <a:ln>
+                  <a:noFill/>
+                </a:ln>
+                <a:solidFill>
+                  <a:srgbClr val="6A9E1F">
+                    <a:lumMod val="40000"/>
+                    <a:lumOff val="60000"/>
+                  </a:srgbClr>
+                </a:solidFill>
+                <a:effectLst/>
+                <a:uLnTx/>
+                <a:uFillTx/>
+                <a:latin typeface="Century Gothic" panose="020B0502020202020204"/>
+                <a:ea typeface="幼圆" panose="02010509060101010101" pitchFamily="49" charset="-122"/>
+                <a:cs typeface="+mn-cs"/>
+              </a:rPr>
+              <a:t>年全新录制</a:t>
+            </a:r>
+          </a:p>
+        </p:txBody>
+      </p:sp>
+      <p:sp>
+        <p:nvSpPr>
+          <p:cNvPr id="9" name="文本框 8">
+            <a:extLst>
+              <a:ext uri="{FF2B5EF4-FFF2-40B4-BE49-F238E27FC236}">
+                <a16:creationId xmlns:a16="http://schemas.microsoft.com/office/drawing/2014/main" id="{B11FCB1F-04A0-4D67-8ED8-03EC961C3352}"/>
+              </a:ext>
+            </a:extLst>
+          </p:cNvPr>
+          <p:cNvSpPr txBox="1"/>
+          <p:nvPr/>
+        </p:nvSpPr>
+        <p:spPr>
+          <a:xfrm>
+            <a:off x="1752521" y="3885357"/>
+            <a:ext cx="1731564" cy="461665"/>
+          </a:xfrm>
+          <a:prstGeom prst="rect">
+            <a:avLst/>
+          </a:prstGeom>
+          <a:noFill/>
+        </p:spPr>
+        <p:txBody>
+          <a:bodyPr wrap="none" rtlCol="0">
+            <a:spAutoFit/>
+          </a:bodyPr>
+          <a:lstStyle/>
+          <a:p>
+            <a:pPr marL="0" marR="0" lvl="0" indent="0" algn="ctr" defTabSz="457200" rtl="0" eaLnBrk="1" fontAlgn="auto" latinLnBrk="0" hangingPunct="1">
+              <a:lnSpc>
+                <a:spcPct val="100000"/>
+              </a:lnSpc>
+              <a:spcBef>
+                <a:spcPts val="0"/>
+              </a:spcBef>
+              <a:spcAft>
+                <a:spcPts val="0"/>
+              </a:spcAft>
+              <a:buClrTx/>
+              <a:buSzTx/>
+              <a:buFontTx/>
+              <a:buNone/>
+              <a:tabLst/>
+              <a:defRPr/>
+            </a:pPr>
+            <a:r>
+              <a:rPr kumimoji="0" lang="zh-CN" altLang="en-US" sz="2400" b="1" i="0" u="none" strike="noStrike" kern="1200" cap="none" spc="0" normalizeH="0" baseline="0" noProof="0" dirty="0">
+                <a:ln>
+                  <a:noFill/>
+                </a:ln>
+                <a:solidFill>
+                  <a:srgbClr val="FFC000"/>
+                </a:solidFill>
+                <a:effectLst/>
+                <a:uLnTx/>
+                <a:uFillTx/>
+                <a:latin typeface="Century Gothic" panose="020B0502020202020204"/>
+                <a:ea typeface="幼圆" panose="02010509060101010101" pitchFamily="49" charset="-122"/>
+                <a:cs typeface="+mn-cs"/>
+              </a:rPr>
+              <a:t>百度云网盘</a:t>
+            </a:r>
+          </a:p>
+        </p:txBody>
+      </p:sp>
+      <p:sp>
+        <p:nvSpPr>
+          <p:cNvPr id="10" name="文本框 9">
+            <a:extLst>
+              <a:ext uri="{FF2B5EF4-FFF2-40B4-BE49-F238E27FC236}">
+                <a16:creationId xmlns:a16="http://schemas.microsoft.com/office/drawing/2014/main" id="{7C60D1D7-1F59-4C6F-9A05-43C16E5CC55F}"/>
+              </a:ext>
+            </a:extLst>
+          </p:cNvPr>
+          <p:cNvSpPr txBox="1"/>
+          <p:nvPr/>
+        </p:nvSpPr>
+        <p:spPr>
+          <a:xfrm>
+            <a:off x="1570851" y="628174"/>
+            <a:ext cx="4036643" cy="461665"/>
+          </a:xfrm>
+          <a:prstGeom prst="rect">
+            <a:avLst/>
+          </a:prstGeom>
+          <a:noFill/>
+        </p:spPr>
+        <p:txBody>
+          <a:bodyPr wrap="square" rtlCol="0">
+            <a:spAutoFit/>
+          </a:bodyPr>
+          <a:lstStyle/>
+          <a:p>
+            <a:pPr marL="0" marR="0" lvl="0" indent="0" algn="ctr" defTabSz="457200" rtl="0" eaLnBrk="1" fontAlgn="auto" latinLnBrk="0" hangingPunct="1">
+              <a:lnSpc>
+                <a:spcPct val="100000"/>
+              </a:lnSpc>
+              <a:spcBef>
+                <a:spcPts val="0"/>
+              </a:spcBef>
+              <a:spcAft>
+                <a:spcPts val="0"/>
+              </a:spcAft>
+              <a:buClrTx/>
+              <a:buSzTx/>
+              <a:buFontTx/>
+              <a:buNone/>
+              <a:tabLst/>
+              <a:defRPr/>
+            </a:pPr>
+            <a:r>
+              <a:rPr kumimoji="0" lang="en-US" altLang="zh-CN" sz="2400" b="1" i="0" u="none" strike="noStrike" kern="1200" cap="none" spc="0" normalizeH="0" baseline="0" noProof="0" dirty="0">
+                <a:ln>
+                  <a:noFill/>
+                </a:ln>
+                <a:solidFill>
+                  <a:srgbClr val="FFC000"/>
+                </a:solidFill>
+                <a:effectLst/>
+                <a:uLnTx/>
+                <a:uFillTx/>
+                <a:latin typeface="Century Gothic" panose="020B0502020202020204"/>
+                <a:ea typeface="幼圆" panose="02010509060101010101" pitchFamily="49" charset="-122"/>
+                <a:cs typeface="+mn-cs"/>
+              </a:rPr>
+              <a:t>7x24</a:t>
+            </a:r>
+            <a:r>
+              <a:rPr kumimoji="0" lang="zh-CN" altLang="en-US" sz="2400" b="1" i="0" u="none" strike="noStrike" kern="1200" cap="none" spc="0" normalizeH="0" baseline="0" noProof="0" dirty="0">
+                <a:ln>
+                  <a:noFill/>
+                </a:ln>
+                <a:solidFill>
+                  <a:srgbClr val="FFC000"/>
+                </a:solidFill>
+                <a:effectLst/>
+                <a:uLnTx/>
+                <a:uFillTx/>
+                <a:latin typeface="Century Gothic" panose="020B0502020202020204"/>
+                <a:ea typeface="幼圆" panose="02010509060101010101" pitchFamily="49" charset="-122"/>
+                <a:cs typeface="+mn-cs"/>
+              </a:rPr>
+              <a:t>小时            自动发货</a:t>
+            </a:r>
+          </a:p>
+        </p:txBody>
+      </p:sp>
+      <p:sp>
+        <p:nvSpPr>
+          <p:cNvPr id="16" name="星形: 十角 15">
+            <a:extLst>
+              <a:ext uri="{FF2B5EF4-FFF2-40B4-BE49-F238E27FC236}">
+                <a16:creationId xmlns:a16="http://schemas.microsoft.com/office/drawing/2014/main" id="{671206B8-4A4D-4632-96F8-F517FAE061DD}"/>
+              </a:ext>
+            </a:extLst>
+          </p:cNvPr>
+          <p:cNvSpPr/>
+          <p:nvPr/>
+        </p:nvSpPr>
+        <p:spPr>
+          <a:xfrm rot="20644085">
+            <a:off x="3732450" y="3320973"/>
+            <a:ext cx="2035847" cy="1328824"/>
+          </a:xfrm>
+          <a:prstGeom prst="star10">
+            <a:avLst/>
+          </a:prstGeom>
+          <a:solidFill>
+            <a:srgbClr val="FFFF00"/>
+          </a:solidFill>
+        </p:spPr>
+        <p:style>
+          <a:lnRef idx="2">
+            <a:schemeClr val="accent1">
+              <a:shade val="50000"/>
+            </a:schemeClr>
+          </a:lnRef>
+          <a:fillRef idx="1">
+            <a:schemeClr val="accent1"/>
+          </a:fillRef>
+          <a:effectRef idx="0">
+            <a:schemeClr val="accent1"/>
+          </a:effectRef>
+          <a:fontRef idx="minor">
+            <a:schemeClr val="lt1"/>
+          </a:fontRef>
+        </p:style>
+        <p:txBody>
+          <a:bodyPr rtlCol="0" anchor="ctr"/>
+          <a:lstStyle/>
+          <a:p>
+            <a:pPr marL="0" marR="0" lvl="0" indent="0" algn="ctr" defTabSz="457200" rtl="0" eaLnBrk="1" fontAlgn="auto" latinLnBrk="0" hangingPunct="1">
+              <a:lnSpc>
+                <a:spcPct val="100000"/>
+              </a:lnSpc>
+              <a:spcBef>
+                <a:spcPts val="0"/>
+              </a:spcBef>
+              <a:spcAft>
+                <a:spcPts val="0"/>
+              </a:spcAft>
+              <a:buClrTx/>
+              <a:buSzTx/>
+              <a:buFontTx/>
+              <a:buNone/>
+              <a:tabLst/>
+              <a:defRPr/>
+            </a:pPr>
+            <a:r>
+              <a:rPr kumimoji="0" lang="en-US" altLang="zh-CN" sz="2800" b="1" i="0" u="none" strike="noStrike" kern="1200" cap="none" spc="0" normalizeH="0" baseline="0" noProof="0" dirty="0">
+                <a:ln>
+                  <a:noFill/>
+                </a:ln>
+                <a:solidFill>
+                  <a:srgbClr val="C00000"/>
+                </a:solidFill>
+                <a:effectLst/>
+                <a:uLnTx/>
+                <a:uFillTx/>
+                <a:latin typeface="Century Gothic" panose="020B0502020202020204"/>
+                <a:ea typeface="幼圆" panose="02010509060101010101" pitchFamily="49" charset="-122"/>
+                <a:cs typeface="+mn-cs"/>
+              </a:rPr>
+              <a:t>5.99</a:t>
+            </a:r>
+            <a:r>
+              <a:rPr kumimoji="0" lang="zh-CN" altLang="en-US" sz="2800" b="1" i="0" u="none" strike="noStrike" kern="1200" cap="none" spc="0" normalizeH="0" baseline="0" noProof="0" dirty="0">
+                <a:ln>
+                  <a:noFill/>
+                </a:ln>
+                <a:solidFill>
+                  <a:srgbClr val="C00000"/>
+                </a:solidFill>
+                <a:effectLst/>
+                <a:uLnTx/>
+                <a:uFillTx/>
+                <a:latin typeface="Century Gothic" panose="020B0502020202020204"/>
+                <a:ea typeface="幼圆" panose="02010509060101010101" pitchFamily="49" charset="-122"/>
+                <a:cs typeface="+mn-cs"/>
+              </a:rPr>
+              <a:t>元</a:t>
+            </a:r>
+          </a:p>
+        </p:txBody>
+      </p:sp>
+      <p:pic>
+        <p:nvPicPr>
+          <p:cNvPr id="2" name="图片 1">
+            <a:extLst>
+              <a:ext uri="{FF2B5EF4-FFF2-40B4-BE49-F238E27FC236}">
+                <a16:creationId xmlns:a16="http://schemas.microsoft.com/office/drawing/2014/main" id="{4149CCD5-A663-4E0A-B8DF-CF87229EFC6A}"/>
+              </a:ext>
+            </a:extLst>
+          </p:cNvPr>
+          <p:cNvPicPr>
+            <a:picLocks noChangeAspect="1"/>
+          </p:cNvPicPr>
+          <p:nvPr/>
+        </p:nvPicPr>
+        <p:blipFill>
+          <a:blip r:embed="rId2"/>
+          <a:stretch>
+            <a:fillRect/>
+          </a:stretch>
+        </p:blipFill>
+        <p:spPr>
+          <a:xfrm>
+            <a:off x="1930578" y="1570591"/>
+            <a:ext cx="1014726" cy="1071850"/>
+          </a:xfrm>
+          <a:prstGeom prst="rect">
+            <a:avLst/>
+          </a:prstGeom>
+        </p:spPr>
+      </p:pic>
+    </p:spTree>
+    <p:extLst>
+      <p:ext uri="{BB962C8B-B14F-4D97-AF65-F5344CB8AC3E}">
+        <p14:creationId xmlns:p14="http://schemas.microsoft.com/office/powerpoint/2010/main" val="1267039053"/>
+      </p:ext>
+    </p:extLst>
+  </p:cSld>
+  <p:clrMapOvr>
+    <a:masterClrMapping/>
+  </p:clrMapOvr>
+</p:sld>
+</file>
+
+<file path=ppt/slides/slide9.xml><?xml version="1.0" encoding="utf-8"?>
+<p:sld xmlns:a="http://schemas.openxmlformats.org/drawingml/2006/main" xmlns:r="http://schemas.openxmlformats.org/officeDocument/2006/relationships" xmlns:p="http://schemas.openxmlformats.org/presentationml/2006/main">
+  <p:cSld>
+    <p:spTree>
+      <p:nvGrpSpPr>
+        <p:cNvPr id="1" name=""/>
+        <p:cNvGrpSpPr/>
+        <p:nvPr/>
+      </p:nvGrpSpPr>
+      <p:grpSpPr>
+        <a:xfrm>
+          <a:off x="0" y="0"/>
+          <a:ext cx="0" cy="0"/>
+          <a:chOff x="0" y="0"/>
+          <a:chExt cx="0" cy="0"/>
+        </a:xfrm>
+      </p:grpSpPr>
+      <p:sp>
+        <p:nvSpPr>
+          <p:cNvPr id="3" name="矩形 2">
+            <a:extLst>
+              <a:ext uri="{FF2B5EF4-FFF2-40B4-BE49-F238E27FC236}">
+                <a16:creationId xmlns:a16="http://schemas.microsoft.com/office/drawing/2014/main" id="{D4E95205-5AF1-4D5D-90CA-AE504D8E4436}"/>
+              </a:ext>
+            </a:extLst>
+          </p:cNvPr>
+          <p:cNvSpPr/>
+          <p:nvPr/>
+        </p:nvSpPr>
+        <p:spPr>
+          <a:xfrm>
+            <a:off x="1633220" y="1197962"/>
+            <a:ext cx="6096000" cy="3108543"/>
+          </a:xfrm>
+          <a:prstGeom prst="rect">
+            <a:avLst/>
+          </a:prstGeom>
+        </p:spPr>
+        <p:txBody>
+          <a:bodyPr>
+            <a:spAutoFit/>
+          </a:bodyPr>
+          <a:lstStyle/>
+          <a:p>
+            <a:pPr>
+              <a:defRPr/>
+            </a:pPr>
+            <a:r>
+              <a:rPr lang="zh-CN" altLang="en-US" sz="3200" b="1" dirty="0">
+                <a:solidFill>
+                  <a:srgbClr val="FFFF00"/>
+                </a:solidFill>
+                <a:latin typeface="华文中宋" panose="02010600040101010101" pitchFamily="2" charset="-122"/>
+                <a:ea typeface="华文中宋" panose="02010600040101010101" pitchFamily="2" charset="-122"/>
+              </a:rPr>
+              <a:t>直接拍下！</a:t>
+            </a:r>
+            <a:endParaRPr lang="en-US" altLang="zh-CN" sz="3200" b="1" dirty="0">
+              <a:solidFill>
+                <a:srgbClr val="FFFF00"/>
+              </a:solidFill>
+              <a:latin typeface="华文中宋" panose="02010600040101010101" pitchFamily="2" charset="-122"/>
+              <a:ea typeface="华文中宋" panose="02010600040101010101" pitchFamily="2" charset="-122"/>
+            </a:endParaRPr>
+          </a:p>
+          <a:p>
+            <a:pPr>
+              <a:defRPr/>
+            </a:pPr>
+            <a:endParaRPr lang="en-US" altLang="zh-CN" sz="800" b="1" dirty="0">
+              <a:solidFill>
+                <a:srgbClr val="FFFF00"/>
+              </a:solidFill>
+              <a:latin typeface="华文中宋" panose="02010600040101010101" pitchFamily="2" charset="-122"/>
+              <a:ea typeface="华文中宋" panose="02010600040101010101" pitchFamily="2" charset="-122"/>
+            </a:endParaRPr>
+          </a:p>
+          <a:p>
+            <a:pPr>
+              <a:defRPr/>
+            </a:pPr>
+            <a:r>
+              <a:rPr lang="zh-CN" altLang="en-US" sz="3200" b="1" dirty="0">
+                <a:solidFill>
+                  <a:srgbClr val="FFFF00"/>
+                </a:solidFill>
+                <a:latin typeface="华文中宋" panose="02010600040101010101" pitchFamily="2" charset="-122"/>
+                <a:ea typeface="华文中宋" panose="02010600040101010101" pitchFamily="2" charset="-122"/>
+              </a:rPr>
+              <a:t>自动发货！</a:t>
+            </a:r>
+            <a:endParaRPr lang="en-US" altLang="zh-CN" sz="3200" b="1" dirty="0">
+              <a:solidFill>
+                <a:srgbClr val="FFFF00"/>
+              </a:solidFill>
+              <a:latin typeface="华文中宋" panose="02010600040101010101" pitchFamily="2" charset="-122"/>
+              <a:ea typeface="华文中宋" panose="02010600040101010101" pitchFamily="2" charset="-122"/>
+            </a:endParaRPr>
+          </a:p>
+          <a:p>
+            <a:pPr>
+              <a:defRPr/>
+            </a:pPr>
+            <a:endParaRPr lang="en-US" altLang="zh-CN" sz="800" b="1" dirty="0">
+              <a:solidFill>
+                <a:srgbClr val="FFFF00"/>
+              </a:solidFill>
+              <a:latin typeface="华文中宋" panose="02010600040101010101" pitchFamily="2" charset="-122"/>
+              <a:ea typeface="华文中宋" panose="02010600040101010101" pitchFamily="2" charset="-122"/>
+            </a:endParaRPr>
+          </a:p>
+          <a:p>
+            <a:pPr>
+              <a:defRPr/>
+            </a:pPr>
+            <a:r>
+              <a:rPr lang="zh-CN" altLang="en-US" sz="3200" b="1" dirty="0">
+                <a:solidFill>
+                  <a:srgbClr val="FFFF00"/>
+                </a:solidFill>
+                <a:latin typeface="华文中宋" panose="02010600040101010101" pitchFamily="2" charset="-122"/>
+                <a:ea typeface="华文中宋" panose="02010600040101010101" pitchFamily="2" charset="-122"/>
+              </a:rPr>
+              <a:t>自动发送到旺旺！</a:t>
+            </a:r>
+            <a:endParaRPr lang="en-US" altLang="zh-CN" sz="3200" b="1" dirty="0">
+              <a:solidFill>
+                <a:srgbClr val="FFFF00"/>
+              </a:solidFill>
+              <a:latin typeface="华文中宋" panose="02010600040101010101" pitchFamily="2" charset="-122"/>
+              <a:ea typeface="华文中宋" panose="02010600040101010101" pitchFamily="2" charset="-122"/>
+            </a:endParaRPr>
+          </a:p>
+          <a:p>
+            <a:pPr>
+              <a:defRPr/>
+            </a:pPr>
+            <a:endParaRPr lang="en-US" altLang="zh-CN" sz="800" b="1" dirty="0">
+              <a:solidFill>
+                <a:srgbClr val="FFFF00"/>
+              </a:solidFill>
+              <a:latin typeface="华文中宋" panose="02010600040101010101" pitchFamily="2" charset="-122"/>
+              <a:ea typeface="华文中宋" panose="02010600040101010101" pitchFamily="2" charset="-122"/>
+            </a:endParaRPr>
+          </a:p>
+          <a:p>
+            <a:pPr>
+              <a:defRPr/>
+            </a:pPr>
+            <a:r>
+              <a:rPr lang="zh-CN" altLang="en-US" sz="3200" b="1" dirty="0">
+                <a:solidFill>
+                  <a:srgbClr val="FFFF00"/>
+                </a:solidFill>
+                <a:latin typeface="华文中宋" panose="02010600040101010101" pitchFamily="2" charset="-122"/>
+                <a:ea typeface="华文中宋" panose="02010600040101010101" pitchFamily="2" charset="-122"/>
+              </a:rPr>
+              <a:t>拍前无需联系客服！</a:t>
+            </a:r>
+            <a:endParaRPr lang="en-US" altLang="zh-CN" sz="3200" b="1" dirty="0">
+              <a:solidFill>
+                <a:srgbClr val="FFFF00"/>
+              </a:solidFill>
+              <a:latin typeface="华文中宋" panose="02010600040101010101" pitchFamily="2" charset="-122"/>
+              <a:ea typeface="华文中宋" panose="02010600040101010101" pitchFamily="2" charset="-122"/>
+            </a:endParaRPr>
+          </a:p>
+          <a:p>
+            <a:pPr>
+              <a:defRPr/>
+            </a:pPr>
+            <a:endParaRPr lang="en-US" altLang="zh-CN" sz="800" b="1" dirty="0">
+              <a:solidFill>
+                <a:srgbClr val="FFFF00"/>
+              </a:solidFill>
+              <a:latin typeface="华文中宋" panose="02010600040101010101" pitchFamily="2" charset="-122"/>
+              <a:ea typeface="华文中宋" panose="02010600040101010101" pitchFamily="2" charset="-122"/>
+            </a:endParaRPr>
+          </a:p>
+          <a:p>
+            <a:pPr>
+              <a:defRPr/>
+            </a:pPr>
+            <a:r>
+              <a:rPr lang="zh-CN" altLang="en-US" sz="3200" b="1" dirty="0">
+                <a:solidFill>
+                  <a:srgbClr val="FFFF00"/>
+                </a:solidFill>
+                <a:latin typeface="华文中宋" panose="02010600040101010101" pitchFamily="2" charset="-122"/>
+                <a:ea typeface="华文中宋" panose="02010600040101010101" pitchFamily="2" charset="-122"/>
+              </a:rPr>
+              <a:t>不在线也可购买！</a:t>
+            </a:r>
+          </a:p>
+        </p:txBody>
+      </p:sp>
+    </p:spTree>
+    <p:extLst>
+      <p:ext uri="{BB962C8B-B14F-4D97-AF65-F5344CB8AC3E}">
+        <p14:creationId xmlns:p14="http://schemas.microsoft.com/office/powerpoint/2010/main" val="3875606649"/>
       </p:ext>
     </p:extLst>
   </p:cSld>
